--- a/OOP/Midterm/Week 4/Lecture/Inheritance and Polymorphism in PHP (OOP).pptx
+++ b/OOP/Midterm/Week 4/Lecture/Inheritance and Polymorphism in PHP (OOP).pptx
@@ -5,26 +5,32 @@
     <p:sldMasterId id="2147483658" r:id="rId4"/>
   </p:sldMasterIdLst>
   <p:notesMasterIdLst>
-    <p:notesMasterId r:id="rId19"/>
+    <p:notesMasterId r:id="rId25"/>
   </p:notesMasterIdLst>
   <p:handoutMasterIdLst>
-    <p:handoutMasterId r:id="rId20"/>
+    <p:handoutMasterId r:id="rId26"/>
   </p:handoutMasterIdLst>
   <p:sldIdLst>
     <p:sldId id="410" r:id="rId5"/>
     <p:sldId id="383" r:id="rId6"/>
     <p:sldId id="391" r:id="rId7"/>
-    <p:sldId id="411" r:id="rId8"/>
-    <p:sldId id="412" r:id="rId9"/>
-    <p:sldId id="413" r:id="rId10"/>
-    <p:sldId id="414" r:id="rId11"/>
-    <p:sldId id="415" r:id="rId12"/>
-    <p:sldId id="416" r:id="rId13"/>
-    <p:sldId id="417" r:id="rId14"/>
-    <p:sldId id="418" r:id="rId15"/>
-    <p:sldId id="419" r:id="rId16"/>
-    <p:sldId id="403" r:id="rId17"/>
-    <p:sldId id="398" r:id="rId18"/>
+    <p:sldId id="412" r:id="rId8"/>
+    <p:sldId id="413" r:id="rId9"/>
+    <p:sldId id="414" r:id="rId10"/>
+    <p:sldId id="411" r:id="rId11"/>
+    <p:sldId id="422" r:id="rId12"/>
+    <p:sldId id="423" r:id="rId13"/>
+    <p:sldId id="424" r:id="rId14"/>
+    <p:sldId id="425" r:id="rId15"/>
+    <p:sldId id="415" r:id="rId16"/>
+    <p:sldId id="421" r:id="rId17"/>
+    <p:sldId id="420" r:id="rId18"/>
+    <p:sldId id="416" r:id="rId19"/>
+    <p:sldId id="417" r:id="rId20"/>
+    <p:sldId id="418" r:id="rId21"/>
+    <p:sldId id="419" r:id="rId22"/>
+    <p:sldId id="403" r:id="rId23"/>
+    <p:sldId id="398" r:id="rId24"/>
   </p:sldIdLst>
   <p:sldSz cx="12192000" cy="6858000"/>
   <p:notesSz cx="6858000" cy="9144000"/>
@@ -203,7 +209,7 @@
           <a:p>
             <a:fld id="{1EBEDD12-BCD5-485B-BCBC-34BB01D7923C}" type="datetimeFigureOut">
               <a:rPr lang="en-US" smtClean="0"/>
-              <a:t>8/11/2025</a:t>
+              <a:t>9/7/2025</a:t>
             </a:fld>
             <a:endParaRPr lang="en-US" dirty="0"/>
           </a:p>
@@ -417,7 +423,7 @@
           <a:p>
             <a:fld id="{6EE7A52F-9D89-7442-A8E9-48D1527B5F6B}" type="datetimeFigureOut">
               <a:rPr lang="en-US" smtClean="0"/>
-              <a:t>8/11/2025</a:t>
+              <a:t>9/7/2025</a:t>
             </a:fld>
             <a:endParaRPr lang="en-US" dirty="0"/>
           </a:p>
@@ -776,6 +782,927 @@
         <p:cNvPr id="1" name="">
           <a:extLst>
             <a:ext uri="{FF2B5EF4-FFF2-40B4-BE49-F238E27FC236}">
+              <a16:creationId xmlns:a16="http://schemas.microsoft.com/office/drawing/2014/main" id="{3DBE9386-E1F5-2573-182E-9F96462FD38B}"/>
+            </a:ext>
+          </a:extLst>
+        </p:cNvPr>
+        <p:cNvGrpSpPr/>
+        <p:nvPr/>
+      </p:nvGrpSpPr>
+      <p:grpSpPr>
+        <a:xfrm>
+          <a:off x="0" y="0"/>
+          <a:ext cx="0" cy="0"/>
+          <a:chOff x="0" y="0"/>
+          <a:chExt cx="0" cy="0"/>
+        </a:xfrm>
+      </p:grpSpPr>
+      <p:sp>
+        <p:nvSpPr>
+          <p:cNvPr id="2" name="Slide Image Placeholder 1">
+            <a:extLst>
+              <a:ext uri="{FF2B5EF4-FFF2-40B4-BE49-F238E27FC236}">
+                <a16:creationId xmlns:a16="http://schemas.microsoft.com/office/drawing/2014/main" id="{D1AC27A9-45A2-A51F-C89F-6C44172AAE24}"/>
+              </a:ext>
+            </a:extLst>
+          </p:cNvPr>
+          <p:cNvSpPr>
+            <a:spLocks noGrp="1" noRot="1" noChangeAspect="1"/>
+          </p:cNvSpPr>
+          <p:nvPr>
+            <p:ph type="sldImg"/>
+          </p:nvPr>
+        </p:nvSpPr>
+        <p:spPr/>
+      </p:sp>
+      <p:sp>
+        <p:nvSpPr>
+          <p:cNvPr id="3" name="Notes Placeholder 2">
+            <a:extLst>
+              <a:ext uri="{FF2B5EF4-FFF2-40B4-BE49-F238E27FC236}">
+                <a16:creationId xmlns:a16="http://schemas.microsoft.com/office/drawing/2014/main" id="{A0E7081C-2DEA-1247-58B3-873B92C74BCE}"/>
+              </a:ext>
+            </a:extLst>
+          </p:cNvPr>
+          <p:cNvSpPr>
+            <a:spLocks noGrp="1"/>
+          </p:cNvSpPr>
+          <p:nvPr>
+            <p:ph type="body" idx="1"/>
+          </p:nvPr>
+        </p:nvSpPr>
+        <p:spPr/>
+        <p:txBody>
+          <a:bodyPr/>
+          <a:lstStyle/>
+          <a:p>
+            <a:endParaRPr lang="en-US" dirty="0"/>
+          </a:p>
+        </p:txBody>
+      </p:sp>
+      <p:sp>
+        <p:nvSpPr>
+          <p:cNvPr id="4" name="Slide Number Placeholder 3">
+            <a:extLst>
+              <a:ext uri="{FF2B5EF4-FFF2-40B4-BE49-F238E27FC236}">
+                <a16:creationId xmlns:a16="http://schemas.microsoft.com/office/drawing/2014/main" id="{918B3EB3-BB40-12D1-292B-47660760BB3C}"/>
+              </a:ext>
+            </a:extLst>
+          </p:cNvPr>
+          <p:cNvSpPr>
+            <a:spLocks noGrp="1"/>
+          </p:cNvSpPr>
+          <p:nvPr>
+            <p:ph type="sldNum" sz="quarter" idx="5"/>
+          </p:nvPr>
+        </p:nvSpPr>
+        <p:spPr/>
+        <p:txBody>
+          <a:bodyPr/>
+          <a:lstStyle/>
+          <a:p>
+            <a:fld id="{A89C7E07-3C67-C64C-8DA0-0404F6303970}" type="slidenum">
+              <a:rPr lang="en-US" smtClean="0"/>
+              <a:t>10</a:t>
+            </a:fld>
+            <a:endParaRPr lang="en-US" dirty="0"/>
+          </a:p>
+        </p:txBody>
+      </p:sp>
+    </p:spTree>
+    <p:extLst>
+      <p:ext uri="{BB962C8B-B14F-4D97-AF65-F5344CB8AC3E}">
+        <p14:creationId xmlns:p14="http://schemas.microsoft.com/office/powerpoint/2010/main" val="2020118473"/>
+      </p:ext>
+    </p:extLst>
+  </p:cSld>
+  <p:clrMapOvr>
+    <a:masterClrMapping/>
+  </p:clrMapOvr>
+</p:notes>
+</file>
+
+<file path=ppt/notesSlides/notesSlide11.xml><?xml version="1.0" encoding="utf-8"?>
+<p:notes xmlns:a="http://schemas.openxmlformats.org/drawingml/2006/main" xmlns:r="http://schemas.openxmlformats.org/officeDocument/2006/relationships" xmlns:p="http://schemas.openxmlformats.org/presentationml/2006/main">
+  <p:cSld>
+    <p:spTree>
+      <p:nvGrpSpPr>
+        <p:cNvPr id="1" name="">
+          <a:extLst>
+            <a:ext uri="{FF2B5EF4-FFF2-40B4-BE49-F238E27FC236}">
+              <a16:creationId xmlns:a16="http://schemas.microsoft.com/office/drawing/2014/main" id="{B3573F34-01C7-76CE-9971-6BE2F6F2CFE7}"/>
+            </a:ext>
+          </a:extLst>
+        </p:cNvPr>
+        <p:cNvGrpSpPr/>
+        <p:nvPr/>
+      </p:nvGrpSpPr>
+      <p:grpSpPr>
+        <a:xfrm>
+          <a:off x="0" y="0"/>
+          <a:ext cx="0" cy="0"/>
+          <a:chOff x="0" y="0"/>
+          <a:chExt cx="0" cy="0"/>
+        </a:xfrm>
+      </p:grpSpPr>
+      <p:sp>
+        <p:nvSpPr>
+          <p:cNvPr id="2" name="Slide Image Placeholder 1">
+            <a:extLst>
+              <a:ext uri="{FF2B5EF4-FFF2-40B4-BE49-F238E27FC236}">
+                <a16:creationId xmlns:a16="http://schemas.microsoft.com/office/drawing/2014/main" id="{F19CEEDF-AED8-3E77-5A7F-1715D444125C}"/>
+              </a:ext>
+            </a:extLst>
+          </p:cNvPr>
+          <p:cNvSpPr>
+            <a:spLocks noGrp="1" noRot="1" noChangeAspect="1"/>
+          </p:cNvSpPr>
+          <p:nvPr>
+            <p:ph type="sldImg"/>
+          </p:nvPr>
+        </p:nvSpPr>
+        <p:spPr/>
+      </p:sp>
+      <p:sp>
+        <p:nvSpPr>
+          <p:cNvPr id="3" name="Notes Placeholder 2">
+            <a:extLst>
+              <a:ext uri="{FF2B5EF4-FFF2-40B4-BE49-F238E27FC236}">
+                <a16:creationId xmlns:a16="http://schemas.microsoft.com/office/drawing/2014/main" id="{BDDC5229-7272-5111-E889-E9348FBF0730}"/>
+              </a:ext>
+            </a:extLst>
+          </p:cNvPr>
+          <p:cNvSpPr>
+            <a:spLocks noGrp="1"/>
+          </p:cNvSpPr>
+          <p:nvPr>
+            <p:ph type="body" idx="1"/>
+          </p:nvPr>
+        </p:nvSpPr>
+        <p:spPr/>
+        <p:txBody>
+          <a:bodyPr/>
+          <a:lstStyle/>
+          <a:p>
+            <a:endParaRPr lang="en-US" dirty="0"/>
+          </a:p>
+        </p:txBody>
+      </p:sp>
+      <p:sp>
+        <p:nvSpPr>
+          <p:cNvPr id="4" name="Slide Number Placeholder 3">
+            <a:extLst>
+              <a:ext uri="{FF2B5EF4-FFF2-40B4-BE49-F238E27FC236}">
+                <a16:creationId xmlns:a16="http://schemas.microsoft.com/office/drawing/2014/main" id="{EBD8CC9A-D7D3-7C1D-379D-2AB85C9E53D6}"/>
+              </a:ext>
+            </a:extLst>
+          </p:cNvPr>
+          <p:cNvSpPr>
+            <a:spLocks noGrp="1"/>
+          </p:cNvSpPr>
+          <p:nvPr>
+            <p:ph type="sldNum" sz="quarter" idx="5"/>
+          </p:nvPr>
+        </p:nvSpPr>
+        <p:spPr/>
+        <p:txBody>
+          <a:bodyPr/>
+          <a:lstStyle/>
+          <a:p>
+            <a:fld id="{A89C7E07-3C67-C64C-8DA0-0404F6303970}" type="slidenum">
+              <a:rPr lang="en-US" smtClean="0"/>
+              <a:t>11</a:t>
+            </a:fld>
+            <a:endParaRPr lang="en-US" dirty="0"/>
+          </a:p>
+        </p:txBody>
+      </p:sp>
+    </p:spTree>
+    <p:extLst>
+      <p:ext uri="{BB962C8B-B14F-4D97-AF65-F5344CB8AC3E}">
+        <p14:creationId xmlns:p14="http://schemas.microsoft.com/office/powerpoint/2010/main" val="2823960638"/>
+      </p:ext>
+    </p:extLst>
+  </p:cSld>
+  <p:clrMapOvr>
+    <a:masterClrMapping/>
+  </p:clrMapOvr>
+</p:notes>
+</file>
+
+<file path=ppt/notesSlides/notesSlide12.xml><?xml version="1.0" encoding="utf-8"?>
+<p:notes xmlns:a="http://schemas.openxmlformats.org/drawingml/2006/main" xmlns:r="http://schemas.openxmlformats.org/officeDocument/2006/relationships" xmlns:p="http://schemas.openxmlformats.org/presentationml/2006/main">
+  <p:cSld>
+    <p:spTree>
+      <p:nvGrpSpPr>
+        <p:cNvPr id="1" name="">
+          <a:extLst>
+            <a:ext uri="{FF2B5EF4-FFF2-40B4-BE49-F238E27FC236}">
+              <a16:creationId xmlns:a16="http://schemas.microsoft.com/office/drawing/2014/main" id="{59C2A9A9-06C6-37E6-5DDE-C5D33B363E55}"/>
+            </a:ext>
+          </a:extLst>
+        </p:cNvPr>
+        <p:cNvGrpSpPr/>
+        <p:nvPr/>
+      </p:nvGrpSpPr>
+      <p:grpSpPr>
+        <a:xfrm>
+          <a:off x="0" y="0"/>
+          <a:ext cx="0" cy="0"/>
+          <a:chOff x="0" y="0"/>
+          <a:chExt cx="0" cy="0"/>
+        </a:xfrm>
+      </p:grpSpPr>
+      <p:sp>
+        <p:nvSpPr>
+          <p:cNvPr id="2" name="Slide Image Placeholder 1">
+            <a:extLst>
+              <a:ext uri="{FF2B5EF4-FFF2-40B4-BE49-F238E27FC236}">
+                <a16:creationId xmlns:a16="http://schemas.microsoft.com/office/drawing/2014/main" id="{16E7757E-6686-3108-18EA-81A781D22910}"/>
+              </a:ext>
+            </a:extLst>
+          </p:cNvPr>
+          <p:cNvSpPr>
+            <a:spLocks noGrp="1" noRot="1" noChangeAspect="1"/>
+          </p:cNvSpPr>
+          <p:nvPr>
+            <p:ph type="sldImg"/>
+          </p:nvPr>
+        </p:nvSpPr>
+        <p:spPr/>
+      </p:sp>
+      <p:sp>
+        <p:nvSpPr>
+          <p:cNvPr id="3" name="Notes Placeholder 2">
+            <a:extLst>
+              <a:ext uri="{FF2B5EF4-FFF2-40B4-BE49-F238E27FC236}">
+                <a16:creationId xmlns:a16="http://schemas.microsoft.com/office/drawing/2014/main" id="{B1FE4394-374D-48A6-DE67-2064E187A627}"/>
+              </a:ext>
+            </a:extLst>
+          </p:cNvPr>
+          <p:cNvSpPr>
+            <a:spLocks noGrp="1"/>
+          </p:cNvSpPr>
+          <p:nvPr>
+            <p:ph type="body" idx="1"/>
+          </p:nvPr>
+        </p:nvSpPr>
+        <p:spPr/>
+        <p:txBody>
+          <a:bodyPr/>
+          <a:lstStyle/>
+          <a:p>
+            <a:endParaRPr lang="en-US" dirty="0"/>
+          </a:p>
+        </p:txBody>
+      </p:sp>
+      <p:sp>
+        <p:nvSpPr>
+          <p:cNvPr id="4" name="Slide Number Placeholder 3">
+            <a:extLst>
+              <a:ext uri="{FF2B5EF4-FFF2-40B4-BE49-F238E27FC236}">
+                <a16:creationId xmlns:a16="http://schemas.microsoft.com/office/drawing/2014/main" id="{3CF91F92-A904-3BB2-498C-28918AB481C9}"/>
+              </a:ext>
+            </a:extLst>
+          </p:cNvPr>
+          <p:cNvSpPr>
+            <a:spLocks noGrp="1"/>
+          </p:cNvSpPr>
+          <p:nvPr>
+            <p:ph type="sldNum" sz="quarter" idx="5"/>
+          </p:nvPr>
+        </p:nvSpPr>
+        <p:spPr/>
+        <p:txBody>
+          <a:bodyPr/>
+          <a:lstStyle/>
+          <a:p>
+            <a:fld id="{A89C7E07-3C67-C64C-8DA0-0404F6303970}" type="slidenum">
+              <a:rPr lang="en-US" smtClean="0"/>
+              <a:t>12</a:t>
+            </a:fld>
+            <a:endParaRPr lang="en-US" dirty="0"/>
+          </a:p>
+        </p:txBody>
+      </p:sp>
+    </p:spTree>
+    <p:extLst>
+      <p:ext uri="{BB962C8B-B14F-4D97-AF65-F5344CB8AC3E}">
+        <p14:creationId xmlns:p14="http://schemas.microsoft.com/office/powerpoint/2010/main" val="2651364768"/>
+      </p:ext>
+    </p:extLst>
+  </p:cSld>
+  <p:clrMapOvr>
+    <a:masterClrMapping/>
+  </p:clrMapOvr>
+</p:notes>
+</file>
+
+<file path=ppt/notesSlides/notesSlide13.xml><?xml version="1.0" encoding="utf-8"?>
+<p:notes xmlns:a="http://schemas.openxmlformats.org/drawingml/2006/main" xmlns:r="http://schemas.openxmlformats.org/officeDocument/2006/relationships" xmlns:p="http://schemas.openxmlformats.org/presentationml/2006/main">
+  <p:cSld>
+    <p:spTree>
+      <p:nvGrpSpPr>
+        <p:cNvPr id="1" name="">
+          <a:extLst>
+            <a:ext uri="{FF2B5EF4-FFF2-40B4-BE49-F238E27FC236}">
+              <a16:creationId xmlns:a16="http://schemas.microsoft.com/office/drawing/2014/main" id="{97A8DA39-CA61-A91A-1F02-F2FA4520C0FC}"/>
+            </a:ext>
+          </a:extLst>
+        </p:cNvPr>
+        <p:cNvGrpSpPr/>
+        <p:nvPr/>
+      </p:nvGrpSpPr>
+      <p:grpSpPr>
+        <a:xfrm>
+          <a:off x="0" y="0"/>
+          <a:ext cx="0" cy="0"/>
+          <a:chOff x="0" y="0"/>
+          <a:chExt cx="0" cy="0"/>
+        </a:xfrm>
+      </p:grpSpPr>
+      <p:sp>
+        <p:nvSpPr>
+          <p:cNvPr id="2" name="Slide Image Placeholder 1">
+            <a:extLst>
+              <a:ext uri="{FF2B5EF4-FFF2-40B4-BE49-F238E27FC236}">
+                <a16:creationId xmlns:a16="http://schemas.microsoft.com/office/drawing/2014/main" id="{5F3472F9-7380-30F5-1E5D-646E70E4B5E7}"/>
+              </a:ext>
+            </a:extLst>
+          </p:cNvPr>
+          <p:cNvSpPr>
+            <a:spLocks noGrp="1" noRot="1" noChangeAspect="1"/>
+          </p:cNvSpPr>
+          <p:nvPr>
+            <p:ph type="sldImg"/>
+          </p:nvPr>
+        </p:nvSpPr>
+        <p:spPr/>
+      </p:sp>
+      <p:sp>
+        <p:nvSpPr>
+          <p:cNvPr id="3" name="Notes Placeholder 2">
+            <a:extLst>
+              <a:ext uri="{FF2B5EF4-FFF2-40B4-BE49-F238E27FC236}">
+                <a16:creationId xmlns:a16="http://schemas.microsoft.com/office/drawing/2014/main" id="{8DD77E15-ACA0-B7F4-7D86-625E5913B3CA}"/>
+              </a:ext>
+            </a:extLst>
+          </p:cNvPr>
+          <p:cNvSpPr>
+            <a:spLocks noGrp="1"/>
+          </p:cNvSpPr>
+          <p:nvPr>
+            <p:ph type="body" idx="1"/>
+          </p:nvPr>
+        </p:nvSpPr>
+        <p:spPr/>
+        <p:txBody>
+          <a:bodyPr/>
+          <a:lstStyle/>
+          <a:p>
+            <a:endParaRPr lang="en-US" dirty="0"/>
+          </a:p>
+        </p:txBody>
+      </p:sp>
+      <p:sp>
+        <p:nvSpPr>
+          <p:cNvPr id="4" name="Slide Number Placeholder 3">
+            <a:extLst>
+              <a:ext uri="{FF2B5EF4-FFF2-40B4-BE49-F238E27FC236}">
+                <a16:creationId xmlns:a16="http://schemas.microsoft.com/office/drawing/2014/main" id="{12D7AE67-CA85-5A8C-254D-A47DBA1E3DF8}"/>
+              </a:ext>
+            </a:extLst>
+          </p:cNvPr>
+          <p:cNvSpPr>
+            <a:spLocks noGrp="1"/>
+          </p:cNvSpPr>
+          <p:nvPr>
+            <p:ph type="sldNum" sz="quarter" idx="5"/>
+          </p:nvPr>
+        </p:nvSpPr>
+        <p:spPr/>
+        <p:txBody>
+          <a:bodyPr/>
+          <a:lstStyle/>
+          <a:p>
+            <a:fld id="{A89C7E07-3C67-C64C-8DA0-0404F6303970}" type="slidenum">
+              <a:rPr lang="en-US" smtClean="0"/>
+              <a:t>13</a:t>
+            </a:fld>
+            <a:endParaRPr lang="en-US" dirty="0"/>
+          </a:p>
+        </p:txBody>
+      </p:sp>
+    </p:spTree>
+    <p:extLst>
+      <p:ext uri="{BB962C8B-B14F-4D97-AF65-F5344CB8AC3E}">
+        <p14:creationId xmlns:p14="http://schemas.microsoft.com/office/powerpoint/2010/main" val="2185612984"/>
+      </p:ext>
+    </p:extLst>
+  </p:cSld>
+  <p:clrMapOvr>
+    <a:masterClrMapping/>
+  </p:clrMapOvr>
+</p:notes>
+</file>
+
+<file path=ppt/notesSlides/notesSlide14.xml><?xml version="1.0" encoding="utf-8"?>
+<p:notes xmlns:a="http://schemas.openxmlformats.org/drawingml/2006/main" xmlns:r="http://schemas.openxmlformats.org/officeDocument/2006/relationships" xmlns:p="http://schemas.openxmlformats.org/presentationml/2006/main">
+  <p:cSld>
+    <p:spTree>
+      <p:nvGrpSpPr>
+        <p:cNvPr id="1" name="">
+          <a:extLst>
+            <a:ext uri="{FF2B5EF4-FFF2-40B4-BE49-F238E27FC236}">
+              <a16:creationId xmlns:a16="http://schemas.microsoft.com/office/drawing/2014/main" id="{D784DEE7-8138-9DC2-3A68-9349711FAD8F}"/>
+            </a:ext>
+          </a:extLst>
+        </p:cNvPr>
+        <p:cNvGrpSpPr/>
+        <p:nvPr/>
+      </p:nvGrpSpPr>
+      <p:grpSpPr>
+        <a:xfrm>
+          <a:off x="0" y="0"/>
+          <a:ext cx="0" cy="0"/>
+          <a:chOff x="0" y="0"/>
+          <a:chExt cx="0" cy="0"/>
+        </a:xfrm>
+      </p:grpSpPr>
+      <p:sp>
+        <p:nvSpPr>
+          <p:cNvPr id="2" name="Slide Image Placeholder 1">
+            <a:extLst>
+              <a:ext uri="{FF2B5EF4-FFF2-40B4-BE49-F238E27FC236}">
+                <a16:creationId xmlns:a16="http://schemas.microsoft.com/office/drawing/2014/main" id="{7175DB64-D1B2-CFBD-C024-F898BA2DAA9E}"/>
+              </a:ext>
+            </a:extLst>
+          </p:cNvPr>
+          <p:cNvSpPr>
+            <a:spLocks noGrp="1" noRot="1" noChangeAspect="1"/>
+          </p:cNvSpPr>
+          <p:nvPr>
+            <p:ph type="sldImg"/>
+          </p:nvPr>
+        </p:nvSpPr>
+        <p:spPr/>
+      </p:sp>
+      <p:sp>
+        <p:nvSpPr>
+          <p:cNvPr id="3" name="Notes Placeholder 2">
+            <a:extLst>
+              <a:ext uri="{FF2B5EF4-FFF2-40B4-BE49-F238E27FC236}">
+                <a16:creationId xmlns:a16="http://schemas.microsoft.com/office/drawing/2014/main" id="{23877AAC-6D63-9094-9A07-DA4F30B2218F}"/>
+              </a:ext>
+            </a:extLst>
+          </p:cNvPr>
+          <p:cNvSpPr>
+            <a:spLocks noGrp="1"/>
+          </p:cNvSpPr>
+          <p:nvPr>
+            <p:ph type="body" idx="1"/>
+          </p:nvPr>
+        </p:nvSpPr>
+        <p:spPr/>
+        <p:txBody>
+          <a:bodyPr/>
+          <a:lstStyle/>
+          <a:p>
+            <a:r>
+              <a:rPr lang="en-US" dirty="0"/>
+              <a:t>&lt;?</a:t>
+            </a:r>
+            <a:r>
+              <a:rPr lang="en-US" dirty="0" err="1"/>
+              <a:t>php</a:t>
+            </a:r>
+            <a:endParaRPr lang="en-US" dirty="0"/>
+          </a:p>
+          <a:p>
+            <a:r>
+              <a:rPr lang="en-US" dirty="0"/>
+              <a:t>class Person {</a:t>
+            </a:r>
+          </a:p>
+          <a:p>
+            <a:r>
+              <a:rPr lang="en-US" dirty="0"/>
+              <a:t>    // Parent attributes</a:t>
+            </a:r>
+          </a:p>
+          <a:p>
+            <a:r>
+              <a:rPr lang="en-US" dirty="0"/>
+              <a:t>    protected $name;</a:t>
+            </a:r>
+          </a:p>
+          <a:p>
+            <a:r>
+              <a:rPr lang="en-US" dirty="0"/>
+              <a:t>    protected $age;</a:t>
+            </a:r>
+          </a:p>
+          <a:p>
+            <a:endParaRPr lang="en-US" dirty="0"/>
+          </a:p>
+          <a:p>
+            <a:r>
+              <a:rPr lang="en-US" dirty="0"/>
+              <a:t>    // Parent constructor</a:t>
+            </a:r>
+          </a:p>
+          <a:p>
+            <a:r>
+              <a:rPr lang="en-US" dirty="0"/>
+              <a:t>    public function __construct($name, $age) {</a:t>
+            </a:r>
+          </a:p>
+          <a:p>
+            <a:r>
+              <a:rPr lang="en-US" dirty="0"/>
+              <a:t>        $this-&gt;name = $name;</a:t>
+            </a:r>
+          </a:p>
+          <a:p>
+            <a:r>
+              <a:rPr lang="en-US" dirty="0"/>
+              <a:t>        $this-&gt;age = $age;</a:t>
+            </a:r>
+          </a:p>
+          <a:p>
+            <a:r>
+              <a:rPr lang="en-US" dirty="0"/>
+              <a:t>    }</a:t>
+            </a:r>
+          </a:p>
+          <a:p>
+            <a:endParaRPr lang="en-US" dirty="0"/>
+          </a:p>
+          <a:p>
+            <a:r>
+              <a:rPr lang="en-US" dirty="0"/>
+              <a:t>    public function </a:t>
+            </a:r>
+            <a:r>
+              <a:rPr lang="en-US" dirty="0" err="1"/>
+              <a:t>displayInfo</a:t>
+            </a:r>
+            <a:r>
+              <a:rPr lang="en-US" dirty="0"/>
+              <a:t>() {</a:t>
+            </a:r>
+          </a:p>
+          <a:p>
+            <a:r>
+              <a:rPr lang="en-US" dirty="0"/>
+              <a:t>        echo "Name: $this-&gt;name, Age: $this-&gt;age\n";</a:t>
+            </a:r>
+          </a:p>
+          <a:p>
+            <a:r>
+              <a:rPr lang="en-US" dirty="0"/>
+              <a:t>    }</a:t>
+            </a:r>
+          </a:p>
+          <a:p>
+            <a:r>
+              <a:rPr lang="en-US" dirty="0"/>
+              <a:t>}</a:t>
+            </a:r>
+          </a:p>
+          <a:p>
+            <a:endParaRPr lang="en-US" dirty="0"/>
+          </a:p>
+          <a:p>
+            <a:r>
+              <a:rPr lang="en-US" dirty="0"/>
+              <a:t>// Child class inherits from Person</a:t>
+            </a:r>
+          </a:p>
+          <a:p>
+            <a:r>
+              <a:rPr lang="en-US" dirty="0"/>
+              <a:t>class Student extends Person {</a:t>
+            </a:r>
+          </a:p>
+          <a:p>
+            <a:r>
+              <a:rPr lang="en-US" dirty="0"/>
+              <a:t>    private $</a:t>
+            </a:r>
+            <a:r>
+              <a:rPr lang="en-US" dirty="0" err="1"/>
+              <a:t>studentID</a:t>
+            </a:r>
+            <a:r>
+              <a:rPr lang="en-US" dirty="0"/>
+              <a:t>;</a:t>
+            </a:r>
+          </a:p>
+          <a:p>
+            <a:endParaRPr lang="en-US" dirty="0"/>
+          </a:p>
+          <a:p>
+            <a:r>
+              <a:rPr lang="en-US" dirty="0"/>
+              <a:t>    // Child constructor</a:t>
+            </a:r>
+          </a:p>
+          <a:p>
+            <a:r>
+              <a:rPr lang="en-US" dirty="0"/>
+              <a:t>    public function __construct($name, $age, $</a:t>
+            </a:r>
+            <a:r>
+              <a:rPr lang="en-US" dirty="0" err="1"/>
+              <a:t>studentID</a:t>
+            </a:r>
+            <a:r>
+              <a:rPr lang="en-US" dirty="0"/>
+              <a:t>) {</a:t>
+            </a:r>
+          </a:p>
+          <a:p>
+            <a:r>
+              <a:rPr lang="en-US" dirty="0"/>
+              <a:t>        // Call parent constructor</a:t>
+            </a:r>
+          </a:p>
+          <a:p>
+            <a:r>
+              <a:rPr lang="en-US" dirty="0"/>
+              <a:t>        parent::__construct($name, $age);</a:t>
+            </a:r>
+          </a:p>
+          <a:p>
+            <a:r>
+              <a:rPr lang="en-US" dirty="0"/>
+              <a:t>        $this-&gt;</a:t>
+            </a:r>
+            <a:r>
+              <a:rPr lang="en-US" dirty="0" err="1"/>
+              <a:t>studentID</a:t>
+            </a:r>
+            <a:r>
+              <a:rPr lang="en-US" dirty="0"/>
+              <a:t> = $</a:t>
+            </a:r>
+            <a:r>
+              <a:rPr lang="en-US" dirty="0" err="1"/>
+              <a:t>studentID</a:t>
+            </a:r>
+            <a:r>
+              <a:rPr lang="en-US" dirty="0"/>
+              <a:t>;</a:t>
+            </a:r>
+          </a:p>
+          <a:p>
+            <a:r>
+              <a:rPr lang="en-US" dirty="0"/>
+              <a:t>    }</a:t>
+            </a:r>
+          </a:p>
+          <a:p>
+            <a:endParaRPr lang="en-US" dirty="0"/>
+          </a:p>
+          <a:p>
+            <a:r>
+              <a:rPr lang="en-US" dirty="0"/>
+              <a:t>    public function </a:t>
+            </a:r>
+            <a:r>
+              <a:rPr lang="en-US" dirty="0" err="1"/>
+              <a:t>displayStudent</a:t>
+            </a:r>
+            <a:r>
+              <a:rPr lang="en-US" dirty="0"/>
+              <a:t>() {</a:t>
+            </a:r>
+          </a:p>
+          <a:p>
+            <a:r>
+              <a:rPr lang="en-US" dirty="0"/>
+              <a:t>        echo "Name: $this-&gt;name, Age: $this-&gt;age, Student ID: $this-&gt;</a:t>
+            </a:r>
+            <a:r>
+              <a:rPr lang="en-US" dirty="0" err="1"/>
+              <a:t>studentID</a:t>
+            </a:r>
+            <a:r>
+              <a:rPr lang="en-US" dirty="0"/>
+              <a:t>\n";</a:t>
+            </a:r>
+          </a:p>
+          <a:p>
+            <a:r>
+              <a:rPr lang="en-US" dirty="0"/>
+              <a:t>    }</a:t>
+            </a:r>
+          </a:p>
+          <a:p>
+            <a:r>
+              <a:rPr lang="en-US" dirty="0"/>
+              <a:t>}</a:t>
+            </a:r>
+          </a:p>
+          <a:p>
+            <a:endParaRPr lang="en-US" dirty="0"/>
+          </a:p>
+          <a:p>
+            <a:r>
+              <a:rPr lang="en-US" dirty="0"/>
+              <a:t>// Create object of Student</a:t>
+            </a:r>
+          </a:p>
+          <a:p>
+            <a:r>
+              <a:rPr lang="en-US" dirty="0"/>
+              <a:t>$student = new Student("Alice", 20, "S101");</a:t>
+            </a:r>
+          </a:p>
+          <a:p>
+            <a:r>
+              <a:rPr lang="en-US" dirty="0"/>
+              <a:t>$student-&gt;</a:t>
+            </a:r>
+            <a:r>
+              <a:rPr lang="en-US" dirty="0" err="1"/>
+              <a:t>displayStudent</a:t>
+            </a:r>
+            <a:r>
+              <a:rPr lang="en-US" dirty="0"/>
+              <a:t>();</a:t>
+            </a:r>
+          </a:p>
+          <a:p>
+            <a:r>
+              <a:rPr lang="en-US" dirty="0"/>
+              <a:t>?&gt;</a:t>
+            </a:r>
+          </a:p>
+          <a:p>
+            <a:endParaRPr lang="en-US" dirty="0"/>
+          </a:p>
+        </p:txBody>
+      </p:sp>
+      <p:sp>
+        <p:nvSpPr>
+          <p:cNvPr id="4" name="Slide Number Placeholder 3">
+            <a:extLst>
+              <a:ext uri="{FF2B5EF4-FFF2-40B4-BE49-F238E27FC236}">
+                <a16:creationId xmlns:a16="http://schemas.microsoft.com/office/drawing/2014/main" id="{A8B78B49-3BC6-A9F5-BB15-BF4B5EDDD1BB}"/>
+              </a:ext>
+            </a:extLst>
+          </p:cNvPr>
+          <p:cNvSpPr>
+            <a:spLocks noGrp="1"/>
+          </p:cNvSpPr>
+          <p:nvPr>
+            <p:ph type="sldNum" sz="quarter" idx="5"/>
+          </p:nvPr>
+        </p:nvSpPr>
+        <p:spPr/>
+        <p:txBody>
+          <a:bodyPr/>
+          <a:lstStyle/>
+          <a:p>
+            <a:fld id="{A89C7E07-3C67-C64C-8DA0-0404F6303970}" type="slidenum">
+              <a:rPr lang="en-US" smtClean="0"/>
+              <a:t>14</a:t>
+            </a:fld>
+            <a:endParaRPr lang="en-US" dirty="0"/>
+          </a:p>
+        </p:txBody>
+      </p:sp>
+    </p:spTree>
+    <p:extLst>
+      <p:ext uri="{BB962C8B-B14F-4D97-AF65-F5344CB8AC3E}">
+        <p14:creationId xmlns:p14="http://schemas.microsoft.com/office/powerpoint/2010/main" val="4194192830"/>
+      </p:ext>
+    </p:extLst>
+  </p:cSld>
+  <p:clrMapOvr>
+    <a:masterClrMapping/>
+  </p:clrMapOvr>
+</p:notes>
+</file>
+
+<file path=ppt/notesSlides/notesSlide15.xml><?xml version="1.0" encoding="utf-8"?>
+<p:notes xmlns:a="http://schemas.openxmlformats.org/drawingml/2006/main" xmlns:r="http://schemas.openxmlformats.org/officeDocument/2006/relationships" xmlns:p="http://schemas.openxmlformats.org/presentationml/2006/main">
+  <p:cSld>
+    <p:spTree>
+      <p:nvGrpSpPr>
+        <p:cNvPr id="1" name="">
+          <a:extLst>
+            <a:ext uri="{FF2B5EF4-FFF2-40B4-BE49-F238E27FC236}">
+              <a16:creationId xmlns:a16="http://schemas.microsoft.com/office/drawing/2014/main" id="{76E7154B-9939-6F01-4784-B10A0E6341AC}"/>
+            </a:ext>
+          </a:extLst>
+        </p:cNvPr>
+        <p:cNvGrpSpPr/>
+        <p:nvPr/>
+      </p:nvGrpSpPr>
+      <p:grpSpPr>
+        <a:xfrm>
+          <a:off x="0" y="0"/>
+          <a:ext cx="0" cy="0"/>
+          <a:chOff x="0" y="0"/>
+          <a:chExt cx="0" cy="0"/>
+        </a:xfrm>
+      </p:grpSpPr>
+      <p:sp>
+        <p:nvSpPr>
+          <p:cNvPr id="2" name="Slide Image Placeholder 1">
+            <a:extLst>
+              <a:ext uri="{FF2B5EF4-FFF2-40B4-BE49-F238E27FC236}">
+                <a16:creationId xmlns:a16="http://schemas.microsoft.com/office/drawing/2014/main" id="{47CD271C-0DB8-699B-0131-ABCFAD1F89F1}"/>
+              </a:ext>
+            </a:extLst>
+          </p:cNvPr>
+          <p:cNvSpPr>
+            <a:spLocks noGrp="1" noRot="1" noChangeAspect="1"/>
+          </p:cNvSpPr>
+          <p:nvPr>
+            <p:ph type="sldImg"/>
+          </p:nvPr>
+        </p:nvSpPr>
+        <p:spPr/>
+      </p:sp>
+      <p:sp>
+        <p:nvSpPr>
+          <p:cNvPr id="3" name="Notes Placeholder 2">
+            <a:extLst>
+              <a:ext uri="{FF2B5EF4-FFF2-40B4-BE49-F238E27FC236}">
+                <a16:creationId xmlns:a16="http://schemas.microsoft.com/office/drawing/2014/main" id="{302518EE-B74D-57BA-E68D-55DA7D330CAB}"/>
+              </a:ext>
+            </a:extLst>
+          </p:cNvPr>
+          <p:cNvSpPr>
+            <a:spLocks noGrp="1"/>
+          </p:cNvSpPr>
+          <p:nvPr>
+            <p:ph type="body" idx="1"/>
+          </p:nvPr>
+        </p:nvSpPr>
+        <p:spPr/>
+        <p:txBody>
+          <a:bodyPr/>
+          <a:lstStyle/>
+          <a:p>
+            <a:endParaRPr lang="en-US" dirty="0"/>
+          </a:p>
+        </p:txBody>
+      </p:sp>
+      <p:sp>
+        <p:nvSpPr>
+          <p:cNvPr id="4" name="Slide Number Placeholder 3">
+            <a:extLst>
+              <a:ext uri="{FF2B5EF4-FFF2-40B4-BE49-F238E27FC236}">
+                <a16:creationId xmlns:a16="http://schemas.microsoft.com/office/drawing/2014/main" id="{487C04FA-58A0-60E9-ED1D-437E251690A7}"/>
+              </a:ext>
+            </a:extLst>
+          </p:cNvPr>
+          <p:cNvSpPr>
+            <a:spLocks noGrp="1"/>
+          </p:cNvSpPr>
+          <p:nvPr>
+            <p:ph type="sldNum" sz="quarter" idx="5"/>
+          </p:nvPr>
+        </p:nvSpPr>
+        <p:spPr/>
+        <p:txBody>
+          <a:bodyPr/>
+          <a:lstStyle/>
+          <a:p>
+            <a:fld id="{A89C7E07-3C67-C64C-8DA0-0404F6303970}" type="slidenum">
+              <a:rPr lang="en-US" smtClean="0"/>
+              <a:t>15</a:t>
+            </a:fld>
+            <a:endParaRPr lang="en-US" dirty="0"/>
+          </a:p>
+        </p:txBody>
+      </p:sp>
+    </p:spTree>
+    <p:extLst>
+      <p:ext uri="{BB962C8B-B14F-4D97-AF65-F5344CB8AC3E}">
+        <p14:creationId xmlns:p14="http://schemas.microsoft.com/office/powerpoint/2010/main" val="4223300311"/>
+      </p:ext>
+    </p:extLst>
+  </p:cSld>
+  <p:clrMapOvr>
+    <a:masterClrMapping/>
+  </p:clrMapOvr>
+</p:notes>
+</file>
+
+<file path=ppt/notesSlides/notesSlide16.xml><?xml version="1.0" encoding="utf-8"?>
+<p:notes xmlns:a="http://schemas.openxmlformats.org/drawingml/2006/main" xmlns:r="http://schemas.openxmlformats.org/officeDocument/2006/relationships" xmlns:p="http://schemas.openxmlformats.org/presentationml/2006/main">
+  <p:cSld>
+    <p:spTree>
+      <p:nvGrpSpPr>
+        <p:cNvPr id="1" name="">
+          <a:extLst>
+            <a:ext uri="{FF2B5EF4-FFF2-40B4-BE49-F238E27FC236}">
               <a16:creationId xmlns:a16="http://schemas.microsoft.com/office/drawing/2014/main" id="{C09E36F6-072C-66CA-41D0-7CCF116DBD61}"/>
             </a:ext>
           </a:extLst>
@@ -857,7 +1784,7 @@
           <a:p>
             <a:fld id="{A89C7E07-3C67-C64C-8DA0-0404F6303970}" type="slidenum">
               <a:rPr lang="en-US" smtClean="0"/>
-              <a:t>10</a:t>
+              <a:t>16</a:t>
             </a:fld>
             <a:endParaRPr lang="en-US" dirty="0"/>
           </a:p>
@@ -876,7 +1803,7 @@
 </p:notes>
 </file>
 
-<file path=ppt/notesSlides/notesSlide11.xml><?xml version="1.0" encoding="utf-8"?>
+<file path=ppt/notesSlides/notesSlide17.xml><?xml version="1.0" encoding="utf-8"?>
 <p:notes xmlns:a="http://schemas.openxmlformats.org/drawingml/2006/main" xmlns:r="http://schemas.openxmlformats.org/officeDocument/2006/relationships" xmlns:p="http://schemas.openxmlformats.org/presentationml/2006/main">
   <p:cSld>
     <p:spTree>
@@ -965,7 +1892,7 @@
           <a:p>
             <a:fld id="{A89C7E07-3C67-C64C-8DA0-0404F6303970}" type="slidenum">
               <a:rPr lang="en-US" smtClean="0"/>
-              <a:t>11</a:t>
+              <a:t>17</a:t>
             </a:fld>
             <a:endParaRPr lang="en-US" dirty="0"/>
           </a:p>
@@ -984,7 +1911,7 @@
 </p:notes>
 </file>
 
-<file path=ppt/notesSlides/notesSlide12.xml><?xml version="1.0" encoding="utf-8"?>
+<file path=ppt/notesSlides/notesSlide18.xml><?xml version="1.0" encoding="utf-8"?>
 <p:notes xmlns:a="http://schemas.openxmlformats.org/drawingml/2006/main" xmlns:r="http://schemas.openxmlformats.org/officeDocument/2006/relationships" xmlns:p="http://schemas.openxmlformats.org/presentationml/2006/main">
   <p:cSld>
     <p:spTree>
@@ -1073,7 +2000,7 @@
           <a:p>
             <a:fld id="{A89C7E07-3C67-C64C-8DA0-0404F6303970}" type="slidenum">
               <a:rPr lang="en-US" smtClean="0"/>
-              <a:t>12</a:t>
+              <a:t>18</a:t>
             </a:fld>
             <a:endParaRPr lang="en-US" dirty="0"/>
           </a:p>
@@ -1092,7 +2019,7 @@
 </p:notes>
 </file>
 
-<file path=ppt/notesSlides/notesSlide13.xml><?xml version="1.0" encoding="utf-8"?>
+<file path=ppt/notesSlides/notesSlide19.xml><?xml version="1.0" encoding="utf-8"?>
 <p:notes xmlns:a="http://schemas.openxmlformats.org/drawingml/2006/main" xmlns:r="http://schemas.openxmlformats.org/officeDocument/2006/relationships" xmlns:p="http://schemas.openxmlformats.org/presentationml/2006/main">
   <p:cSld>
     <p:spTree>
@@ -1157,7 +2084,7 @@
           <a:p>
             <a:fld id="{A89C7E07-3C67-C64C-8DA0-0404F6303970}" type="slidenum">
               <a:rPr lang="en-US" smtClean="0"/>
-              <a:t>13</a:t>
+              <a:t>19</a:t>
             </a:fld>
             <a:endParaRPr lang="en-US" dirty="0"/>
           </a:p>
@@ -1167,90 +2094,6 @@
     <p:extLst>
       <p:ext uri="{BB962C8B-B14F-4D97-AF65-F5344CB8AC3E}">
         <p14:creationId xmlns:p14="http://schemas.microsoft.com/office/powerpoint/2010/main" val="514488140"/>
-      </p:ext>
-    </p:extLst>
-  </p:cSld>
-  <p:clrMapOvr>
-    <a:masterClrMapping/>
-  </p:clrMapOvr>
-</p:notes>
-</file>
-
-<file path=ppt/notesSlides/notesSlide14.xml><?xml version="1.0" encoding="utf-8"?>
-<p:notes xmlns:a="http://schemas.openxmlformats.org/drawingml/2006/main" xmlns:r="http://schemas.openxmlformats.org/officeDocument/2006/relationships" xmlns:p="http://schemas.openxmlformats.org/presentationml/2006/main">
-  <p:cSld>
-    <p:spTree>
-      <p:nvGrpSpPr>
-        <p:cNvPr id="1" name=""/>
-        <p:cNvGrpSpPr/>
-        <p:nvPr/>
-      </p:nvGrpSpPr>
-      <p:grpSpPr>
-        <a:xfrm>
-          <a:off x="0" y="0"/>
-          <a:ext cx="0" cy="0"/>
-          <a:chOff x="0" y="0"/>
-          <a:chExt cx="0" cy="0"/>
-        </a:xfrm>
-      </p:grpSpPr>
-      <p:sp>
-        <p:nvSpPr>
-          <p:cNvPr id="2" name="Slide Image Placeholder 1"/>
-          <p:cNvSpPr>
-            <a:spLocks noGrp="1" noRot="1" noChangeAspect="1"/>
-          </p:cNvSpPr>
-          <p:nvPr>
-            <p:ph type="sldImg"/>
-          </p:nvPr>
-        </p:nvSpPr>
-        <p:spPr/>
-      </p:sp>
-      <p:sp>
-        <p:nvSpPr>
-          <p:cNvPr id="3" name="Notes Placeholder 2"/>
-          <p:cNvSpPr>
-            <a:spLocks noGrp="1"/>
-          </p:cNvSpPr>
-          <p:nvPr>
-            <p:ph type="body" idx="1"/>
-          </p:nvPr>
-        </p:nvSpPr>
-        <p:spPr/>
-        <p:txBody>
-          <a:bodyPr/>
-          <a:lstStyle/>
-          <a:p>
-            <a:endParaRPr lang="en-US" dirty="0"/>
-          </a:p>
-        </p:txBody>
-      </p:sp>
-      <p:sp>
-        <p:nvSpPr>
-          <p:cNvPr id="4" name="Slide Number Placeholder 3"/>
-          <p:cNvSpPr>
-            <a:spLocks noGrp="1"/>
-          </p:cNvSpPr>
-          <p:nvPr>
-            <p:ph type="sldNum" sz="quarter" idx="5"/>
-          </p:nvPr>
-        </p:nvSpPr>
-        <p:spPr/>
-        <p:txBody>
-          <a:bodyPr/>
-          <a:lstStyle/>
-          <a:p>
-            <a:fld id="{A89C7E07-3C67-C64C-8DA0-0404F6303970}" type="slidenum">
-              <a:rPr lang="en-US" smtClean="0"/>
-              <a:t>14</a:t>
-            </a:fld>
-            <a:endParaRPr lang="en-US" dirty="0"/>
-          </a:p>
-        </p:txBody>
-      </p:sp>
-    </p:spTree>
-    <p:extLst>
-      <p:ext uri="{BB962C8B-B14F-4D97-AF65-F5344CB8AC3E}">
-        <p14:creationId xmlns:p14="http://schemas.microsoft.com/office/powerpoint/2010/main" val="1765923172"/>
       </p:ext>
     </p:extLst>
   </p:cSld>
@@ -1344,6 +2187,90 @@
 </p:notes>
 </file>
 
+<file path=ppt/notesSlides/notesSlide20.xml><?xml version="1.0" encoding="utf-8"?>
+<p:notes xmlns:a="http://schemas.openxmlformats.org/drawingml/2006/main" xmlns:r="http://schemas.openxmlformats.org/officeDocument/2006/relationships" xmlns:p="http://schemas.openxmlformats.org/presentationml/2006/main">
+  <p:cSld>
+    <p:spTree>
+      <p:nvGrpSpPr>
+        <p:cNvPr id="1" name=""/>
+        <p:cNvGrpSpPr/>
+        <p:nvPr/>
+      </p:nvGrpSpPr>
+      <p:grpSpPr>
+        <a:xfrm>
+          <a:off x="0" y="0"/>
+          <a:ext cx="0" cy="0"/>
+          <a:chOff x="0" y="0"/>
+          <a:chExt cx="0" cy="0"/>
+        </a:xfrm>
+      </p:grpSpPr>
+      <p:sp>
+        <p:nvSpPr>
+          <p:cNvPr id="2" name="Slide Image Placeholder 1"/>
+          <p:cNvSpPr>
+            <a:spLocks noGrp="1" noRot="1" noChangeAspect="1"/>
+          </p:cNvSpPr>
+          <p:nvPr>
+            <p:ph type="sldImg"/>
+          </p:nvPr>
+        </p:nvSpPr>
+        <p:spPr/>
+      </p:sp>
+      <p:sp>
+        <p:nvSpPr>
+          <p:cNvPr id="3" name="Notes Placeholder 2"/>
+          <p:cNvSpPr>
+            <a:spLocks noGrp="1"/>
+          </p:cNvSpPr>
+          <p:nvPr>
+            <p:ph type="body" idx="1"/>
+          </p:nvPr>
+        </p:nvSpPr>
+        <p:spPr/>
+        <p:txBody>
+          <a:bodyPr/>
+          <a:lstStyle/>
+          <a:p>
+            <a:endParaRPr lang="en-US" dirty="0"/>
+          </a:p>
+        </p:txBody>
+      </p:sp>
+      <p:sp>
+        <p:nvSpPr>
+          <p:cNvPr id="4" name="Slide Number Placeholder 3"/>
+          <p:cNvSpPr>
+            <a:spLocks noGrp="1"/>
+          </p:cNvSpPr>
+          <p:nvPr>
+            <p:ph type="sldNum" sz="quarter" idx="5"/>
+          </p:nvPr>
+        </p:nvSpPr>
+        <p:spPr/>
+        <p:txBody>
+          <a:bodyPr/>
+          <a:lstStyle/>
+          <a:p>
+            <a:fld id="{A89C7E07-3C67-C64C-8DA0-0404F6303970}" type="slidenum">
+              <a:rPr lang="en-US" smtClean="0"/>
+              <a:t>20</a:t>
+            </a:fld>
+            <a:endParaRPr lang="en-US" dirty="0"/>
+          </a:p>
+        </p:txBody>
+      </p:sp>
+    </p:spTree>
+    <p:extLst>
+      <p:ext uri="{BB962C8B-B14F-4D97-AF65-F5344CB8AC3E}">
+        <p14:creationId xmlns:p14="http://schemas.microsoft.com/office/powerpoint/2010/main" val="1765923172"/>
+      </p:ext>
+    </p:extLst>
+  </p:cSld>
+  <p:clrMapOvr>
+    <a:masterClrMapping/>
+  </p:clrMapOvr>
+</p:notes>
+</file>
+
 <file path=ppt/notesSlides/notesSlide3.xml><?xml version="1.0" encoding="utf-8"?>
 <p:notes xmlns:a="http://schemas.openxmlformats.org/drawingml/2006/main" xmlns:r="http://schemas.openxmlformats.org/officeDocument/2006/relationships" xmlns:p="http://schemas.openxmlformats.org/presentationml/2006/main">
   <p:cSld>
@@ -1436,114 +2363,6 @@
         <p:cNvPr id="1" name="">
           <a:extLst>
             <a:ext uri="{FF2B5EF4-FFF2-40B4-BE49-F238E27FC236}">
-              <a16:creationId xmlns:a16="http://schemas.microsoft.com/office/drawing/2014/main" id="{6E9BC8AC-2DAF-CBA7-B88D-EB937AE748B3}"/>
-            </a:ext>
-          </a:extLst>
-        </p:cNvPr>
-        <p:cNvGrpSpPr/>
-        <p:nvPr/>
-      </p:nvGrpSpPr>
-      <p:grpSpPr>
-        <a:xfrm>
-          <a:off x="0" y="0"/>
-          <a:ext cx="0" cy="0"/>
-          <a:chOff x="0" y="0"/>
-          <a:chExt cx="0" cy="0"/>
-        </a:xfrm>
-      </p:grpSpPr>
-      <p:sp>
-        <p:nvSpPr>
-          <p:cNvPr id="2" name="Slide Image Placeholder 1">
-            <a:extLst>
-              <a:ext uri="{FF2B5EF4-FFF2-40B4-BE49-F238E27FC236}">
-                <a16:creationId xmlns:a16="http://schemas.microsoft.com/office/drawing/2014/main" id="{171978F8-F34F-1392-D1A4-A142BF864A5D}"/>
-              </a:ext>
-            </a:extLst>
-          </p:cNvPr>
-          <p:cNvSpPr>
-            <a:spLocks noGrp="1" noRot="1" noChangeAspect="1"/>
-          </p:cNvSpPr>
-          <p:nvPr>
-            <p:ph type="sldImg"/>
-          </p:nvPr>
-        </p:nvSpPr>
-        <p:spPr/>
-      </p:sp>
-      <p:sp>
-        <p:nvSpPr>
-          <p:cNvPr id="3" name="Notes Placeholder 2">
-            <a:extLst>
-              <a:ext uri="{FF2B5EF4-FFF2-40B4-BE49-F238E27FC236}">
-                <a16:creationId xmlns:a16="http://schemas.microsoft.com/office/drawing/2014/main" id="{38EAB949-F751-E1A9-B6B4-52F1C70C3BCA}"/>
-              </a:ext>
-            </a:extLst>
-          </p:cNvPr>
-          <p:cNvSpPr>
-            <a:spLocks noGrp="1"/>
-          </p:cNvSpPr>
-          <p:nvPr>
-            <p:ph type="body" idx="1"/>
-          </p:nvPr>
-        </p:nvSpPr>
-        <p:spPr/>
-        <p:txBody>
-          <a:bodyPr/>
-          <a:lstStyle/>
-          <a:p>
-            <a:endParaRPr lang="en-US" dirty="0"/>
-          </a:p>
-        </p:txBody>
-      </p:sp>
-      <p:sp>
-        <p:nvSpPr>
-          <p:cNvPr id="4" name="Slide Number Placeholder 3">
-            <a:extLst>
-              <a:ext uri="{FF2B5EF4-FFF2-40B4-BE49-F238E27FC236}">
-                <a16:creationId xmlns:a16="http://schemas.microsoft.com/office/drawing/2014/main" id="{FEDFCB9E-7F37-BBB2-2A98-D169E196A4B2}"/>
-              </a:ext>
-            </a:extLst>
-          </p:cNvPr>
-          <p:cNvSpPr>
-            <a:spLocks noGrp="1"/>
-          </p:cNvSpPr>
-          <p:nvPr>
-            <p:ph type="sldNum" sz="quarter" idx="5"/>
-          </p:nvPr>
-        </p:nvSpPr>
-        <p:spPr/>
-        <p:txBody>
-          <a:bodyPr/>
-          <a:lstStyle/>
-          <a:p>
-            <a:fld id="{A89C7E07-3C67-C64C-8DA0-0404F6303970}" type="slidenum">
-              <a:rPr lang="en-US" smtClean="0"/>
-              <a:t>4</a:t>
-            </a:fld>
-            <a:endParaRPr lang="en-US" dirty="0"/>
-          </a:p>
-        </p:txBody>
-      </p:sp>
-    </p:spTree>
-    <p:extLst>
-      <p:ext uri="{BB962C8B-B14F-4D97-AF65-F5344CB8AC3E}">
-        <p14:creationId xmlns:p14="http://schemas.microsoft.com/office/powerpoint/2010/main" val="1410560310"/>
-      </p:ext>
-    </p:extLst>
-  </p:cSld>
-  <p:clrMapOvr>
-    <a:masterClrMapping/>
-  </p:clrMapOvr>
-</p:notes>
-</file>
-
-<file path=ppt/notesSlides/notesSlide5.xml><?xml version="1.0" encoding="utf-8"?>
-<p:notes xmlns:a="http://schemas.openxmlformats.org/drawingml/2006/main" xmlns:r="http://schemas.openxmlformats.org/officeDocument/2006/relationships" xmlns:p="http://schemas.openxmlformats.org/presentationml/2006/main">
-  <p:cSld>
-    <p:spTree>
-      <p:nvGrpSpPr>
-        <p:cNvPr id="1" name="">
-          <a:extLst>
-            <a:ext uri="{FF2B5EF4-FFF2-40B4-BE49-F238E27FC236}">
               <a16:creationId xmlns:a16="http://schemas.microsoft.com/office/drawing/2014/main" id="{F2756EDB-0B54-34D8-3CFF-3690E878BCFC}"/>
             </a:ext>
           </a:extLst>
@@ -1633,7 +2452,7 @@
           <a:p>
             <a:fld id="{A89C7E07-3C67-C64C-8DA0-0404F6303970}" type="slidenum">
               <a:rPr lang="en-US" smtClean="0"/>
-              <a:t>5</a:t>
+              <a:t>4</a:t>
             </a:fld>
             <a:endParaRPr lang="en-US" dirty="0"/>
           </a:p>
@@ -1652,7 +2471,7 @@
 </p:notes>
 </file>
 
-<file path=ppt/notesSlides/notesSlide6.xml><?xml version="1.0" encoding="utf-8"?>
+<file path=ppt/notesSlides/notesSlide5.xml><?xml version="1.0" encoding="utf-8"?>
 <p:notes xmlns:a="http://schemas.openxmlformats.org/drawingml/2006/main" xmlns:r="http://schemas.openxmlformats.org/officeDocument/2006/relationships" xmlns:p="http://schemas.openxmlformats.org/presentationml/2006/main">
   <p:cSld>
     <p:spTree>
@@ -1741,7 +2560,7 @@
           <a:p>
             <a:fld id="{A89C7E07-3C67-C64C-8DA0-0404F6303970}" type="slidenum">
               <a:rPr lang="en-US" smtClean="0"/>
-              <a:t>6</a:t>
+              <a:t>5</a:t>
             </a:fld>
             <a:endParaRPr lang="en-US" dirty="0"/>
           </a:p>
@@ -1750,7 +2569,7 @@
     </p:spTree>
     <p:extLst>
       <p:ext uri="{BB962C8B-B14F-4D97-AF65-F5344CB8AC3E}">
-        <p14:creationId xmlns:p14="http://schemas.microsoft.com/office/powerpoint/2010/main" val="3857496069"/>
+        <p14:creationId xmlns:p14="http://schemas.microsoft.com/office/powerpoint/2010/main" val="1186284545"/>
       </p:ext>
     </p:extLst>
   </p:cSld>
@@ -1760,7 +2579,7 @@
 </p:notes>
 </file>
 
-<file path=ppt/notesSlides/notesSlide7.xml><?xml version="1.0" encoding="utf-8"?>
+<file path=ppt/notesSlides/notesSlide6.xml><?xml version="1.0" encoding="utf-8"?>
 <p:notes xmlns:a="http://schemas.openxmlformats.org/drawingml/2006/main" xmlns:r="http://schemas.openxmlformats.org/officeDocument/2006/relationships" xmlns:p="http://schemas.openxmlformats.org/presentationml/2006/main">
   <p:cSld>
     <p:spTree>
@@ -1849,7 +2668,7 @@
           <a:p>
             <a:fld id="{A89C7E07-3C67-C64C-8DA0-0404F6303970}" type="slidenum">
               <a:rPr lang="en-US" smtClean="0"/>
-              <a:t>7</a:t>
+              <a:t>6</a:t>
             </a:fld>
             <a:endParaRPr lang="en-US" dirty="0"/>
           </a:p>
@@ -1858,7 +2677,115 @@
     </p:spTree>
     <p:extLst>
       <p:ext uri="{BB962C8B-B14F-4D97-AF65-F5344CB8AC3E}">
-        <p14:creationId xmlns:p14="http://schemas.microsoft.com/office/powerpoint/2010/main" val="53905180"/>
+        <p14:creationId xmlns:p14="http://schemas.microsoft.com/office/powerpoint/2010/main" val="1047737079"/>
+      </p:ext>
+    </p:extLst>
+  </p:cSld>
+  <p:clrMapOvr>
+    <a:masterClrMapping/>
+  </p:clrMapOvr>
+</p:notes>
+</file>
+
+<file path=ppt/notesSlides/notesSlide7.xml><?xml version="1.0" encoding="utf-8"?>
+<p:notes xmlns:a="http://schemas.openxmlformats.org/drawingml/2006/main" xmlns:r="http://schemas.openxmlformats.org/officeDocument/2006/relationships" xmlns:p="http://schemas.openxmlformats.org/presentationml/2006/main">
+  <p:cSld>
+    <p:spTree>
+      <p:nvGrpSpPr>
+        <p:cNvPr id="1" name="">
+          <a:extLst>
+            <a:ext uri="{FF2B5EF4-FFF2-40B4-BE49-F238E27FC236}">
+              <a16:creationId xmlns:a16="http://schemas.microsoft.com/office/drawing/2014/main" id="{6E9BC8AC-2DAF-CBA7-B88D-EB937AE748B3}"/>
+            </a:ext>
+          </a:extLst>
+        </p:cNvPr>
+        <p:cNvGrpSpPr/>
+        <p:nvPr/>
+      </p:nvGrpSpPr>
+      <p:grpSpPr>
+        <a:xfrm>
+          <a:off x="0" y="0"/>
+          <a:ext cx="0" cy="0"/>
+          <a:chOff x="0" y="0"/>
+          <a:chExt cx="0" cy="0"/>
+        </a:xfrm>
+      </p:grpSpPr>
+      <p:sp>
+        <p:nvSpPr>
+          <p:cNvPr id="2" name="Slide Image Placeholder 1">
+            <a:extLst>
+              <a:ext uri="{FF2B5EF4-FFF2-40B4-BE49-F238E27FC236}">
+                <a16:creationId xmlns:a16="http://schemas.microsoft.com/office/drawing/2014/main" id="{171978F8-F34F-1392-D1A4-A142BF864A5D}"/>
+              </a:ext>
+            </a:extLst>
+          </p:cNvPr>
+          <p:cNvSpPr>
+            <a:spLocks noGrp="1" noRot="1" noChangeAspect="1"/>
+          </p:cNvSpPr>
+          <p:nvPr>
+            <p:ph type="sldImg"/>
+          </p:nvPr>
+        </p:nvSpPr>
+        <p:spPr/>
+      </p:sp>
+      <p:sp>
+        <p:nvSpPr>
+          <p:cNvPr id="3" name="Notes Placeholder 2">
+            <a:extLst>
+              <a:ext uri="{FF2B5EF4-FFF2-40B4-BE49-F238E27FC236}">
+                <a16:creationId xmlns:a16="http://schemas.microsoft.com/office/drawing/2014/main" id="{38EAB949-F751-E1A9-B6B4-52F1C70C3BCA}"/>
+              </a:ext>
+            </a:extLst>
+          </p:cNvPr>
+          <p:cNvSpPr>
+            <a:spLocks noGrp="1"/>
+          </p:cNvSpPr>
+          <p:nvPr>
+            <p:ph type="body" idx="1"/>
+          </p:nvPr>
+        </p:nvSpPr>
+        <p:spPr/>
+        <p:txBody>
+          <a:bodyPr/>
+          <a:lstStyle/>
+          <a:p>
+            <a:endParaRPr lang="en-US" dirty="0"/>
+          </a:p>
+        </p:txBody>
+      </p:sp>
+      <p:sp>
+        <p:nvSpPr>
+          <p:cNvPr id="4" name="Slide Number Placeholder 3">
+            <a:extLst>
+              <a:ext uri="{FF2B5EF4-FFF2-40B4-BE49-F238E27FC236}">
+                <a16:creationId xmlns:a16="http://schemas.microsoft.com/office/drawing/2014/main" id="{FEDFCB9E-7F37-BBB2-2A98-D169E196A4B2}"/>
+              </a:ext>
+            </a:extLst>
+          </p:cNvPr>
+          <p:cNvSpPr>
+            <a:spLocks noGrp="1"/>
+          </p:cNvSpPr>
+          <p:nvPr>
+            <p:ph type="sldNum" sz="quarter" idx="5"/>
+          </p:nvPr>
+        </p:nvSpPr>
+        <p:spPr/>
+        <p:txBody>
+          <a:bodyPr/>
+          <a:lstStyle/>
+          <a:p>
+            <a:fld id="{A89C7E07-3C67-C64C-8DA0-0404F6303970}" type="slidenum">
+              <a:rPr lang="en-US" smtClean="0"/>
+              <a:t>7</a:t>
+            </a:fld>
+            <a:endParaRPr lang="en-US" dirty="0"/>
+          </a:p>
+        </p:txBody>
+      </p:sp>
+    </p:spTree>
+    <p:extLst>
+      <p:ext uri="{BB962C8B-B14F-4D97-AF65-F5344CB8AC3E}">
+        <p14:creationId xmlns:p14="http://schemas.microsoft.com/office/powerpoint/2010/main" val="1410560310"/>
       </p:ext>
     </p:extLst>
   </p:cSld>
@@ -1876,7 +2803,7 @@
         <p:cNvPr id="1" name="">
           <a:extLst>
             <a:ext uri="{FF2B5EF4-FFF2-40B4-BE49-F238E27FC236}">
-              <a16:creationId xmlns:a16="http://schemas.microsoft.com/office/drawing/2014/main" id="{59C2A9A9-06C6-37E6-5DDE-C5D33B363E55}"/>
+              <a16:creationId xmlns:a16="http://schemas.microsoft.com/office/drawing/2014/main" id="{4E4C03B4-054C-721D-571B-1018446C950C}"/>
             </a:ext>
           </a:extLst>
         </p:cNvPr>
@@ -1896,7 +2823,7 @@
           <p:cNvPr id="2" name="Slide Image Placeholder 1">
             <a:extLst>
               <a:ext uri="{FF2B5EF4-FFF2-40B4-BE49-F238E27FC236}">
-                <a16:creationId xmlns:a16="http://schemas.microsoft.com/office/drawing/2014/main" id="{16E7757E-6686-3108-18EA-81A781D22910}"/>
+                <a16:creationId xmlns:a16="http://schemas.microsoft.com/office/drawing/2014/main" id="{552109D6-D3B8-D140-8F2B-1D9D597C4C3E}"/>
               </a:ext>
             </a:extLst>
           </p:cNvPr>
@@ -1914,7 +2841,7 @@
           <p:cNvPr id="3" name="Notes Placeholder 2">
             <a:extLst>
               <a:ext uri="{FF2B5EF4-FFF2-40B4-BE49-F238E27FC236}">
-                <a16:creationId xmlns:a16="http://schemas.microsoft.com/office/drawing/2014/main" id="{B1FE4394-374D-48A6-DE67-2064E187A627}"/>
+                <a16:creationId xmlns:a16="http://schemas.microsoft.com/office/drawing/2014/main" id="{7299E9BD-2214-35FA-DEC7-2B93014D5E51}"/>
               </a:ext>
             </a:extLst>
           </p:cNvPr>
@@ -1939,7 +2866,7 @@
           <p:cNvPr id="4" name="Slide Number Placeholder 3">
             <a:extLst>
               <a:ext uri="{FF2B5EF4-FFF2-40B4-BE49-F238E27FC236}">
-                <a16:creationId xmlns:a16="http://schemas.microsoft.com/office/drawing/2014/main" id="{3CF91F92-A904-3BB2-498C-28918AB481C9}"/>
+                <a16:creationId xmlns:a16="http://schemas.microsoft.com/office/drawing/2014/main" id="{B6546DF8-C402-4D7F-15C6-8D76F2195D64}"/>
               </a:ext>
             </a:extLst>
           </p:cNvPr>
@@ -1966,7 +2893,7 @@
     </p:spTree>
     <p:extLst>
       <p:ext uri="{BB962C8B-B14F-4D97-AF65-F5344CB8AC3E}">
-        <p14:creationId xmlns:p14="http://schemas.microsoft.com/office/powerpoint/2010/main" val="2651364768"/>
+        <p14:creationId xmlns:p14="http://schemas.microsoft.com/office/powerpoint/2010/main" val="459220213"/>
       </p:ext>
     </p:extLst>
   </p:cSld>
@@ -1984,7 +2911,7 @@
         <p:cNvPr id="1" name="">
           <a:extLst>
             <a:ext uri="{FF2B5EF4-FFF2-40B4-BE49-F238E27FC236}">
-              <a16:creationId xmlns:a16="http://schemas.microsoft.com/office/drawing/2014/main" id="{76E7154B-9939-6F01-4784-B10A0E6341AC}"/>
+              <a16:creationId xmlns:a16="http://schemas.microsoft.com/office/drawing/2014/main" id="{79C3F62E-FF0C-F972-66BB-681DCE6DD63B}"/>
             </a:ext>
           </a:extLst>
         </p:cNvPr>
@@ -2004,7 +2931,7 @@
           <p:cNvPr id="2" name="Slide Image Placeholder 1">
             <a:extLst>
               <a:ext uri="{FF2B5EF4-FFF2-40B4-BE49-F238E27FC236}">
-                <a16:creationId xmlns:a16="http://schemas.microsoft.com/office/drawing/2014/main" id="{47CD271C-0DB8-699B-0131-ABCFAD1F89F1}"/>
+                <a16:creationId xmlns:a16="http://schemas.microsoft.com/office/drawing/2014/main" id="{07A6A841-9DA1-2438-D3C0-087BDEC2D9BC}"/>
               </a:ext>
             </a:extLst>
           </p:cNvPr>
@@ -2022,7 +2949,7 @@
           <p:cNvPr id="3" name="Notes Placeholder 2">
             <a:extLst>
               <a:ext uri="{FF2B5EF4-FFF2-40B4-BE49-F238E27FC236}">
-                <a16:creationId xmlns:a16="http://schemas.microsoft.com/office/drawing/2014/main" id="{302518EE-B74D-57BA-E68D-55DA7D330CAB}"/>
+                <a16:creationId xmlns:a16="http://schemas.microsoft.com/office/drawing/2014/main" id="{B83EFF17-3D86-D345-E614-297C446953CB}"/>
               </a:ext>
             </a:extLst>
           </p:cNvPr>
@@ -2047,7 +2974,7 @@
           <p:cNvPr id="4" name="Slide Number Placeholder 3">
             <a:extLst>
               <a:ext uri="{FF2B5EF4-FFF2-40B4-BE49-F238E27FC236}">
-                <a16:creationId xmlns:a16="http://schemas.microsoft.com/office/drawing/2014/main" id="{487C04FA-58A0-60E9-ED1D-437E251690A7}"/>
+                <a16:creationId xmlns:a16="http://schemas.microsoft.com/office/drawing/2014/main" id="{15F9B751-3036-0D62-D951-FBD5DE2AE2EE}"/>
               </a:ext>
             </a:extLst>
           </p:cNvPr>
@@ -2074,7 +3001,7 @@
     </p:spTree>
     <p:extLst>
       <p:ext uri="{BB962C8B-B14F-4D97-AF65-F5344CB8AC3E}">
-        <p14:creationId xmlns:p14="http://schemas.microsoft.com/office/powerpoint/2010/main" val="4223300311"/>
+        <p14:creationId xmlns:p14="http://schemas.microsoft.com/office/powerpoint/2010/main" val="1975374358"/>
       </p:ext>
     </p:extLst>
   </p:cSld>
@@ -10457,6 +11384,2656 @@
         <p:cNvPr id="1" name="">
           <a:extLst>
             <a:ext uri="{FF2B5EF4-FFF2-40B4-BE49-F238E27FC236}">
+              <a16:creationId xmlns:a16="http://schemas.microsoft.com/office/drawing/2014/main" id="{899BAB32-93AB-DE33-2638-EA9FAE66C0DB}"/>
+            </a:ext>
+          </a:extLst>
+        </p:cNvPr>
+        <p:cNvGrpSpPr/>
+        <p:nvPr/>
+      </p:nvGrpSpPr>
+      <p:grpSpPr>
+        <a:xfrm>
+          <a:off x="0" y="0"/>
+          <a:ext cx="0" cy="0"/>
+          <a:chOff x="0" y="0"/>
+          <a:chExt cx="0" cy="0"/>
+        </a:xfrm>
+      </p:grpSpPr>
+      <p:sp>
+        <p:nvSpPr>
+          <p:cNvPr id="3" name="Title 2">
+            <a:extLst>
+              <a:ext uri="{FF2B5EF4-FFF2-40B4-BE49-F238E27FC236}">
+                <a16:creationId xmlns:a16="http://schemas.microsoft.com/office/drawing/2014/main" id="{72A471A5-9E73-D4CC-66F8-B18EF95F0A12}"/>
+              </a:ext>
+            </a:extLst>
+          </p:cNvPr>
+          <p:cNvSpPr>
+            <a:spLocks noGrp="1"/>
+          </p:cNvSpPr>
+          <p:nvPr>
+            <p:ph type="title"/>
+          </p:nvPr>
+        </p:nvSpPr>
+        <p:spPr>
+          <a:xfrm>
+            <a:off x="594360" y="102875"/>
+            <a:ext cx="10873740" cy="1680205"/>
+          </a:xfrm>
+        </p:spPr>
+        <p:txBody>
+          <a:bodyPr/>
+          <a:lstStyle/>
+          <a:p>
+            <a:r>
+              <a:rPr lang="en-US" dirty="0"/>
+              <a:t>Multi level Inheritance</a:t>
+            </a:r>
+          </a:p>
+        </p:txBody>
+      </p:sp>
+      <p:grpSp>
+        <p:nvGrpSpPr>
+          <p:cNvPr id="19" name="Group 18">
+            <a:extLst>
+              <a:ext uri="{FF2B5EF4-FFF2-40B4-BE49-F238E27FC236}">
+                <a16:creationId xmlns:a16="http://schemas.microsoft.com/office/drawing/2014/main" id="{27B0C6D6-1905-2F6E-02FD-B751540B08DB}"/>
+              </a:ext>
+              <a:ext uri="{C183D7F6-B498-43B3-948B-1728B52AA6E4}">
+                <adec:decorative xmlns:adec="http://schemas.microsoft.com/office/drawing/2017/decorative" val="1"/>
+              </a:ext>
+            </a:extLst>
+          </p:cNvPr>
+          <p:cNvGrpSpPr>
+            <a:grpSpLocks/>
+          </p:cNvGrpSpPr>
+          <p:nvPr/>
+        </p:nvGrpSpPr>
+        <p:grpSpPr bwMode="auto">
+          <a:xfrm rot="16200000" flipV="1">
+            <a:off x="0" y="3900132"/>
+            <a:ext cx="2959226" cy="2959226"/>
+            <a:chOff x="0" y="12289"/>
+            <a:chExt cx="3550" cy="3551"/>
+          </a:xfrm>
+        </p:grpSpPr>
+        <p:sp>
+          <p:nvSpPr>
+            <p:cNvPr id="20" name="Freeform 19">
+              <a:extLst>
+                <a:ext uri="{FF2B5EF4-FFF2-40B4-BE49-F238E27FC236}">
+                  <a16:creationId xmlns:a16="http://schemas.microsoft.com/office/drawing/2014/main" id="{E9B31719-1826-B83D-7B4F-A4F0D2AF36C3}"/>
+                </a:ext>
+              </a:extLst>
+            </p:cNvPr>
+            <p:cNvSpPr>
+              <a:spLocks/>
+            </p:cNvSpPr>
+            <p:nvPr/>
+          </p:nvSpPr>
+          <p:spPr bwMode="auto">
+            <a:xfrm>
+              <a:off x="0" y="12289"/>
+              <a:ext cx="1789" cy="2386"/>
+            </a:xfrm>
+            <a:custGeom>
+              <a:avLst/>
+              <a:gdLst>
+                <a:gd name="T0" fmla="*/ 0 w 1789"/>
+                <a:gd name="T1" fmla="+- 0 12290 12290"/>
+                <a:gd name="T2" fmla="*/ 12290 h 2386"/>
+                <a:gd name="T3" fmla="*/ 0 w 1789"/>
+                <a:gd name="T4" fmla="+- 0 13484 12290"/>
+                <a:gd name="T5" fmla="*/ 13484 h 2386"/>
+                <a:gd name="T6" fmla="*/ 1192 w 1789"/>
+                <a:gd name="T7" fmla="+- 0 14676 12290"/>
+                <a:gd name="T8" fmla="*/ 14676 h 2386"/>
+                <a:gd name="T9" fmla="*/ 1789 w 1789"/>
+                <a:gd name="T10" fmla="+- 0 14079 12290"/>
+                <a:gd name="T11" fmla="*/ 14079 h 2386"/>
+                <a:gd name="T12" fmla="*/ 0 w 1789"/>
+                <a:gd name="T13" fmla="+- 0 12290 12290"/>
+                <a:gd name="T14" fmla="*/ 12290 h 2386"/>
+              </a:gdLst>
+              <a:ahLst/>
+              <a:cxnLst>
+                <a:cxn ang="0">
+                  <a:pos x="T0" y="T2"/>
+                </a:cxn>
+                <a:cxn ang="0">
+                  <a:pos x="T3" y="T5"/>
+                </a:cxn>
+                <a:cxn ang="0">
+                  <a:pos x="T6" y="T8"/>
+                </a:cxn>
+                <a:cxn ang="0">
+                  <a:pos x="T9" y="T11"/>
+                </a:cxn>
+                <a:cxn ang="0">
+                  <a:pos x="T12" y="T14"/>
+                </a:cxn>
+              </a:cxnLst>
+              <a:rect l="0" t="0" r="r" b="b"/>
+              <a:pathLst>
+                <a:path w="1789" h="2386">
+                  <a:moveTo>
+                    <a:pt x="0" y="0"/>
+                  </a:moveTo>
+                  <a:lnTo>
+                    <a:pt x="0" y="1194"/>
+                  </a:lnTo>
+                  <a:lnTo>
+                    <a:pt x="1192" y="2386"/>
+                  </a:lnTo>
+                  <a:lnTo>
+                    <a:pt x="1789" y="1789"/>
+                  </a:lnTo>
+                  <a:lnTo>
+                    <a:pt x="0" y="0"/>
+                  </a:lnTo>
+                  <a:close/>
+                </a:path>
+              </a:pathLst>
+            </a:custGeom>
+            <a:solidFill>
+              <a:schemeClr val="accent6"/>
+            </a:solidFill>
+            <a:ln>
+              <a:noFill/>
+            </a:ln>
+            <a:extLst>
+              <a:ext uri="{91240B29-F687-4F45-9708-019B960494DF}">
+                <a14:hiddenLine xmlns:a14="http://schemas.microsoft.com/office/drawing/2010/main" w="9525">
+                  <a:solidFill>
+                    <a:srgbClr val="000000"/>
+                  </a:solidFill>
+                  <a:round/>
+                  <a:headEnd/>
+                  <a:tailEnd/>
+                </a14:hiddenLine>
+              </a:ext>
+            </a:extLst>
+          </p:spPr>
+          <p:txBody>
+            <a:bodyPr rot="0" vert="horz" wrap="square" lIns="91440" tIns="45720" rIns="91440" bIns="45720" anchor="t" anchorCtr="0" upright="1">
+              <a:noAutofit/>
+            </a:bodyPr>
+            <a:lstStyle/>
+            <a:p>
+              <a:endParaRPr lang="en-US" dirty="0">
+                <a:solidFill>
+                  <a:schemeClr val="bg1"/>
+                </a:solidFill>
+              </a:endParaRPr>
+            </a:p>
+          </p:txBody>
+        </p:sp>
+        <p:sp>
+          <p:nvSpPr>
+            <p:cNvPr id="21" name="Freeform 20">
+              <a:extLst>
+                <a:ext uri="{FF2B5EF4-FFF2-40B4-BE49-F238E27FC236}">
+                  <a16:creationId xmlns:a16="http://schemas.microsoft.com/office/drawing/2014/main" id="{0647D383-AC7F-0F60-294C-0553450A6126}"/>
+                </a:ext>
+              </a:extLst>
+            </p:cNvPr>
+            <p:cNvSpPr>
+              <a:spLocks/>
+            </p:cNvSpPr>
+            <p:nvPr/>
+          </p:nvSpPr>
+          <p:spPr bwMode="auto">
+            <a:xfrm>
+              <a:off x="0" y="14678"/>
+              <a:ext cx="1162" cy="1162"/>
+            </a:xfrm>
+            <a:custGeom>
+              <a:avLst/>
+              <a:gdLst>
+                <a:gd name="T0" fmla="*/ 0 w 1162"/>
+                <a:gd name="T1" fmla="+- 0 14679 14679"/>
+                <a:gd name="T2" fmla="*/ 14679 h 1162"/>
+                <a:gd name="T3" fmla="*/ 0 w 1162"/>
+                <a:gd name="T4" fmla="+- 0 15840 14679"/>
+                <a:gd name="T5" fmla="*/ 15840 h 1162"/>
+                <a:gd name="T6" fmla="*/ 1161 w 1162"/>
+                <a:gd name="T7" fmla="+- 0 15840 14679"/>
+                <a:gd name="T8" fmla="*/ 15840 h 1162"/>
+                <a:gd name="T9" fmla="*/ 0 w 1162"/>
+                <a:gd name="T10" fmla="+- 0 14679 14679"/>
+                <a:gd name="T11" fmla="*/ 14679 h 1162"/>
+              </a:gdLst>
+              <a:ahLst/>
+              <a:cxnLst>
+                <a:cxn ang="0">
+                  <a:pos x="T0" y="T2"/>
+                </a:cxn>
+                <a:cxn ang="0">
+                  <a:pos x="T3" y="T5"/>
+                </a:cxn>
+                <a:cxn ang="0">
+                  <a:pos x="T6" y="T8"/>
+                </a:cxn>
+                <a:cxn ang="0">
+                  <a:pos x="T9" y="T11"/>
+                </a:cxn>
+              </a:cxnLst>
+              <a:rect l="0" t="0" r="r" b="b"/>
+              <a:pathLst>
+                <a:path w="1162" h="1162">
+                  <a:moveTo>
+                    <a:pt x="0" y="0"/>
+                  </a:moveTo>
+                  <a:lnTo>
+                    <a:pt x="0" y="1161"/>
+                  </a:lnTo>
+                  <a:lnTo>
+                    <a:pt x="1161" y="1161"/>
+                  </a:lnTo>
+                  <a:lnTo>
+                    <a:pt x="0" y="0"/>
+                  </a:lnTo>
+                  <a:close/>
+                </a:path>
+              </a:pathLst>
+            </a:custGeom>
+            <a:solidFill>
+              <a:schemeClr val="tx2"/>
+            </a:solidFill>
+            <a:ln>
+              <a:noFill/>
+            </a:ln>
+            <a:extLst>
+              <a:ext uri="{91240B29-F687-4F45-9708-019B960494DF}">
+                <a14:hiddenLine xmlns:a14="http://schemas.microsoft.com/office/drawing/2010/main" w="9525">
+                  <a:solidFill>
+                    <a:srgbClr val="000000"/>
+                  </a:solidFill>
+                  <a:round/>
+                  <a:headEnd/>
+                  <a:tailEnd/>
+                </a14:hiddenLine>
+              </a:ext>
+            </a:extLst>
+          </p:spPr>
+          <p:txBody>
+            <a:bodyPr rot="0" vert="horz" wrap="square" lIns="91440" tIns="45720" rIns="91440" bIns="45720" anchor="t" anchorCtr="0" upright="1">
+              <a:noAutofit/>
+            </a:bodyPr>
+            <a:lstStyle/>
+            <a:p>
+              <a:endParaRPr lang="en-US" dirty="0">
+                <a:solidFill>
+                  <a:schemeClr val="bg1"/>
+                </a:solidFill>
+              </a:endParaRPr>
+            </a:p>
+          </p:txBody>
+        </p:sp>
+        <p:sp>
+          <p:nvSpPr>
+            <p:cNvPr id="22" name="Freeform 21">
+              <a:extLst>
+                <a:ext uri="{FF2B5EF4-FFF2-40B4-BE49-F238E27FC236}">
+                  <a16:creationId xmlns:a16="http://schemas.microsoft.com/office/drawing/2014/main" id="{3912FF01-FAF5-AED7-CA5C-A63E40163079}"/>
+                </a:ext>
+              </a:extLst>
+            </p:cNvPr>
+            <p:cNvSpPr>
+              <a:spLocks/>
+            </p:cNvSpPr>
+            <p:nvPr/>
+          </p:nvSpPr>
+          <p:spPr bwMode="auto">
+            <a:xfrm>
+              <a:off x="1221" y="14675"/>
+              <a:ext cx="2329" cy="1165"/>
+            </a:xfrm>
+            <a:custGeom>
+              <a:avLst/>
+              <a:gdLst>
+                <a:gd name="T0" fmla="+- 0 3550 1221"/>
+                <a:gd name="T1" fmla="*/ T0 w 2329"/>
+                <a:gd name="T2" fmla="+- 0 15840 14676"/>
+                <a:gd name="T3" fmla="*/ 15840 h 1165"/>
+                <a:gd name="T4" fmla="+- 0 2386 1221"/>
+                <a:gd name="T5" fmla="*/ T4 w 2329"/>
+                <a:gd name="T6" fmla="+- 0 14676 14676"/>
+                <a:gd name="T7" fmla="*/ 14676 h 1165"/>
+                <a:gd name="T8" fmla="+- 0 1221 1221"/>
+                <a:gd name="T9" fmla="*/ T8 w 2329"/>
+                <a:gd name="T10" fmla="+- 0 15840 14676"/>
+                <a:gd name="T11" fmla="*/ 15840 h 1165"/>
+                <a:gd name="T12" fmla="+- 0 3550 1221"/>
+                <a:gd name="T13" fmla="*/ T12 w 2329"/>
+                <a:gd name="T14" fmla="+- 0 15840 14676"/>
+                <a:gd name="T15" fmla="*/ 15840 h 1165"/>
+              </a:gdLst>
+              <a:ahLst/>
+              <a:cxnLst>
+                <a:cxn ang="0">
+                  <a:pos x="T1" y="T3"/>
+                </a:cxn>
+                <a:cxn ang="0">
+                  <a:pos x="T5" y="T7"/>
+                </a:cxn>
+                <a:cxn ang="0">
+                  <a:pos x="T9" y="T11"/>
+                </a:cxn>
+                <a:cxn ang="0">
+                  <a:pos x="T13" y="T15"/>
+                </a:cxn>
+              </a:cxnLst>
+              <a:rect l="0" t="0" r="r" b="b"/>
+              <a:pathLst>
+                <a:path w="2329" h="1165">
+                  <a:moveTo>
+                    <a:pt x="2329" y="1164"/>
+                  </a:moveTo>
+                  <a:lnTo>
+                    <a:pt x="1165" y="0"/>
+                  </a:lnTo>
+                  <a:lnTo>
+                    <a:pt x="0" y="1164"/>
+                  </a:lnTo>
+                  <a:lnTo>
+                    <a:pt x="2329" y="1164"/>
+                  </a:lnTo>
+                </a:path>
+              </a:pathLst>
+            </a:custGeom>
+            <a:solidFill>
+              <a:schemeClr val="accent3"/>
+            </a:solidFill>
+            <a:ln>
+              <a:noFill/>
+            </a:ln>
+            <a:extLst>
+              <a:ext uri="{91240B29-F687-4F45-9708-019B960494DF}">
+                <a14:hiddenLine xmlns:a14="http://schemas.microsoft.com/office/drawing/2010/main" w="9525">
+                  <a:solidFill>
+                    <a:srgbClr val="000000"/>
+                  </a:solidFill>
+                  <a:round/>
+                  <a:headEnd/>
+                  <a:tailEnd/>
+                </a14:hiddenLine>
+              </a:ext>
+            </a:extLst>
+          </p:spPr>
+          <p:txBody>
+            <a:bodyPr rot="0" vert="horz" wrap="square" lIns="91440" tIns="45720" rIns="91440" bIns="45720" anchor="t" anchorCtr="0" upright="1">
+              <a:noAutofit/>
+            </a:bodyPr>
+            <a:lstStyle/>
+            <a:p>
+              <a:endParaRPr lang="en-US" dirty="0">
+                <a:solidFill>
+                  <a:schemeClr val="bg1"/>
+                </a:solidFill>
+              </a:endParaRPr>
+            </a:p>
+          </p:txBody>
+        </p:sp>
+      </p:grpSp>
+      <p:pic>
+        <p:nvPicPr>
+          <p:cNvPr id="5" name="Picture 4">
+            <a:extLst>
+              <a:ext uri="{FF2B5EF4-FFF2-40B4-BE49-F238E27FC236}">
+                <a16:creationId xmlns:a16="http://schemas.microsoft.com/office/drawing/2014/main" id="{C9ECD258-A718-9939-AC8C-67FA8FEB23A8}"/>
+              </a:ext>
+            </a:extLst>
+          </p:cNvPr>
+          <p:cNvPicPr>
+            <a:picLocks noChangeAspect="1"/>
+          </p:cNvPicPr>
+          <p:nvPr/>
+        </p:nvPicPr>
+        <p:blipFill>
+          <a:blip r:embed="rId3"/>
+          <a:stretch>
+            <a:fillRect/>
+          </a:stretch>
+        </p:blipFill>
+        <p:spPr>
+          <a:xfrm>
+            <a:off x="2959226" y="1965682"/>
+            <a:ext cx="6392167" cy="4639322"/>
+          </a:xfrm>
+          <a:prstGeom prst="rect">
+            <a:avLst/>
+          </a:prstGeom>
+        </p:spPr>
+      </p:pic>
+    </p:spTree>
+    <p:extLst>
+      <p:ext uri="{BB962C8B-B14F-4D97-AF65-F5344CB8AC3E}">
+        <p14:creationId xmlns:p14="http://schemas.microsoft.com/office/powerpoint/2010/main" val="2912178760"/>
+      </p:ext>
+    </p:extLst>
+  </p:cSld>
+  <p:clrMapOvr>
+    <a:masterClrMapping/>
+  </p:clrMapOvr>
+</p:sld>
+</file>
+
+<file path=ppt/slides/slide11.xml><?xml version="1.0" encoding="utf-8"?>
+<p:sld xmlns:a="http://schemas.openxmlformats.org/drawingml/2006/main" xmlns:r="http://schemas.openxmlformats.org/officeDocument/2006/relationships" xmlns:p="http://schemas.openxmlformats.org/presentationml/2006/main">
+  <p:cSld>
+    <p:spTree>
+      <p:nvGrpSpPr>
+        <p:cNvPr id="1" name="">
+          <a:extLst>
+            <a:ext uri="{FF2B5EF4-FFF2-40B4-BE49-F238E27FC236}">
+              <a16:creationId xmlns:a16="http://schemas.microsoft.com/office/drawing/2014/main" id="{5BE82542-2742-14C8-8D04-E64108C4EFA1}"/>
+            </a:ext>
+          </a:extLst>
+        </p:cNvPr>
+        <p:cNvGrpSpPr/>
+        <p:nvPr/>
+      </p:nvGrpSpPr>
+      <p:grpSpPr>
+        <a:xfrm>
+          <a:off x="0" y="0"/>
+          <a:ext cx="0" cy="0"/>
+          <a:chOff x="0" y="0"/>
+          <a:chExt cx="0" cy="0"/>
+        </a:xfrm>
+      </p:grpSpPr>
+      <p:sp>
+        <p:nvSpPr>
+          <p:cNvPr id="3" name="Title 2">
+            <a:extLst>
+              <a:ext uri="{FF2B5EF4-FFF2-40B4-BE49-F238E27FC236}">
+                <a16:creationId xmlns:a16="http://schemas.microsoft.com/office/drawing/2014/main" id="{F6135EC2-B693-B512-D3AB-2FE2749C5407}"/>
+              </a:ext>
+            </a:extLst>
+          </p:cNvPr>
+          <p:cNvSpPr>
+            <a:spLocks noGrp="1"/>
+          </p:cNvSpPr>
+          <p:nvPr>
+            <p:ph type="title"/>
+          </p:nvPr>
+        </p:nvSpPr>
+        <p:spPr>
+          <a:xfrm>
+            <a:off x="594360" y="102875"/>
+            <a:ext cx="10873740" cy="1680205"/>
+          </a:xfrm>
+        </p:spPr>
+        <p:txBody>
+          <a:bodyPr/>
+          <a:lstStyle/>
+          <a:p>
+            <a:r>
+              <a:rPr lang="en-US" dirty="0"/>
+              <a:t>Hierarchical Inheritance</a:t>
+            </a:r>
+          </a:p>
+        </p:txBody>
+      </p:sp>
+      <p:grpSp>
+        <p:nvGrpSpPr>
+          <p:cNvPr id="19" name="Group 18">
+            <a:extLst>
+              <a:ext uri="{FF2B5EF4-FFF2-40B4-BE49-F238E27FC236}">
+                <a16:creationId xmlns:a16="http://schemas.microsoft.com/office/drawing/2014/main" id="{398B709D-95FE-D3B0-DD23-63420809EC0C}"/>
+              </a:ext>
+              <a:ext uri="{C183D7F6-B498-43B3-948B-1728B52AA6E4}">
+                <adec:decorative xmlns:adec="http://schemas.microsoft.com/office/drawing/2017/decorative" val="1"/>
+              </a:ext>
+            </a:extLst>
+          </p:cNvPr>
+          <p:cNvGrpSpPr>
+            <a:grpSpLocks/>
+          </p:cNvGrpSpPr>
+          <p:nvPr/>
+        </p:nvGrpSpPr>
+        <p:grpSpPr bwMode="auto">
+          <a:xfrm rot="16200000" flipV="1">
+            <a:off x="0" y="3900132"/>
+            <a:ext cx="2959226" cy="2959226"/>
+            <a:chOff x="0" y="12289"/>
+            <a:chExt cx="3550" cy="3551"/>
+          </a:xfrm>
+        </p:grpSpPr>
+        <p:sp>
+          <p:nvSpPr>
+            <p:cNvPr id="20" name="Freeform 19">
+              <a:extLst>
+                <a:ext uri="{FF2B5EF4-FFF2-40B4-BE49-F238E27FC236}">
+                  <a16:creationId xmlns:a16="http://schemas.microsoft.com/office/drawing/2014/main" id="{18A20D6F-A9BD-C33B-F9DC-FF49016BB4FD}"/>
+                </a:ext>
+              </a:extLst>
+            </p:cNvPr>
+            <p:cNvSpPr>
+              <a:spLocks/>
+            </p:cNvSpPr>
+            <p:nvPr/>
+          </p:nvSpPr>
+          <p:spPr bwMode="auto">
+            <a:xfrm>
+              <a:off x="0" y="12289"/>
+              <a:ext cx="1789" cy="2386"/>
+            </a:xfrm>
+            <a:custGeom>
+              <a:avLst/>
+              <a:gdLst>
+                <a:gd name="T0" fmla="*/ 0 w 1789"/>
+                <a:gd name="T1" fmla="+- 0 12290 12290"/>
+                <a:gd name="T2" fmla="*/ 12290 h 2386"/>
+                <a:gd name="T3" fmla="*/ 0 w 1789"/>
+                <a:gd name="T4" fmla="+- 0 13484 12290"/>
+                <a:gd name="T5" fmla="*/ 13484 h 2386"/>
+                <a:gd name="T6" fmla="*/ 1192 w 1789"/>
+                <a:gd name="T7" fmla="+- 0 14676 12290"/>
+                <a:gd name="T8" fmla="*/ 14676 h 2386"/>
+                <a:gd name="T9" fmla="*/ 1789 w 1789"/>
+                <a:gd name="T10" fmla="+- 0 14079 12290"/>
+                <a:gd name="T11" fmla="*/ 14079 h 2386"/>
+                <a:gd name="T12" fmla="*/ 0 w 1789"/>
+                <a:gd name="T13" fmla="+- 0 12290 12290"/>
+                <a:gd name="T14" fmla="*/ 12290 h 2386"/>
+              </a:gdLst>
+              <a:ahLst/>
+              <a:cxnLst>
+                <a:cxn ang="0">
+                  <a:pos x="T0" y="T2"/>
+                </a:cxn>
+                <a:cxn ang="0">
+                  <a:pos x="T3" y="T5"/>
+                </a:cxn>
+                <a:cxn ang="0">
+                  <a:pos x="T6" y="T8"/>
+                </a:cxn>
+                <a:cxn ang="0">
+                  <a:pos x="T9" y="T11"/>
+                </a:cxn>
+                <a:cxn ang="0">
+                  <a:pos x="T12" y="T14"/>
+                </a:cxn>
+              </a:cxnLst>
+              <a:rect l="0" t="0" r="r" b="b"/>
+              <a:pathLst>
+                <a:path w="1789" h="2386">
+                  <a:moveTo>
+                    <a:pt x="0" y="0"/>
+                  </a:moveTo>
+                  <a:lnTo>
+                    <a:pt x="0" y="1194"/>
+                  </a:lnTo>
+                  <a:lnTo>
+                    <a:pt x="1192" y="2386"/>
+                  </a:lnTo>
+                  <a:lnTo>
+                    <a:pt x="1789" y="1789"/>
+                  </a:lnTo>
+                  <a:lnTo>
+                    <a:pt x="0" y="0"/>
+                  </a:lnTo>
+                  <a:close/>
+                </a:path>
+              </a:pathLst>
+            </a:custGeom>
+            <a:solidFill>
+              <a:schemeClr val="accent6"/>
+            </a:solidFill>
+            <a:ln>
+              <a:noFill/>
+            </a:ln>
+            <a:extLst>
+              <a:ext uri="{91240B29-F687-4F45-9708-019B960494DF}">
+                <a14:hiddenLine xmlns:a14="http://schemas.microsoft.com/office/drawing/2010/main" w="9525">
+                  <a:solidFill>
+                    <a:srgbClr val="000000"/>
+                  </a:solidFill>
+                  <a:round/>
+                  <a:headEnd/>
+                  <a:tailEnd/>
+                </a14:hiddenLine>
+              </a:ext>
+            </a:extLst>
+          </p:spPr>
+          <p:txBody>
+            <a:bodyPr rot="0" vert="horz" wrap="square" lIns="91440" tIns="45720" rIns="91440" bIns="45720" anchor="t" anchorCtr="0" upright="1">
+              <a:noAutofit/>
+            </a:bodyPr>
+            <a:lstStyle/>
+            <a:p>
+              <a:endParaRPr lang="en-US" dirty="0">
+                <a:solidFill>
+                  <a:schemeClr val="bg1"/>
+                </a:solidFill>
+              </a:endParaRPr>
+            </a:p>
+          </p:txBody>
+        </p:sp>
+        <p:sp>
+          <p:nvSpPr>
+            <p:cNvPr id="21" name="Freeform 20">
+              <a:extLst>
+                <a:ext uri="{FF2B5EF4-FFF2-40B4-BE49-F238E27FC236}">
+                  <a16:creationId xmlns:a16="http://schemas.microsoft.com/office/drawing/2014/main" id="{690A359A-7172-6366-8B42-5E27885D975A}"/>
+                </a:ext>
+              </a:extLst>
+            </p:cNvPr>
+            <p:cNvSpPr>
+              <a:spLocks/>
+            </p:cNvSpPr>
+            <p:nvPr/>
+          </p:nvSpPr>
+          <p:spPr bwMode="auto">
+            <a:xfrm>
+              <a:off x="0" y="14678"/>
+              <a:ext cx="1162" cy="1162"/>
+            </a:xfrm>
+            <a:custGeom>
+              <a:avLst/>
+              <a:gdLst>
+                <a:gd name="T0" fmla="*/ 0 w 1162"/>
+                <a:gd name="T1" fmla="+- 0 14679 14679"/>
+                <a:gd name="T2" fmla="*/ 14679 h 1162"/>
+                <a:gd name="T3" fmla="*/ 0 w 1162"/>
+                <a:gd name="T4" fmla="+- 0 15840 14679"/>
+                <a:gd name="T5" fmla="*/ 15840 h 1162"/>
+                <a:gd name="T6" fmla="*/ 1161 w 1162"/>
+                <a:gd name="T7" fmla="+- 0 15840 14679"/>
+                <a:gd name="T8" fmla="*/ 15840 h 1162"/>
+                <a:gd name="T9" fmla="*/ 0 w 1162"/>
+                <a:gd name="T10" fmla="+- 0 14679 14679"/>
+                <a:gd name="T11" fmla="*/ 14679 h 1162"/>
+              </a:gdLst>
+              <a:ahLst/>
+              <a:cxnLst>
+                <a:cxn ang="0">
+                  <a:pos x="T0" y="T2"/>
+                </a:cxn>
+                <a:cxn ang="0">
+                  <a:pos x="T3" y="T5"/>
+                </a:cxn>
+                <a:cxn ang="0">
+                  <a:pos x="T6" y="T8"/>
+                </a:cxn>
+                <a:cxn ang="0">
+                  <a:pos x="T9" y="T11"/>
+                </a:cxn>
+              </a:cxnLst>
+              <a:rect l="0" t="0" r="r" b="b"/>
+              <a:pathLst>
+                <a:path w="1162" h="1162">
+                  <a:moveTo>
+                    <a:pt x="0" y="0"/>
+                  </a:moveTo>
+                  <a:lnTo>
+                    <a:pt x="0" y="1161"/>
+                  </a:lnTo>
+                  <a:lnTo>
+                    <a:pt x="1161" y="1161"/>
+                  </a:lnTo>
+                  <a:lnTo>
+                    <a:pt x="0" y="0"/>
+                  </a:lnTo>
+                  <a:close/>
+                </a:path>
+              </a:pathLst>
+            </a:custGeom>
+            <a:solidFill>
+              <a:schemeClr val="tx2"/>
+            </a:solidFill>
+            <a:ln>
+              <a:noFill/>
+            </a:ln>
+            <a:extLst>
+              <a:ext uri="{91240B29-F687-4F45-9708-019B960494DF}">
+                <a14:hiddenLine xmlns:a14="http://schemas.microsoft.com/office/drawing/2010/main" w="9525">
+                  <a:solidFill>
+                    <a:srgbClr val="000000"/>
+                  </a:solidFill>
+                  <a:round/>
+                  <a:headEnd/>
+                  <a:tailEnd/>
+                </a14:hiddenLine>
+              </a:ext>
+            </a:extLst>
+          </p:spPr>
+          <p:txBody>
+            <a:bodyPr rot="0" vert="horz" wrap="square" lIns="91440" tIns="45720" rIns="91440" bIns="45720" anchor="t" anchorCtr="0" upright="1">
+              <a:noAutofit/>
+            </a:bodyPr>
+            <a:lstStyle/>
+            <a:p>
+              <a:endParaRPr lang="en-US" dirty="0">
+                <a:solidFill>
+                  <a:schemeClr val="bg1"/>
+                </a:solidFill>
+              </a:endParaRPr>
+            </a:p>
+          </p:txBody>
+        </p:sp>
+        <p:sp>
+          <p:nvSpPr>
+            <p:cNvPr id="22" name="Freeform 21">
+              <a:extLst>
+                <a:ext uri="{FF2B5EF4-FFF2-40B4-BE49-F238E27FC236}">
+                  <a16:creationId xmlns:a16="http://schemas.microsoft.com/office/drawing/2014/main" id="{10B9BFC5-3842-77EA-E66B-442D6326CF74}"/>
+                </a:ext>
+              </a:extLst>
+            </p:cNvPr>
+            <p:cNvSpPr>
+              <a:spLocks/>
+            </p:cNvSpPr>
+            <p:nvPr/>
+          </p:nvSpPr>
+          <p:spPr bwMode="auto">
+            <a:xfrm>
+              <a:off x="1221" y="14675"/>
+              <a:ext cx="2329" cy="1165"/>
+            </a:xfrm>
+            <a:custGeom>
+              <a:avLst/>
+              <a:gdLst>
+                <a:gd name="T0" fmla="+- 0 3550 1221"/>
+                <a:gd name="T1" fmla="*/ T0 w 2329"/>
+                <a:gd name="T2" fmla="+- 0 15840 14676"/>
+                <a:gd name="T3" fmla="*/ 15840 h 1165"/>
+                <a:gd name="T4" fmla="+- 0 2386 1221"/>
+                <a:gd name="T5" fmla="*/ T4 w 2329"/>
+                <a:gd name="T6" fmla="+- 0 14676 14676"/>
+                <a:gd name="T7" fmla="*/ 14676 h 1165"/>
+                <a:gd name="T8" fmla="+- 0 1221 1221"/>
+                <a:gd name="T9" fmla="*/ T8 w 2329"/>
+                <a:gd name="T10" fmla="+- 0 15840 14676"/>
+                <a:gd name="T11" fmla="*/ 15840 h 1165"/>
+                <a:gd name="T12" fmla="+- 0 3550 1221"/>
+                <a:gd name="T13" fmla="*/ T12 w 2329"/>
+                <a:gd name="T14" fmla="+- 0 15840 14676"/>
+                <a:gd name="T15" fmla="*/ 15840 h 1165"/>
+              </a:gdLst>
+              <a:ahLst/>
+              <a:cxnLst>
+                <a:cxn ang="0">
+                  <a:pos x="T1" y="T3"/>
+                </a:cxn>
+                <a:cxn ang="0">
+                  <a:pos x="T5" y="T7"/>
+                </a:cxn>
+                <a:cxn ang="0">
+                  <a:pos x="T9" y="T11"/>
+                </a:cxn>
+                <a:cxn ang="0">
+                  <a:pos x="T13" y="T15"/>
+                </a:cxn>
+              </a:cxnLst>
+              <a:rect l="0" t="0" r="r" b="b"/>
+              <a:pathLst>
+                <a:path w="2329" h="1165">
+                  <a:moveTo>
+                    <a:pt x="2329" y="1164"/>
+                  </a:moveTo>
+                  <a:lnTo>
+                    <a:pt x="1165" y="0"/>
+                  </a:lnTo>
+                  <a:lnTo>
+                    <a:pt x="0" y="1164"/>
+                  </a:lnTo>
+                  <a:lnTo>
+                    <a:pt x="2329" y="1164"/>
+                  </a:lnTo>
+                </a:path>
+              </a:pathLst>
+            </a:custGeom>
+            <a:solidFill>
+              <a:schemeClr val="accent3"/>
+            </a:solidFill>
+            <a:ln>
+              <a:noFill/>
+            </a:ln>
+            <a:extLst>
+              <a:ext uri="{91240B29-F687-4F45-9708-019B960494DF}">
+                <a14:hiddenLine xmlns:a14="http://schemas.microsoft.com/office/drawing/2010/main" w="9525">
+                  <a:solidFill>
+                    <a:srgbClr val="000000"/>
+                  </a:solidFill>
+                  <a:round/>
+                  <a:headEnd/>
+                  <a:tailEnd/>
+                </a14:hiddenLine>
+              </a:ext>
+            </a:extLst>
+          </p:spPr>
+          <p:txBody>
+            <a:bodyPr rot="0" vert="horz" wrap="square" lIns="91440" tIns="45720" rIns="91440" bIns="45720" anchor="t" anchorCtr="0" upright="1">
+              <a:noAutofit/>
+            </a:bodyPr>
+            <a:lstStyle/>
+            <a:p>
+              <a:endParaRPr lang="en-US" dirty="0">
+                <a:solidFill>
+                  <a:schemeClr val="bg1"/>
+                </a:solidFill>
+              </a:endParaRPr>
+            </a:p>
+          </p:txBody>
+        </p:sp>
+      </p:grpSp>
+      <p:pic>
+        <p:nvPicPr>
+          <p:cNvPr id="4" name="Picture 3">
+            <a:extLst>
+              <a:ext uri="{FF2B5EF4-FFF2-40B4-BE49-F238E27FC236}">
+                <a16:creationId xmlns:a16="http://schemas.microsoft.com/office/drawing/2014/main" id="{CCD3E48D-82EE-8D7B-6ECB-491CFB53A5D3}"/>
+              </a:ext>
+            </a:extLst>
+          </p:cNvPr>
+          <p:cNvPicPr>
+            <a:picLocks noChangeAspect="1"/>
+          </p:cNvPicPr>
+          <p:nvPr/>
+        </p:nvPicPr>
+        <p:blipFill>
+          <a:blip r:embed="rId3"/>
+          <a:stretch>
+            <a:fillRect/>
+          </a:stretch>
+        </p:blipFill>
+        <p:spPr>
+          <a:xfrm>
+            <a:off x="4020524" y="1543151"/>
+            <a:ext cx="5544324" cy="5048955"/>
+          </a:xfrm>
+          <a:prstGeom prst="rect">
+            <a:avLst/>
+          </a:prstGeom>
+        </p:spPr>
+      </p:pic>
+    </p:spTree>
+    <p:extLst>
+      <p:ext uri="{BB962C8B-B14F-4D97-AF65-F5344CB8AC3E}">
+        <p14:creationId xmlns:p14="http://schemas.microsoft.com/office/powerpoint/2010/main" val="1480787232"/>
+      </p:ext>
+    </p:extLst>
+  </p:cSld>
+  <p:clrMapOvr>
+    <a:masterClrMapping/>
+  </p:clrMapOvr>
+</p:sld>
+</file>
+
+<file path=ppt/slides/slide12.xml><?xml version="1.0" encoding="utf-8"?>
+<p:sld xmlns:a="http://schemas.openxmlformats.org/drawingml/2006/main" xmlns:r="http://schemas.openxmlformats.org/officeDocument/2006/relationships" xmlns:p="http://schemas.openxmlformats.org/presentationml/2006/main">
+  <p:cSld>
+    <p:spTree>
+      <p:nvGrpSpPr>
+        <p:cNvPr id="1" name="">
+          <a:extLst>
+            <a:ext uri="{FF2B5EF4-FFF2-40B4-BE49-F238E27FC236}">
+              <a16:creationId xmlns:a16="http://schemas.microsoft.com/office/drawing/2014/main" id="{53C9D5A8-EE3A-62B9-58EB-58DA46389801}"/>
+            </a:ext>
+          </a:extLst>
+        </p:cNvPr>
+        <p:cNvGrpSpPr/>
+        <p:nvPr/>
+      </p:nvGrpSpPr>
+      <p:grpSpPr>
+        <a:xfrm>
+          <a:off x="0" y="0"/>
+          <a:ext cx="0" cy="0"/>
+          <a:chOff x="0" y="0"/>
+          <a:chExt cx="0" cy="0"/>
+        </a:xfrm>
+      </p:grpSpPr>
+      <p:sp>
+        <p:nvSpPr>
+          <p:cNvPr id="3" name="Title 2">
+            <a:extLst>
+              <a:ext uri="{FF2B5EF4-FFF2-40B4-BE49-F238E27FC236}">
+                <a16:creationId xmlns:a16="http://schemas.microsoft.com/office/drawing/2014/main" id="{336D1AEB-D4D1-B88E-0A46-0405A4496271}"/>
+              </a:ext>
+            </a:extLst>
+          </p:cNvPr>
+          <p:cNvSpPr>
+            <a:spLocks noGrp="1"/>
+          </p:cNvSpPr>
+          <p:nvPr>
+            <p:ph type="title"/>
+          </p:nvPr>
+        </p:nvSpPr>
+        <p:spPr>
+          <a:xfrm>
+            <a:off x="594360" y="102875"/>
+            <a:ext cx="10873740" cy="1680205"/>
+          </a:xfrm>
+        </p:spPr>
+        <p:txBody>
+          <a:bodyPr/>
+          <a:lstStyle/>
+          <a:p>
+            <a:r>
+              <a:rPr lang="en-GB" dirty="0"/>
+              <a:t>Using parent:: to Extend </a:t>
+            </a:r>
+            <a:r>
+              <a:rPr lang="en-GB" dirty="0" err="1"/>
+              <a:t>Behavior</a:t>
+            </a:r>
+            <a:endParaRPr lang="en-US" dirty="0"/>
+          </a:p>
+        </p:txBody>
+      </p:sp>
+      <p:sp>
+        <p:nvSpPr>
+          <p:cNvPr id="7" name="Text Placeholder 6">
+            <a:extLst>
+              <a:ext uri="{FF2B5EF4-FFF2-40B4-BE49-F238E27FC236}">
+                <a16:creationId xmlns:a16="http://schemas.microsoft.com/office/drawing/2014/main" id="{C24C286D-C6F3-0647-F8D4-79F992AD9D65}"/>
+              </a:ext>
+            </a:extLst>
+          </p:cNvPr>
+          <p:cNvSpPr>
+            <a:spLocks noGrp="1"/>
+          </p:cNvSpPr>
+          <p:nvPr>
+            <p:ph sz="quarter" idx="13"/>
+          </p:nvPr>
+        </p:nvSpPr>
+        <p:spPr>
+          <a:xfrm>
+            <a:off x="3657600" y="2281238"/>
+            <a:ext cx="7810500" cy="3700462"/>
+          </a:xfrm>
+        </p:spPr>
+        <p:txBody>
+          <a:bodyPr>
+            <a:normAutofit/>
+          </a:bodyPr>
+          <a:lstStyle/>
+          <a:p>
+            <a:r>
+              <a:rPr lang="en-GB" dirty="0"/>
+              <a:t>Use parent::</a:t>
+            </a:r>
+            <a:r>
+              <a:rPr lang="en-GB" dirty="0" err="1"/>
+              <a:t>methodName</a:t>
+            </a:r>
+            <a:r>
+              <a:rPr lang="en-GB" dirty="0"/>
+              <a:t>() to call the original method from the parent class.</a:t>
+            </a:r>
+          </a:p>
+          <a:p>
+            <a:r>
+              <a:rPr lang="en-GB" dirty="0"/>
+              <a:t>Useful when the child needs to extend, not fully replace, the </a:t>
+            </a:r>
+            <a:r>
+              <a:rPr lang="en-GB" dirty="0" err="1"/>
+              <a:t>behavior</a:t>
+            </a:r>
+            <a:r>
+              <a:rPr lang="en-GB" dirty="0"/>
+              <a:t>.</a:t>
+            </a:r>
+            <a:endParaRPr lang="en-US" dirty="0"/>
+          </a:p>
+        </p:txBody>
+      </p:sp>
+      <p:grpSp>
+        <p:nvGrpSpPr>
+          <p:cNvPr id="19" name="Group 18">
+            <a:extLst>
+              <a:ext uri="{FF2B5EF4-FFF2-40B4-BE49-F238E27FC236}">
+                <a16:creationId xmlns:a16="http://schemas.microsoft.com/office/drawing/2014/main" id="{E3A04045-4FF9-B83D-303F-643E09611A97}"/>
+              </a:ext>
+              <a:ext uri="{C183D7F6-B498-43B3-948B-1728B52AA6E4}">
+                <adec:decorative xmlns:adec="http://schemas.microsoft.com/office/drawing/2017/decorative" val="1"/>
+              </a:ext>
+            </a:extLst>
+          </p:cNvPr>
+          <p:cNvGrpSpPr>
+            <a:grpSpLocks/>
+          </p:cNvGrpSpPr>
+          <p:nvPr/>
+        </p:nvGrpSpPr>
+        <p:grpSpPr bwMode="auto">
+          <a:xfrm rot="16200000" flipV="1">
+            <a:off x="0" y="3900132"/>
+            <a:ext cx="2959226" cy="2959226"/>
+            <a:chOff x="0" y="12289"/>
+            <a:chExt cx="3550" cy="3551"/>
+          </a:xfrm>
+        </p:grpSpPr>
+        <p:sp>
+          <p:nvSpPr>
+            <p:cNvPr id="20" name="Freeform 19">
+              <a:extLst>
+                <a:ext uri="{FF2B5EF4-FFF2-40B4-BE49-F238E27FC236}">
+                  <a16:creationId xmlns:a16="http://schemas.microsoft.com/office/drawing/2014/main" id="{524206A2-6438-93AB-7FF6-F847DE4D8E07}"/>
+                </a:ext>
+              </a:extLst>
+            </p:cNvPr>
+            <p:cNvSpPr>
+              <a:spLocks/>
+            </p:cNvSpPr>
+            <p:nvPr/>
+          </p:nvSpPr>
+          <p:spPr bwMode="auto">
+            <a:xfrm>
+              <a:off x="0" y="12289"/>
+              <a:ext cx="1789" cy="2386"/>
+            </a:xfrm>
+            <a:custGeom>
+              <a:avLst/>
+              <a:gdLst>
+                <a:gd name="T0" fmla="*/ 0 w 1789"/>
+                <a:gd name="T1" fmla="+- 0 12290 12290"/>
+                <a:gd name="T2" fmla="*/ 12290 h 2386"/>
+                <a:gd name="T3" fmla="*/ 0 w 1789"/>
+                <a:gd name="T4" fmla="+- 0 13484 12290"/>
+                <a:gd name="T5" fmla="*/ 13484 h 2386"/>
+                <a:gd name="T6" fmla="*/ 1192 w 1789"/>
+                <a:gd name="T7" fmla="+- 0 14676 12290"/>
+                <a:gd name="T8" fmla="*/ 14676 h 2386"/>
+                <a:gd name="T9" fmla="*/ 1789 w 1789"/>
+                <a:gd name="T10" fmla="+- 0 14079 12290"/>
+                <a:gd name="T11" fmla="*/ 14079 h 2386"/>
+                <a:gd name="T12" fmla="*/ 0 w 1789"/>
+                <a:gd name="T13" fmla="+- 0 12290 12290"/>
+                <a:gd name="T14" fmla="*/ 12290 h 2386"/>
+              </a:gdLst>
+              <a:ahLst/>
+              <a:cxnLst>
+                <a:cxn ang="0">
+                  <a:pos x="T0" y="T2"/>
+                </a:cxn>
+                <a:cxn ang="0">
+                  <a:pos x="T3" y="T5"/>
+                </a:cxn>
+                <a:cxn ang="0">
+                  <a:pos x="T6" y="T8"/>
+                </a:cxn>
+                <a:cxn ang="0">
+                  <a:pos x="T9" y="T11"/>
+                </a:cxn>
+                <a:cxn ang="0">
+                  <a:pos x="T12" y="T14"/>
+                </a:cxn>
+              </a:cxnLst>
+              <a:rect l="0" t="0" r="r" b="b"/>
+              <a:pathLst>
+                <a:path w="1789" h="2386">
+                  <a:moveTo>
+                    <a:pt x="0" y="0"/>
+                  </a:moveTo>
+                  <a:lnTo>
+                    <a:pt x="0" y="1194"/>
+                  </a:lnTo>
+                  <a:lnTo>
+                    <a:pt x="1192" y="2386"/>
+                  </a:lnTo>
+                  <a:lnTo>
+                    <a:pt x="1789" y="1789"/>
+                  </a:lnTo>
+                  <a:lnTo>
+                    <a:pt x="0" y="0"/>
+                  </a:lnTo>
+                  <a:close/>
+                </a:path>
+              </a:pathLst>
+            </a:custGeom>
+            <a:solidFill>
+              <a:schemeClr val="accent6"/>
+            </a:solidFill>
+            <a:ln>
+              <a:noFill/>
+            </a:ln>
+            <a:extLst>
+              <a:ext uri="{91240B29-F687-4F45-9708-019B960494DF}">
+                <a14:hiddenLine xmlns:a14="http://schemas.microsoft.com/office/drawing/2010/main" w="9525">
+                  <a:solidFill>
+                    <a:srgbClr val="000000"/>
+                  </a:solidFill>
+                  <a:round/>
+                  <a:headEnd/>
+                  <a:tailEnd/>
+                </a14:hiddenLine>
+              </a:ext>
+            </a:extLst>
+          </p:spPr>
+          <p:txBody>
+            <a:bodyPr rot="0" vert="horz" wrap="square" lIns="91440" tIns="45720" rIns="91440" bIns="45720" anchor="t" anchorCtr="0" upright="1">
+              <a:noAutofit/>
+            </a:bodyPr>
+            <a:lstStyle/>
+            <a:p>
+              <a:endParaRPr lang="en-US" dirty="0"/>
+            </a:p>
+          </p:txBody>
+        </p:sp>
+        <p:sp>
+          <p:nvSpPr>
+            <p:cNvPr id="21" name="Freeform 20">
+              <a:extLst>
+                <a:ext uri="{FF2B5EF4-FFF2-40B4-BE49-F238E27FC236}">
+                  <a16:creationId xmlns:a16="http://schemas.microsoft.com/office/drawing/2014/main" id="{DFB392C8-BD3C-3309-EE9E-E89AFE1BDB22}"/>
+                </a:ext>
+              </a:extLst>
+            </p:cNvPr>
+            <p:cNvSpPr>
+              <a:spLocks/>
+            </p:cNvSpPr>
+            <p:nvPr/>
+          </p:nvSpPr>
+          <p:spPr bwMode="auto">
+            <a:xfrm>
+              <a:off x="0" y="14678"/>
+              <a:ext cx="1162" cy="1162"/>
+            </a:xfrm>
+            <a:custGeom>
+              <a:avLst/>
+              <a:gdLst>
+                <a:gd name="T0" fmla="*/ 0 w 1162"/>
+                <a:gd name="T1" fmla="+- 0 14679 14679"/>
+                <a:gd name="T2" fmla="*/ 14679 h 1162"/>
+                <a:gd name="T3" fmla="*/ 0 w 1162"/>
+                <a:gd name="T4" fmla="+- 0 15840 14679"/>
+                <a:gd name="T5" fmla="*/ 15840 h 1162"/>
+                <a:gd name="T6" fmla="*/ 1161 w 1162"/>
+                <a:gd name="T7" fmla="+- 0 15840 14679"/>
+                <a:gd name="T8" fmla="*/ 15840 h 1162"/>
+                <a:gd name="T9" fmla="*/ 0 w 1162"/>
+                <a:gd name="T10" fmla="+- 0 14679 14679"/>
+                <a:gd name="T11" fmla="*/ 14679 h 1162"/>
+              </a:gdLst>
+              <a:ahLst/>
+              <a:cxnLst>
+                <a:cxn ang="0">
+                  <a:pos x="T0" y="T2"/>
+                </a:cxn>
+                <a:cxn ang="0">
+                  <a:pos x="T3" y="T5"/>
+                </a:cxn>
+                <a:cxn ang="0">
+                  <a:pos x="T6" y="T8"/>
+                </a:cxn>
+                <a:cxn ang="0">
+                  <a:pos x="T9" y="T11"/>
+                </a:cxn>
+              </a:cxnLst>
+              <a:rect l="0" t="0" r="r" b="b"/>
+              <a:pathLst>
+                <a:path w="1162" h="1162">
+                  <a:moveTo>
+                    <a:pt x="0" y="0"/>
+                  </a:moveTo>
+                  <a:lnTo>
+                    <a:pt x="0" y="1161"/>
+                  </a:lnTo>
+                  <a:lnTo>
+                    <a:pt x="1161" y="1161"/>
+                  </a:lnTo>
+                  <a:lnTo>
+                    <a:pt x="0" y="0"/>
+                  </a:lnTo>
+                  <a:close/>
+                </a:path>
+              </a:pathLst>
+            </a:custGeom>
+            <a:solidFill>
+              <a:schemeClr val="tx2"/>
+            </a:solidFill>
+            <a:ln>
+              <a:noFill/>
+            </a:ln>
+            <a:extLst>
+              <a:ext uri="{91240B29-F687-4F45-9708-019B960494DF}">
+                <a14:hiddenLine xmlns:a14="http://schemas.microsoft.com/office/drawing/2010/main" w="9525">
+                  <a:solidFill>
+                    <a:srgbClr val="000000"/>
+                  </a:solidFill>
+                  <a:round/>
+                  <a:headEnd/>
+                  <a:tailEnd/>
+                </a14:hiddenLine>
+              </a:ext>
+            </a:extLst>
+          </p:spPr>
+          <p:txBody>
+            <a:bodyPr rot="0" vert="horz" wrap="square" lIns="91440" tIns="45720" rIns="91440" bIns="45720" anchor="t" anchorCtr="0" upright="1">
+              <a:noAutofit/>
+            </a:bodyPr>
+            <a:lstStyle/>
+            <a:p>
+              <a:endParaRPr lang="en-US" dirty="0"/>
+            </a:p>
+          </p:txBody>
+        </p:sp>
+        <p:sp>
+          <p:nvSpPr>
+            <p:cNvPr id="22" name="Freeform 21">
+              <a:extLst>
+                <a:ext uri="{FF2B5EF4-FFF2-40B4-BE49-F238E27FC236}">
+                  <a16:creationId xmlns:a16="http://schemas.microsoft.com/office/drawing/2014/main" id="{0717DD1E-44E0-F077-880D-0FE4A2300225}"/>
+                </a:ext>
+              </a:extLst>
+            </p:cNvPr>
+            <p:cNvSpPr>
+              <a:spLocks/>
+            </p:cNvSpPr>
+            <p:nvPr/>
+          </p:nvSpPr>
+          <p:spPr bwMode="auto">
+            <a:xfrm>
+              <a:off x="1221" y="14675"/>
+              <a:ext cx="2329" cy="1165"/>
+            </a:xfrm>
+            <a:custGeom>
+              <a:avLst/>
+              <a:gdLst>
+                <a:gd name="T0" fmla="+- 0 3550 1221"/>
+                <a:gd name="T1" fmla="*/ T0 w 2329"/>
+                <a:gd name="T2" fmla="+- 0 15840 14676"/>
+                <a:gd name="T3" fmla="*/ 15840 h 1165"/>
+                <a:gd name="T4" fmla="+- 0 2386 1221"/>
+                <a:gd name="T5" fmla="*/ T4 w 2329"/>
+                <a:gd name="T6" fmla="+- 0 14676 14676"/>
+                <a:gd name="T7" fmla="*/ 14676 h 1165"/>
+                <a:gd name="T8" fmla="+- 0 1221 1221"/>
+                <a:gd name="T9" fmla="*/ T8 w 2329"/>
+                <a:gd name="T10" fmla="+- 0 15840 14676"/>
+                <a:gd name="T11" fmla="*/ 15840 h 1165"/>
+                <a:gd name="T12" fmla="+- 0 3550 1221"/>
+                <a:gd name="T13" fmla="*/ T12 w 2329"/>
+                <a:gd name="T14" fmla="+- 0 15840 14676"/>
+                <a:gd name="T15" fmla="*/ 15840 h 1165"/>
+              </a:gdLst>
+              <a:ahLst/>
+              <a:cxnLst>
+                <a:cxn ang="0">
+                  <a:pos x="T1" y="T3"/>
+                </a:cxn>
+                <a:cxn ang="0">
+                  <a:pos x="T5" y="T7"/>
+                </a:cxn>
+                <a:cxn ang="0">
+                  <a:pos x="T9" y="T11"/>
+                </a:cxn>
+                <a:cxn ang="0">
+                  <a:pos x="T13" y="T15"/>
+                </a:cxn>
+              </a:cxnLst>
+              <a:rect l="0" t="0" r="r" b="b"/>
+              <a:pathLst>
+                <a:path w="2329" h="1165">
+                  <a:moveTo>
+                    <a:pt x="2329" y="1164"/>
+                  </a:moveTo>
+                  <a:lnTo>
+                    <a:pt x="1165" y="0"/>
+                  </a:lnTo>
+                  <a:lnTo>
+                    <a:pt x="0" y="1164"/>
+                  </a:lnTo>
+                  <a:lnTo>
+                    <a:pt x="2329" y="1164"/>
+                  </a:lnTo>
+                </a:path>
+              </a:pathLst>
+            </a:custGeom>
+            <a:solidFill>
+              <a:schemeClr val="accent3"/>
+            </a:solidFill>
+            <a:ln>
+              <a:noFill/>
+            </a:ln>
+            <a:extLst>
+              <a:ext uri="{91240B29-F687-4F45-9708-019B960494DF}">
+                <a14:hiddenLine xmlns:a14="http://schemas.microsoft.com/office/drawing/2010/main" w="9525">
+                  <a:solidFill>
+                    <a:srgbClr val="000000"/>
+                  </a:solidFill>
+                  <a:round/>
+                  <a:headEnd/>
+                  <a:tailEnd/>
+                </a14:hiddenLine>
+              </a:ext>
+            </a:extLst>
+          </p:spPr>
+          <p:txBody>
+            <a:bodyPr rot="0" vert="horz" wrap="square" lIns="91440" tIns="45720" rIns="91440" bIns="45720" anchor="t" anchorCtr="0" upright="1">
+              <a:noAutofit/>
+            </a:bodyPr>
+            <a:lstStyle/>
+            <a:p>
+              <a:endParaRPr lang="en-US" dirty="0"/>
+            </a:p>
+          </p:txBody>
+        </p:sp>
+      </p:grpSp>
+    </p:spTree>
+    <p:extLst>
+      <p:ext uri="{BB962C8B-B14F-4D97-AF65-F5344CB8AC3E}">
+        <p14:creationId xmlns:p14="http://schemas.microsoft.com/office/powerpoint/2010/main" val="397159892"/>
+      </p:ext>
+    </p:extLst>
+  </p:cSld>
+  <p:clrMapOvr>
+    <a:masterClrMapping/>
+  </p:clrMapOvr>
+</p:sld>
+</file>
+
+<file path=ppt/slides/slide13.xml><?xml version="1.0" encoding="utf-8"?>
+<p:sld xmlns:a="http://schemas.openxmlformats.org/drawingml/2006/main" xmlns:r="http://schemas.openxmlformats.org/officeDocument/2006/relationships" xmlns:p="http://schemas.openxmlformats.org/presentationml/2006/main">
+  <p:cSld>
+    <p:spTree>
+      <p:nvGrpSpPr>
+        <p:cNvPr id="1" name="">
+          <a:extLst>
+            <a:ext uri="{FF2B5EF4-FFF2-40B4-BE49-F238E27FC236}">
+              <a16:creationId xmlns:a16="http://schemas.microsoft.com/office/drawing/2014/main" id="{E3D436AB-13A4-34EC-4508-38DEF9CBF56E}"/>
+            </a:ext>
+          </a:extLst>
+        </p:cNvPr>
+        <p:cNvGrpSpPr/>
+        <p:nvPr/>
+      </p:nvGrpSpPr>
+      <p:grpSpPr>
+        <a:xfrm>
+          <a:off x="0" y="0"/>
+          <a:ext cx="0" cy="0"/>
+          <a:chOff x="0" y="0"/>
+          <a:chExt cx="0" cy="0"/>
+        </a:xfrm>
+      </p:grpSpPr>
+      <p:sp>
+        <p:nvSpPr>
+          <p:cNvPr id="3" name="Title 2">
+            <a:extLst>
+              <a:ext uri="{FF2B5EF4-FFF2-40B4-BE49-F238E27FC236}">
+                <a16:creationId xmlns:a16="http://schemas.microsoft.com/office/drawing/2014/main" id="{79499601-015E-F78A-00D5-870A3C6A3818}"/>
+              </a:ext>
+            </a:extLst>
+          </p:cNvPr>
+          <p:cNvSpPr>
+            <a:spLocks noGrp="1"/>
+          </p:cNvSpPr>
+          <p:nvPr>
+            <p:ph type="title"/>
+          </p:nvPr>
+        </p:nvSpPr>
+        <p:spPr>
+          <a:xfrm>
+            <a:off x="594360" y="102875"/>
+            <a:ext cx="10873740" cy="1680205"/>
+          </a:xfrm>
+        </p:spPr>
+        <p:txBody>
+          <a:bodyPr/>
+          <a:lstStyle/>
+          <a:p>
+            <a:r>
+              <a:rPr lang="en-GB" dirty="0"/>
+              <a:t>Using parent:: to Extend </a:t>
+            </a:r>
+            <a:r>
+              <a:rPr lang="en-GB" dirty="0" err="1"/>
+              <a:t>Behavior</a:t>
+            </a:r>
+            <a:endParaRPr lang="en-US" dirty="0"/>
+          </a:p>
+        </p:txBody>
+      </p:sp>
+      <p:grpSp>
+        <p:nvGrpSpPr>
+          <p:cNvPr id="19" name="Group 18">
+            <a:extLst>
+              <a:ext uri="{FF2B5EF4-FFF2-40B4-BE49-F238E27FC236}">
+                <a16:creationId xmlns:a16="http://schemas.microsoft.com/office/drawing/2014/main" id="{A939D46B-3B35-7002-CCE1-27E620292628}"/>
+              </a:ext>
+              <a:ext uri="{C183D7F6-B498-43B3-948B-1728B52AA6E4}">
+                <adec:decorative xmlns:adec="http://schemas.microsoft.com/office/drawing/2017/decorative" val="1"/>
+              </a:ext>
+            </a:extLst>
+          </p:cNvPr>
+          <p:cNvGrpSpPr>
+            <a:grpSpLocks/>
+          </p:cNvGrpSpPr>
+          <p:nvPr/>
+        </p:nvGrpSpPr>
+        <p:grpSpPr bwMode="auto">
+          <a:xfrm rot="16200000" flipV="1">
+            <a:off x="0" y="3900132"/>
+            <a:ext cx="2959226" cy="2959226"/>
+            <a:chOff x="0" y="12289"/>
+            <a:chExt cx="3550" cy="3551"/>
+          </a:xfrm>
+        </p:grpSpPr>
+        <p:sp>
+          <p:nvSpPr>
+            <p:cNvPr id="20" name="Freeform 19">
+              <a:extLst>
+                <a:ext uri="{FF2B5EF4-FFF2-40B4-BE49-F238E27FC236}">
+                  <a16:creationId xmlns:a16="http://schemas.microsoft.com/office/drawing/2014/main" id="{CD79435B-10D0-4CF9-B8CC-E2428F5FF152}"/>
+                </a:ext>
+              </a:extLst>
+            </p:cNvPr>
+            <p:cNvSpPr>
+              <a:spLocks/>
+            </p:cNvSpPr>
+            <p:nvPr/>
+          </p:nvSpPr>
+          <p:spPr bwMode="auto">
+            <a:xfrm>
+              <a:off x="0" y="12289"/>
+              <a:ext cx="1789" cy="2386"/>
+            </a:xfrm>
+            <a:custGeom>
+              <a:avLst/>
+              <a:gdLst>
+                <a:gd name="T0" fmla="*/ 0 w 1789"/>
+                <a:gd name="T1" fmla="+- 0 12290 12290"/>
+                <a:gd name="T2" fmla="*/ 12290 h 2386"/>
+                <a:gd name="T3" fmla="*/ 0 w 1789"/>
+                <a:gd name="T4" fmla="+- 0 13484 12290"/>
+                <a:gd name="T5" fmla="*/ 13484 h 2386"/>
+                <a:gd name="T6" fmla="*/ 1192 w 1789"/>
+                <a:gd name="T7" fmla="+- 0 14676 12290"/>
+                <a:gd name="T8" fmla="*/ 14676 h 2386"/>
+                <a:gd name="T9" fmla="*/ 1789 w 1789"/>
+                <a:gd name="T10" fmla="+- 0 14079 12290"/>
+                <a:gd name="T11" fmla="*/ 14079 h 2386"/>
+                <a:gd name="T12" fmla="*/ 0 w 1789"/>
+                <a:gd name="T13" fmla="+- 0 12290 12290"/>
+                <a:gd name="T14" fmla="*/ 12290 h 2386"/>
+              </a:gdLst>
+              <a:ahLst/>
+              <a:cxnLst>
+                <a:cxn ang="0">
+                  <a:pos x="T0" y="T2"/>
+                </a:cxn>
+                <a:cxn ang="0">
+                  <a:pos x="T3" y="T5"/>
+                </a:cxn>
+                <a:cxn ang="0">
+                  <a:pos x="T6" y="T8"/>
+                </a:cxn>
+                <a:cxn ang="0">
+                  <a:pos x="T9" y="T11"/>
+                </a:cxn>
+                <a:cxn ang="0">
+                  <a:pos x="T12" y="T14"/>
+                </a:cxn>
+              </a:cxnLst>
+              <a:rect l="0" t="0" r="r" b="b"/>
+              <a:pathLst>
+                <a:path w="1789" h="2386">
+                  <a:moveTo>
+                    <a:pt x="0" y="0"/>
+                  </a:moveTo>
+                  <a:lnTo>
+                    <a:pt x="0" y="1194"/>
+                  </a:lnTo>
+                  <a:lnTo>
+                    <a:pt x="1192" y="2386"/>
+                  </a:lnTo>
+                  <a:lnTo>
+                    <a:pt x="1789" y="1789"/>
+                  </a:lnTo>
+                  <a:lnTo>
+                    <a:pt x="0" y="0"/>
+                  </a:lnTo>
+                  <a:close/>
+                </a:path>
+              </a:pathLst>
+            </a:custGeom>
+            <a:solidFill>
+              <a:schemeClr val="accent6"/>
+            </a:solidFill>
+            <a:ln>
+              <a:noFill/>
+            </a:ln>
+            <a:extLst>
+              <a:ext uri="{91240B29-F687-4F45-9708-019B960494DF}">
+                <a14:hiddenLine xmlns:a14="http://schemas.microsoft.com/office/drawing/2010/main" w="9525">
+                  <a:solidFill>
+                    <a:srgbClr val="000000"/>
+                  </a:solidFill>
+                  <a:round/>
+                  <a:headEnd/>
+                  <a:tailEnd/>
+                </a14:hiddenLine>
+              </a:ext>
+            </a:extLst>
+          </p:spPr>
+          <p:txBody>
+            <a:bodyPr rot="0" vert="horz" wrap="square" lIns="91440" tIns="45720" rIns="91440" bIns="45720" anchor="t" anchorCtr="0" upright="1">
+              <a:noAutofit/>
+            </a:bodyPr>
+            <a:lstStyle/>
+            <a:p>
+              <a:endParaRPr lang="en-US" dirty="0"/>
+            </a:p>
+          </p:txBody>
+        </p:sp>
+        <p:sp>
+          <p:nvSpPr>
+            <p:cNvPr id="21" name="Freeform 20">
+              <a:extLst>
+                <a:ext uri="{FF2B5EF4-FFF2-40B4-BE49-F238E27FC236}">
+                  <a16:creationId xmlns:a16="http://schemas.microsoft.com/office/drawing/2014/main" id="{D616AEAB-97BC-A6D5-65E3-63EADD44E0D1}"/>
+                </a:ext>
+              </a:extLst>
+            </p:cNvPr>
+            <p:cNvSpPr>
+              <a:spLocks/>
+            </p:cNvSpPr>
+            <p:nvPr/>
+          </p:nvSpPr>
+          <p:spPr bwMode="auto">
+            <a:xfrm>
+              <a:off x="0" y="14678"/>
+              <a:ext cx="1162" cy="1162"/>
+            </a:xfrm>
+            <a:custGeom>
+              <a:avLst/>
+              <a:gdLst>
+                <a:gd name="T0" fmla="*/ 0 w 1162"/>
+                <a:gd name="T1" fmla="+- 0 14679 14679"/>
+                <a:gd name="T2" fmla="*/ 14679 h 1162"/>
+                <a:gd name="T3" fmla="*/ 0 w 1162"/>
+                <a:gd name="T4" fmla="+- 0 15840 14679"/>
+                <a:gd name="T5" fmla="*/ 15840 h 1162"/>
+                <a:gd name="T6" fmla="*/ 1161 w 1162"/>
+                <a:gd name="T7" fmla="+- 0 15840 14679"/>
+                <a:gd name="T8" fmla="*/ 15840 h 1162"/>
+                <a:gd name="T9" fmla="*/ 0 w 1162"/>
+                <a:gd name="T10" fmla="+- 0 14679 14679"/>
+                <a:gd name="T11" fmla="*/ 14679 h 1162"/>
+              </a:gdLst>
+              <a:ahLst/>
+              <a:cxnLst>
+                <a:cxn ang="0">
+                  <a:pos x="T0" y="T2"/>
+                </a:cxn>
+                <a:cxn ang="0">
+                  <a:pos x="T3" y="T5"/>
+                </a:cxn>
+                <a:cxn ang="0">
+                  <a:pos x="T6" y="T8"/>
+                </a:cxn>
+                <a:cxn ang="0">
+                  <a:pos x="T9" y="T11"/>
+                </a:cxn>
+              </a:cxnLst>
+              <a:rect l="0" t="0" r="r" b="b"/>
+              <a:pathLst>
+                <a:path w="1162" h="1162">
+                  <a:moveTo>
+                    <a:pt x="0" y="0"/>
+                  </a:moveTo>
+                  <a:lnTo>
+                    <a:pt x="0" y="1161"/>
+                  </a:lnTo>
+                  <a:lnTo>
+                    <a:pt x="1161" y="1161"/>
+                  </a:lnTo>
+                  <a:lnTo>
+                    <a:pt x="0" y="0"/>
+                  </a:lnTo>
+                  <a:close/>
+                </a:path>
+              </a:pathLst>
+            </a:custGeom>
+            <a:solidFill>
+              <a:schemeClr val="tx2"/>
+            </a:solidFill>
+            <a:ln>
+              <a:noFill/>
+            </a:ln>
+            <a:extLst>
+              <a:ext uri="{91240B29-F687-4F45-9708-019B960494DF}">
+                <a14:hiddenLine xmlns:a14="http://schemas.microsoft.com/office/drawing/2010/main" w="9525">
+                  <a:solidFill>
+                    <a:srgbClr val="000000"/>
+                  </a:solidFill>
+                  <a:round/>
+                  <a:headEnd/>
+                  <a:tailEnd/>
+                </a14:hiddenLine>
+              </a:ext>
+            </a:extLst>
+          </p:spPr>
+          <p:txBody>
+            <a:bodyPr rot="0" vert="horz" wrap="square" lIns="91440" tIns="45720" rIns="91440" bIns="45720" anchor="t" anchorCtr="0" upright="1">
+              <a:noAutofit/>
+            </a:bodyPr>
+            <a:lstStyle/>
+            <a:p>
+              <a:endParaRPr lang="en-US" dirty="0"/>
+            </a:p>
+          </p:txBody>
+        </p:sp>
+        <p:sp>
+          <p:nvSpPr>
+            <p:cNvPr id="22" name="Freeform 21">
+              <a:extLst>
+                <a:ext uri="{FF2B5EF4-FFF2-40B4-BE49-F238E27FC236}">
+                  <a16:creationId xmlns:a16="http://schemas.microsoft.com/office/drawing/2014/main" id="{E09D86B5-D982-C2E2-01D1-F7B2A498276B}"/>
+                </a:ext>
+              </a:extLst>
+            </p:cNvPr>
+            <p:cNvSpPr>
+              <a:spLocks/>
+            </p:cNvSpPr>
+            <p:nvPr/>
+          </p:nvSpPr>
+          <p:spPr bwMode="auto">
+            <a:xfrm>
+              <a:off x="1221" y="14675"/>
+              <a:ext cx="2329" cy="1165"/>
+            </a:xfrm>
+            <a:custGeom>
+              <a:avLst/>
+              <a:gdLst>
+                <a:gd name="T0" fmla="+- 0 3550 1221"/>
+                <a:gd name="T1" fmla="*/ T0 w 2329"/>
+                <a:gd name="T2" fmla="+- 0 15840 14676"/>
+                <a:gd name="T3" fmla="*/ 15840 h 1165"/>
+                <a:gd name="T4" fmla="+- 0 2386 1221"/>
+                <a:gd name="T5" fmla="*/ T4 w 2329"/>
+                <a:gd name="T6" fmla="+- 0 14676 14676"/>
+                <a:gd name="T7" fmla="*/ 14676 h 1165"/>
+                <a:gd name="T8" fmla="+- 0 1221 1221"/>
+                <a:gd name="T9" fmla="*/ T8 w 2329"/>
+                <a:gd name="T10" fmla="+- 0 15840 14676"/>
+                <a:gd name="T11" fmla="*/ 15840 h 1165"/>
+                <a:gd name="T12" fmla="+- 0 3550 1221"/>
+                <a:gd name="T13" fmla="*/ T12 w 2329"/>
+                <a:gd name="T14" fmla="+- 0 15840 14676"/>
+                <a:gd name="T15" fmla="*/ 15840 h 1165"/>
+              </a:gdLst>
+              <a:ahLst/>
+              <a:cxnLst>
+                <a:cxn ang="0">
+                  <a:pos x="T1" y="T3"/>
+                </a:cxn>
+                <a:cxn ang="0">
+                  <a:pos x="T5" y="T7"/>
+                </a:cxn>
+                <a:cxn ang="0">
+                  <a:pos x="T9" y="T11"/>
+                </a:cxn>
+                <a:cxn ang="0">
+                  <a:pos x="T13" y="T15"/>
+                </a:cxn>
+              </a:cxnLst>
+              <a:rect l="0" t="0" r="r" b="b"/>
+              <a:pathLst>
+                <a:path w="2329" h="1165">
+                  <a:moveTo>
+                    <a:pt x="2329" y="1164"/>
+                  </a:moveTo>
+                  <a:lnTo>
+                    <a:pt x="1165" y="0"/>
+                  </a:lnTo>
+                  <a:lnTo>
+                    <a:pt x="0" y="1164"/>
+                  </a:lnTo>
+                  <a:lnTo>
+                    <a:pt x="2329" y="1164"/>
+                  </a:lnTo>
+                </a:path>
+              </a:pathLst>
+            </a:custGeom>
+            <a:solidFill>
+              <a:schemeClr val="accent3"/>
+            </a:solidFill>
+            <a:ln>
+              <a:noFill/>
+            </a:ln>
+            <a:extLst>
+              <a:ext uri="{91240B29-F687-4F45-9708-019B960494DF}">
+                <a14:hiddenLine xmlns:a14="http://schemas.microsoft.com/office/drawing/2010/main" w="9525">
+                  <a:solidFill>
+                    <a:srgbClr val="000000"/>
+                  </a:solidFill>
+                  <a:round/>
+                  <a:headEnd/>
+                  <a:tailEnd/>
+                </a14:hiddenLine>
+              </a:ext>
+            </a:extLst>
+          </p:spPr>
+          <p:txBody>
+            <a:bodyPr rot="0" vert="horz" wrap="square" lIns="91440" tIns="45720" rIns="91440" bIns="45720" anchor="t" anchorCtr="0" upright="1">
+              <a:noAutofit/>
+            </a:bodyPr>
+            <a:lstStyle/>
+            <a:p>
+              <a:endParaRPr lang="en-US" dirty="0"/>
+            </a:p>
+          </p:txBody>
+        </p:sp>
+      </p:grpSp>
+      <p:pic>
+        <p:nvPicPr>
+          <p:cNvPr id="4" name="Picture 3">
+            <a:extLst>
+              <a:ext uri="{FF2B5EF4-FFF2-40B4-BE49-F238E27FC236}">
+                <a16:creationId xmlns:a16="http://schemas.microsoft.com/office/drawing/2014/main" id="{1E73CEF4-EE2C-3C26-3F48-ECC98B33FE5C}"/>
+              </a:ext>
+            </a:extLst>
+          </p:cNvPr>
+          <p:cNvPicPr>
+            <a:picLocks noChangeAspect="1"/>
+          </p:cNvPicPr>
+          <p:nvPr/>
+        </p:nvPicPr>
+        <p:blipFill>
+          <a:blip r:embed="rId3"/>
+          <a:stretch>
+            <a:fillRect/>
+          </a:stretch>
+        </p:blipFill>
+        <p:spPr>
+          <a:xfrm>
+            <a:off x="2959226" y="2354934"/>
+            <a:ext cx="6649378" cy="4020111"/>
+          </a:xfrm>
+          <a:prstGeom prst="rect">
+            <a:avLst/>
+          </a:prstGeom>
+        </p:spPr>
+      </p:pic>
+    </p:spTree>
+    <p:extLst>
+      <p:ext uri="{BB962C8B-B14F-4D97-AF65-F5344CB8AC3E}">
+        <p14:creationId xmlns:p14="http://schemas.microsoft.com/office/powerpoint/2010/main" val="3480463674"/>
+      </p:ext>
+    </p:extLst>
+  </p:cSld>
+  <p:clrMapOvr>
+    <a:masterClrMapping/>
+  </p:clrMapOvr>
+</p:sld>
+</file>
+
+<file path=ppt/slides/slide14.xml><?xml version="1.0" encoding="utf-8"?>
+<p:sld xmlns:a="http://schemas.openxmlformats.org/drawingml/2006/main" xmlns:r="http://schemas.openxmlformats.org/officeDocument/2006/relationships" xmlns:p="http://schemas.openxmlformats.org/presentationml/2006/main">
+  <p:cSld>
+    <p:spTree>
+      <p:nvGrpSpPr>
+        <p:cNvPr id="1" name="">
+          <a:extLst>
+            <a:ext uri="{FF2B5EF4-FFF2-40B4-BE49-F238E27FC236}">
+              <a16:creationId xmlns:a16="http://schemas.microsoft.com/office/drawing/2014/main" id="{EC796327-38A3-15FF-549E-E9F6A16616BB}"/>
+            </a:ext>
+          </a:extLst>
+        </p:cNvPr>
+        <p:cNvGrpSpPr/>
+        <p:nvPr/>
+      </p:nvGrpSpPr>
+      <p:grpSpPr>
+        <a:xfrm>
+          <a:off x="0" y="0"/>
+          <a:ext cx="0" cy="0"/>
+          <a:chOff x="0" y="0"/>
+          <a:chExt cx="0" cy="0"/>
+        </a:xfrm>
+      </p:grpSpPr>
+      <p:sp>
+        <p:nvSpPr>
+          <p:cNvPr id="3" name="Title 2">
+            <a:extLst>
+              <a:ext uri="{FF2B5EF4-FFF2-40B4-BE49-F238E27FC236}">
+                <a16:creationId xmlns:a16="http://schemas.microsoft.com/office/drawing/2014/main" id="{03EE06DF-4676-839E-C78F-C222C2D6FA55}"/>
+              </a:ext>
+            </a:extLst>
+          </p:cNvPr>
+          <p:cNvSpPr>
+            <a:spLocks noGrp="1"/>
+          </p:cNvSpPr>
+          <p:nvPr>
+            <p:ph type="title"/>
+          </p:nvPr>
+        </p:nvSpPr>
+        <p:spPr>
+          <a:xfrm>
+            <a:off x="594360" y="102875"/>
+            <a:ext cx="10873740" cy="1680205"/>
+          </a:xfrm>
+        </p:spPr>
+        <p:txBody>
+          <a:bodyPr/>
+          <a:lstStyle/>
+          <a:p>
+            <a:pPr lvl="0"/>
+            <a:r>
+              <a:rPr lang="en-PH" dirty="0"/>
+              <a:t>Inheritance with constructors</a:t>
+            </a:r>
+            <a:endParaRPr lang="en-US" dirty="0"/>
+          </a:p>
+        </p:txBody>
+      </p:sp>
+      <p:grpSp>
+        <p:nvGrpSpPr>
+          <p:cNvPr id="19" name="Group 18">
+            <a:extLst>
+              <a:ext uri="{FF2B5EF4-FFF2-40B4-BE49-F238E27FC236}">
+                <a16:creationId xmlns:a16="http://schemas.microsoft.com/office/drawing/2014/main" id="{EC3FAC56-F9EF-E257-2255-7D6324362729}"/>
+              </a:ext>
+              <a:ext uri="{C183D7F6-B498-43B3-948B-1728B52AA6E4}">
+                <adec:decorative xmlns:adec="http://schemas.microsoft.com/office/drawing/2017/decorative" val="1"/>
+              </a:ext>
+            </a:extLst>
+          </p:cNvPr>
+          <p:cNvGrpSpPr>
+            <a:grpSpLocks/>
+          </p:cNvGrpSpPr>
+          <p:nvPr/>
+        </p:nvGrpSpPr>
+        <p:grpSpPr bwMode="auto">
+          <a:xfrm rot="16200000" flipV="1">
+            <a:off x="0" y="3900132"/>
+            <a:ext cx="2959226" cy="2959226"/>
+            <a:chOff x="0" y="12289"/>
+            <a:chExt cx="3550" cy="3551"/>
+          </a:xfrm>
+        </p:grpSpPr>
+        <p:sp>
+          <p:nvSpPr>
+            <p:cNvPr id="20" name="Freeform 19">
+              <a:extLst>
+                <a:ext uri="{FF2B5EF4-FFF2-40B4-BE49-F238E27FC236}">
+                  <a16:creationId xmlns:a16="http://schemas.microsoft.com/office/drawing/2014/main" id="{811C6DFA-251C-D91B-A082-6EC62C6FB14D}"/>
+                </a:ext>
+              </a:extLst>
+            </p:cNvPr>
+            <p:cNvSpPr>
+              <a:spLocks/>
+            </p:cNvSpPr>
+            <p:nvPr/>
+          </p:nvSpPr>
+          <p:spPr bwMode="auto">
+            <a:xfrm>
+              <a:off x="0" y="12289"/>
+              <a:ext cx="1789" cy="2386"/>
+            </a:xfrm>
+            <a:custGeom>
+              <a:avLst/>
+              <a:gdLst>
+                <a:gd name="T0" fmla="*/ 0 w 1789"/>
+                <a:gd name="T1" fmla="+- 0 12290 12290"/>
+                <a:gd name="T2" fmla="*/ 12290 h 2386"/>
+                <a:gd name="T3" fmla="*/ 0 w 1789"/>
+                <a:gd name="T4" fmla="+- 0 13484 12290"/>
+                <a:gd name="T5" fmla="*/ 13484 h 2386"/>
+                <a:gd name="T6" fmla="*/ 1192 w 1789"/>
+                <a:gd name="T7" fmla="+- 0 14676 12290"/>
+                <a:gd name="T8" fmla="*/ 14676 h 2386"/>
+                <a:gd name="T9" fmla="*/ 1789 w 1789"/>
+                <a:gd name="T10" fmla="+- 0 14079 12290"/>
+                <a:gd name="T11" fmla="*/ 14079 h 2386"/>
+                <a:gd name="T12" fmla="*/ 0 w 1789"/>
+                <a:gd name="T13" fmla="+- 0 12290 12290"/>
+                <a:gd name="T14" fmla="*/ 12290 h 2386"/>
+              </a:gdLst>
+              <a:ahLst/>
+              <a:cxnLst>
+                <a:cxn ang="0">
+                  <a:pos x="T0" y="T2"/>
+                </a:cxn>
+                <a:cxn ang="0">
+                  <a:pos x="T3" y="T5"/>
+                </a:cxn>
+                <a:cxn ang="0">
+                  <a:pos x="T6" y="T8"/>
+                </a:cxn>
+                <a:cxn ang="0">
+                  <a:pos x="T9" y="T11"/>
+                </a:cxn>
+                <a:cxn ang="0">
+                  <a:pos x="T12" y="T14"/>
+                </a:cxn>
+              </a:cxnLst>
+              <a:rect l="0" t="0" r="r" b="b"/>
+              <a:pathLst>
+                <a:path w="1789" h="2386">
+                  <a:moveTo>
+                    <a:pt x="0" y="0"/>
+                  </a:moveTo>
+                  <a:lnTo>
+                    <a:pt x="0" y="1194"/>
+                  </a:lnTo>
+                  <a:lnTo>
+                    <a:pt x="1192" y="2386"/>
+                  </a:lnTo>
+                  <a:lnTo>
+                    <a:pt x="1789" y="1789"/>
+                  </a:lnTo>
+                  <a:lnTo>
+                    <a:pt x="0" y="0"/>
+                  </a:lnTo>
+                  <a:close/>
+                </a:path>
+              </a:pathLst>
+            </a:custGeom>
+            <a:solidFill>
+              <a:schemeClr val="accent6"/>
+            </a:solidFill>
+            <a:ln>
+              <a:noFill/>
+            </a:ln>
+            <a:extLst>
+              <a:ext uri="{91240B29-F687-4F45-9708-019B960494DF}">
+                <a14:hiddenLine xmlns:a14="http://schemas.microsoft.com/office/drawing/2010/main" w="9525">
+                  <a:solidFill>
+                    <a:srgbClr val="000000"/>
+                  </a:solidFill>
+                  <a:round/>
+                  <a:headEnd/>
+                  <a:tailEnd/>
+                </a14:hiddenLine>
+              </a:ext>
+            </a:extLst>
+          </p:spPr>
+          <p:txBody>
+            <a:bodyPr rot="0" vert="horz" wrap="square" lIns="91440" tIns="45720" rIns="91440" bIns="45720" anchor="t" anchorCtr="0" upright="1">
+              <a:noAutofit/>
+            </a:bodyPr>
+            <a:lstStyle/>
+            <a:p>
+              <a:endParaRPr lang="en-US" dirty="0"/>
+            </a:p>
+          </p:txBody>
+        </p:sp>
+        <p:sp>
+          <p:nvSpPr>
+            <p:cNvPr id="21" name="Freeform 20">
+              <a:extLst>
+                <a:ext uri="{FF2B5EF4-FFF2-40B4-BE49-F238E27FC236}">
+                  <a16:creationId xmlns:a16="http://schemas.microsoft.com/office/drawing/2014/main" id="{4ACDC7C4-9BE4-E892-B756-62CC995FC513}"/>
+                </a:ext>
+              </a:extLst>
+            </p:cNvPr>
+            <p:cNvSpPr>
+              <a:spLocks/>
+            </p:cNvSpPr>
+            <p:nvPr/>
+          </p:nvSpPr>
+          <p:spPr bwMode="auto">
+            <a:xfrm>
+              <a:off x="0" y="14678"/>
+              <a:ext cx="1162" cy="1162"/>
+            </a:xfrm>
+            <a:custGeom>
+              <a:avLst/>
+              <a:gdLst>
+                <a:gd name="T0" fmla="*/ 0 w 1162"/>
+                <a:gd name="T1" fmla="+- 0 14679 14679"/>
+                <a:gd name="T2" fmla="*/ 14679 h 1162"/>
+                <a:gd name="T3" fmla="*/ 0 w 1162"/>
+                <a:gd name="T4" fmla="+- 0 15840 14679"/>
+                <a:gd name="T5" fmla="*/ 15840 h 1162"/>
+                <a:gd name="T6" fmla="*/ 1161 w 1162"/>
+                <a:gd name="T7" fmla="+- 0 15840 14679"/>
+                <a:gd name="T8" fmla="*/ 15840 h 1162"/>
+                <a:gd name="T9" fmla="*/ 0 w 1162"/>
+                <a:gd name="T10" fmla="+- 0 14679 14679"/>
+                <a:gd name="T11" fmla="*/ 14679 h 1162"/>
+              </a:gdLst>
+              <a:ahLst/>
+              <a:cxnLst>
+                <a:cxn ang="0">
+                  <a:pos x="T0" y="T2"/>
+                </a:cxn>
+                <a:cxn ang="0">
+                  <a:pos x="T3" y="T5"/>
+                </a:cxn>
+                <a:cxn ang="0">
+                  <a:pos x="T6" y="T8"/>
+                </a:cxn>
+                <a:cxn ang="0">
+                  <a:pos x="T9" y="T11"/>
+                </a:cxn>
+              </a:cxnLst>
+              <a:rect l="0" t="0" r="r" b="b"/>
+              <a:pathLst>
+                <a:path w="1162" h="1162">
+                  <a:moveTo>
+                    <a:pt x="0" y="0"/>
+                  </a:moveTo>
+                  <a:lnTo>
+                    <a:pt x="0" y="1161"/>
+                  </a:lnTo>
+                  <a:lnTo>
+                    <a:pt x="1161" y="1161"/>
+                  </a:lnTo>
+                  <a:lnTo>
+                    <a:pt x="0" y="0"/>
+                  </a:lnTo>
+                  <a:close/>
+                </a:path>
+              </a:pathLst>
+            </a:custGeom>
+            <a:solidFill>
+              <a:schemeClr val="tx2"/>
+            </a:solidFill>
+            <a:ln>
+              <a:noFill/>
+            </a:ln>
+            <a:extLst>
+              <a:ext uri="{91240B29-F687-4F45-9708-019B960494DF}">
+                <a14:hiddenLine xmlns:a14="http://schemas.microsoft.com/office/drawing/2010/main" w="9525">
+                  <a:solidFill>
+                    <a:srgbClr val="000000"/>
+                  </a:solidFill>
+                  <a:round/>
+                  <a:headEnd/>
+                  <a:tailEnd/>
+                </a14:hiddenLine>
+              </a:ext>
+            </a:extLst>
+          </p:spPr>
+          <p:txBody>
+            <a:bodyPr rot="0" vert="horz" wrap="square" lIns="91440" tIns="45720" rIns="91440" bIns="45720" anchor="t" anchorCtr="0" upright="1">
+              <a:noAutofit/>
+            </a:bodyPr>
+            <a:lstStyle/>
+            <a:p>
+              <a:endParaRPr lang="en-US" dirty="0"/>
+            </a:p>
+          </p:txBody>
+        </p:sp>
+        <p:sp>
+          <p:nvSpPr>
+            <p:cNvPr id="22" name="Freeform 21">
+              <a:extLst>
+                <a:ext uri="{FF2B5EF4-FFF2-40B4-BE49-F238E27FC236}">
+                  <a16:creationId xmlns:a16="http://schemas.microsoft.com/office/drawing/2014/main" id="{D654D9ED-FBD1-DAEB-6E96-846F31DC6CF7}"/>
+                </a:ext>
+              </a:extLst>
+            </p:cNvPr>
+            <p:cNvSpPr>
+              <a:spLocks/>
+            </p:cNvSpPr>
+            <p:nvPr/>
+          </p:nvSpPr>
+          <p:spPr bwMode="auto">
+            <a:xfrm>
+              <a:off x="1221" y="14675"/>
+              <a:ext cx="2329" cy="1165"/>
+            </a:xfrm>
+            <a:custGeom>
+              <a:avLst/>
+              <a:gdLst>
+                <a:gd name="T0" fmla="+- 0 3550 1221"/>
+                <a:gd name="T1" fmla="*/ T0 w 2329"/>
+                <a:gd name="T2" fmla="+- 0 15840 14676"/>
+                <a:gd name="T3" fmla="*/ 15840 h 1165"/>
+                <a:gd name="T4" fmla="+- 0 2386 1221"/>
+                <a:gd name="T5" fmla="*/ T4 w 2329"/>
+                <a:gd name="T6" fmla="+- 0 14676 14676"/>
+                <a:gd name="T7" fmla="*/ 14676 h 1165"/>
+                <a:gd name="T8" fmla="+- 0 1221 1221"/>
+                <a:gd name="T9" fmla="*/ T8 w 2329"/>
+                <a:gd name="T10" fmla="+- 0 15840 14676"/>
+                <a:gd name="T11" fmla="*/ 15840 h 1165"/>
+                <a:gd name="T12" fmla="+- 0 3550 1221"/>
+                <a:gd name="T13" fmla="*/ T12 w 2329"/>
+                <a:gd name="T14" fmla="+- 0 15840 14676"/>
+                <a:gd name="T15" fmla="*/ 15840 h 1165"/>
+              </a:gdLst>
+              <a:ahLst/>
+              <a:cxnLst>
+                <a:cxn ang="0">
+                  <a:pos x="T1" y="T3"/>
+                </a:cxn>
+                <a:cxn ang="0">
+                  <a:pos x="T5" y="T7"/>
+                </a:cxn>
+                <a:cxn ang="0">
+                  <a:pos x="T9" y="T11"/>
+                </a:cxn>
+                <a:cxn ang="0">
+                  <a:pos x="T13" y="T15"/>
+                </a:cxn>
+              </a:cxnLst>
+              <a:rect l="0" t="0" r="r" b="b"/>
+              <a:pathLst>
+                <a:path w="2329" h="1165">
+                  <a:moveTo>
+                    <a:pt x="2329" y="1164"/>
+                  </a:moveTo>
+                  <a:lnTo>
+                    <a:pt x="1165" y="0"/>
+                  </a:lnTo>
+                  <a:lnTo>
+                    <a:pt x="0" y="1164"/>
+                  </a:lnTo>
+                  <a:lnTo>
+                    <a:pt x="2329" y="1164"/>
+                  </a:lnTo>
+                </a:path>
+              </a:pathLst>
+            </a:custGeom>
+            <a:solidFill>
+              <a:schemeClr val="accent3"/>
+            </a:solidFill>
+            <a:ln>
+              <a:noFill/>
+            </a:ln>
+            <a:extLst>
+              <a:ext uri="{91240B29-F687-4F45-9708-019B960494DF}">
+                <a14:hiddenLine xmlns:a14="http://schemas.microsoft.com/office/drawing/2010/main" w="9525">
+                  <a:solidFill>
+                    <a:srgbClr val="000000"/>
+                  </a:solidFill>
+                  <a:round/>
+                  <a:headEnd/>
+                  <a:tailEnd/>
+                </a14:hiddenLine>
+              </a:ext>
+            </a:extLst>
+          </p:spPr>
+          <p:txBody>
+            <a:bodyPr rot="0" vert="horz" wrap="square" lIns="91440" tIns="45720" rIns="91440" bIns="45720" anchor="t" anchorCtr="0" upright="1">
+              <a:noAutofit/>
+            </a:bodyPr>
+            <a:lstStyle/>
+            <a:p>
+              <a:endParaRPr lang="en-US" dirty="0"/>
+            </a:p>
+          </p:txBody>
+        </p:sp>
+      </p:grpSp>
+      <p:pic>
+        <p:nvPicPr>
+          <p:cNvPr id="9" name="Picture 8">
+            <a:extLst>
+              <a:ext uri="{FF2B5EF4-FFF2-40B4-BE49-F238E27FC236}">
+                <a16:creationId xmlns:a16="http://schemas.microsoft.com/office/drawing/2014/main" id="{1EA6FB11-5ED8-7AED-652D-8C674573DCED}"/>
+              </a:ext>
+            </a:extLst>
+          </p:cNvPr>
+          <p:cNvPicPr>
+            <a:picLocks noChangeAspect="1"/>
+          </p:cNvPicPr>
+          <p:nvPr/>
+        </p:nvPicPr>
+        <p:blipFill>
+          <a:blip r:embed="rId3"/>
+          <a:stretch>
+            <a:fillRect/>
+          </a:stretch>
+        </p:blipFill>
+        <p:spPr>
+          <a:xfrm>
+            <a:off x="2717890" y="1553000"/>
+            <a:ext cx="6368054" cy="4992726"/>
+          </a:xfrm>
+          <a:prstGeom prst="rect">
+            <a:avLst/>
+          </a:prstGeom>
+        </p:spPr>
+      </p:pic>
+    </p:spTree>
+    <p:extLst>
+      <p:ext uri="{BB962C8B-B14F-4D97-AF65-F5344CB8AC3E}">
+        <p14:creationId xmlns:p14="http://schemas.microsoft.com/office/powerpoint/2010/main" val="894287268"/>
+      </p:ext>
+    </p:extLst>
+  </p:cSld>
+  <p:clrMapOvr>
+    <a:masterClrMapping/>
+  </p:clrMapOvr>
+</p:sld>
+</file>
+
+<file path=ppt/slides/slide15.xml><?xml version="1.0" encoding="utf-8"?>
+<p:sld xmlns:a="http://schemas.openxmlformats.org/drawingml/2006/main" xmlns:r="http://schemas.openxmlformats.org/officeDocument/2006/relationships" xmlns:p="http://schemas.openxmlformats.org/presentationml/2006/main">
+  <p:cSld>
+    <p:spTree>
+      <p:nvGrpSpPr>
+        <p:cNvPr id="1" name="">
+          <a:extLst>
+            <a:ext uri="{FF2B5EF4-FFF2-40B4-BE49-F238E27FC236}">
+              <a16:creationId xmlns:a16="http://schemas.microsoft.com/office/drawing/2014/main" id="{33D3A0F3-30A3-A1C6-7CBB-064A02736A6B}"/>
+            </a:ext>
+          </a:extLst>
+        </p:cNvPr>
+        <p:cNvGrpSpPr/>
+        <p:nvPr/>
+      </p:nvGrpSpPr>
+      <p:grpSpPr>
+        <a:xfrm>
+          <a:off x="0" y="0"/>
+          <a:ext cx="0" cy="0"/>
+          <a:chOff x="0" y="0"/>
+          <a:chExt cx="0" cy="0"/>
+        </a:xfrm>
+      </p:grpSpPr>
+      <p:sp>
+        <p:nvSpPr>
+          <p:cNvPr id="3" name="Title 2">
+            <a:extLst>
+              <a:ext uri="{FF2B5EF4-FFF2-40B4-BE49-F238E27FC236}">
+                <a16:creationId xmlns:a16="http://schemas.microsoft.com/office/drawing/2014/main" id="{2FB0BE14-E2A9-926B-408E-AA54A330DFFB}"/>
+              </a:ext>
+            </a:extLst>
+          </p:cNvPr>
+          <p:cNvSpPr>
+            <a:spLocks noGrp="1"/>
+          </p:cNvSpPr>
+          <p:nvPr>
+            <p:ph type="title"/>
+          </p:nvPr>
+        </p:nvSpPr>
+        <p:spPr>
+          <a:xfrm>
+            <a:off x="594360" y="102875"/>
+            <a:ext cx="10873740" cy="1680205"/>
+          </a:xfrm>
+        </p:spPr>
+        <p:txBody>
+          <a:bodyPr/>
+          <a:lstStyle/>
+          <a:p>
+            <a:r>
+              <a:rPr lang="en-US" dirty="0"/>
+              <a:t>SYNTAX EXAMPLE</a:t>
+            </a:r>
+          </a:p>
+        </p:txBody>
+      </p:sp>
+      <p:grpSp>
+        <p:nvGrpSpPr>
+          <p:cNvPr id="19" name="Group 18">
+            <a:extLst>
+              <a:ext uri="{FF2B5EF4-FFF2-40B4-BE49-F238E27FC236}">
+                <a16:creationId xmlns:a16="http://schemas.microsoft.com/office/drawing/2014/main" id="{E9AFCD6E-8A26-3D75-B674-4499749899C3}"/>
+              </a:ext>
+              <a:ext uri="{C183D7F6-B498-43B3-948B-1728B52AA6E4}">
+                <adec:decorative xmlns:adec="http://schemas.microsoft.com/office/drawing/2017/decorative" val="1"/>
+              </a:ext>
+            </a:extLst>
+          </p:cNvPr>
+          <p:cNvGrpSpPr>
+            <a:grpSpLocks/>
+          </p:cNvGrpSpPr>
+          <p:nvPr/>
+        </p:nvGrpSpPr>
+        <p:grpSpPr bwMode="auto">
+          <a:xfrm rot="16200000" flipV="1">
+            <a:off x="-1" y="3900133"/>
+            <a:ext cx="2959226" cy="2959226"/>
+            <a:chOff x="0" y="12289"/>
+            <a:chExt cx="3550" cy="3551"/>
+          </a:xfrm>
+        </p:grpSpPr>
+        <p:sp>
+          <p:nvSpPr>
+            <p:cNvPr id="20" name="Freeform 19">
+              <a:extLst>
+                <a:ext uri="{FF2B5EF4-FFF2-40B4-BE49-F238E27FC236}">
+                  <a16:creationId xmlns:a16="http://schemas.microsoft.com/office/drawing/2014/main" id="{60BA4809-581D-D3EC-0C08-41F3055ACCF4}"/>
+                </a:ext>
+              </a:extLst>
+            </p:cNvPr>
+            <p:cNvSpPr>
+              <a:spLocks/>
+            </p:cNvSpPr>
+            <p:nvPr/>
+          </p:nvSpPr>
+          <p:spPr bwMode="auto">
+            <a:xfrm>
+              <a:off x="0" y="12289"/>
+              <a:ext cx="1789" cy="2386"/>
+            </a:xfrm>
+            <a:custGeom>
+              <a:avLst/>
+              <a:gdLst>
+                <a:gd name="T0" fmla="*/ 0 w 1789"/>
+                <a:gd name="T1" fmla="+- 0 12290 12290"/>
+                <a:gd name="T2" fmla="*/ 12290 h 2386"/>
+                <a:gd name="T3" fmla="*/ 0 w 1789"/>
+                <a:gd name="T4" fmla="+- 0 13484 12290"/>
+                <a:gd name="T5" fmla="*/ 13484 h 2386"/>
+                <a:gd name="T6" fmla="*/ 1192 w 1789"/>
+                <a:gd name="T7" fmla="+- 0 14676 12290"/>
+                <a:gd name="T8" fmla="*/ 14676 h 2386"/>
+                <a:gd name="T9" fmla="*/ 1789 w 1789"/>
+                <a:gd name="T10" fmla="+- 0 14079 12290"/>
+                <a:gd name="T11" fmla="*/ 14079 h 2386"/>
+                <a:gd name="T12" fmla="*/ 0 w 1789"/>
+                <a:gd name="T13" fmla="+- 0 12290 12290"/>
+                <a:gd name="T14" fmla="*/ 12290 h 2386"/>
+              </a:gdLst>
+              <a:ahLst/>
+              <a:cxnLst>
+                <a:cxn ang="0">
+                  <a:pos x="T0" y="T2"/>
+                </a:cxn>
+                <a:cxn ang="0">
+                  <a:pos x="T3" y="T5"/>
+                </a:cxn>
+                <a:cxn ang="0">
+                  <a:pos x="T6" y="T8"/>
+                </a:cxn>
+                <a:cxn ang="0">
+                  <a:pos x="T9" y="T11"/>
+                </a:cxn>
+                <a:cxn ang="0">
+                  <a:pos x="T12" y="T14"/>
+                </a:cxn>
+              </a:cxnLst>
+              <a:rect l="0" t="0" r="r" b="b"/>
+              <a:pathLst>
+                <a:path w="1789" h="2386">
+                  <a:moveTo>
+                    <a:pt x="0" y="0"/>
+                  </a:moveTo>
+                  <a:lnTo>
+                    <a:pt x="0" y="1194"/>
+                  </a:lnTo>
+                  <a:lnTo>
+                    <a:pt x="1192" y="2386"/>
+                  </a:lnTo>
+                  <a:lnTo>
+                    <a:pt x="1789" y="1789"/>
+                  </a:lnTo>
+                  <a:lnTo>
+                    <a:pt x="0" y="0"/>
+                  </a:lnTo>
+                  <a:close/>
+                </a:path>
+              </a:pathLst>
+            </a:custGeom>
+            <a:solidFill>
+              <a:schemeClr val="accent6"/>
+            </a:solidFill>
+            <a:ln>
+              <a:noFill/>
+            </a:ln>
+            <a:extLst>
+              <a:ext uri="{91240B29-F687-4F45-9708-019B960494DF}">
+                <a14:hiddenLine xmlns:a14="http://schemas.microsoft.com/office/drawing/2010/main" w="9525">
+                  <a:solidFill>
+                    <a:srgbClr val="000000"/>
+                  </a:solidFill>
+                  <a:round/>
+                  <a:headEnd/>
+                  <a:tailEnd/>
+                </a14:hiddenLine>
+              </a:ext>
+            </a:extLst>
+          </p:spPr>
+          <p:txBody>
+            <a:bodyPr rot="0" vert="horz" wrap="square" lIns="91440" tIns="45720" rIns="91440" bIns="45720" anchor="t" anchorCtr="0" upright="1">
+              <a:noAutofit/>
+            </a:bodyPr>
+            <a:lstStyle/>
+            <a:p>
+              <a:endParaRPr lang="en-US" dirty="0"/>
+            </a:p>
+          </p:txBody>
+        </p:sp>
+        <p:sp>
+          <p:nvSpPr>
+            <p:cNvPr id="21" name="Freeform 20">
+              <a:extLst>
+                <a:ext uri="{FF2B5EF4-FFF2-40B4-BE49-F238E27FC236}">
+                  <a16:creationId xmlns:a16="http://schemas.microsoft.com/office/drawing/2014/main" id="{A3873046-2CE3-119C-BE9D-A72A89B93E67}"/>
+                </a:ext>
+              </a:extLst>
+            </p:cNvPr>
+            <p:cNvSpPr>
+              <a:spLocks/>
+            </p:cNvSpPr>
+            <p:nvPr/>
+          </p:nvSpPr>
+          <p:spPr bwMode="auto">
+            <a:xfrm>
+              <a:off x="0" y="14678"/>
+              <a:ext cx="1162" cy="1162"/>
+            </a:xfrm>
+            <a:custGeom>
+              <a:avLst/>
+              <a:gdLst>
+                <a:gd name="T0" fmla="*/ 0 w 1162"/>
+                <a:gd name="T1" fmla="+- 0 14679 14679"/>
+                <a:gd name="T2" fmla="*/ 14679 h 1162"/>
+                <a:gd name="T3" fmla="*/ 0 w 1162"/>
+                <a:gd name="T4" fmla="+- 0 15840 14679"/>
+                <a:gd name="T5" fmla="*/ 15840 h 1162"/>
+                <a:gd name="T6" fmla="*/ 1161 w 1162"/>
+                <a:gd name="T7" fmla="+- 0 15840 14679"/>
+                <a:gd name="T8" fmla="*/ 15840 h 1162"/>
+                <a:gd name="T9" fmla="*/ 0 w 1162"/>
+                <a:gd name="T10" fmla="+- 0 14679 14679"/>
+                <a:gd name="T11" fmla="*/ 14679 h 1162"/>
+              </a:gdLst>
+              <a:ahLst/>
+              <a:cxnLst>
+                <a:cxn ang="0">
+                  <a:pos x="T0" y="T2"/>
+                </a:cxn>
+                <a:cxn ang="0">
+                  <a:pos x="T3" y="T5"/>
+                </a:cxn>
+                <a:cxn ang="0">
+                  <a:pos x="T6" y="T8"/>
+                </a:cxn>
+                <a:cxn ang="0">
+                  <a:pos x="T9" y="T11"/>
+                </a:cxn>
+              </a:cxnLst>
+              <a:rect l="0" t="0" r="r" b="b"/>
+              <a:pathLst>
+                <a:path w="1162" h="1162">
+                  <a:moveTo>
+                    <a:pt x="0" y="0"/>
+                  </a:moveTo>
+                  <a:lnTo>
+                    <a:pt x="0" y="1161"/>
+                  </a:lnTo>
+                  <a:lnTo>
+                    <a:pt x="1161" y="1161"/>
+                  </a:lnTo>
+                  <a:lnTo>
+                    <a:pt x="0" y="0"/>
+                  </a:lnTo>
+                  <a:close/>
+                </a:path>
+              </a:pathLst>
+            </a:custGeom>
+            <a:solidFill>
+              <a:schemeClr val="tx2"/>
+            </a:solidFill>
+            <a:ln>
+              <a:noFill/>
+            </a:ln>
+            <a:extLst>
+              <a:ext uri="{91240B29-F687-4F45-9708-019B960494DF}">
+                <a14:hiddenLine xmlns:a14="http://schemas.microsoft.com/office/drawing/2010/main" w="9525">
+                  <a:solidFill>
+                    <a:srgbClr val="000000"/>
+                  </a:solidFill>
+                  <a:round/>
+                  <a:headEnd/>
+                  <a:tailEnd/>
+                </a14:hiddenLine>
+              </a:ext>
+            </a:extLst>
+          </p:spPr>
+          <p:txBody>
+            <a:bodyPr rot="0" vert="horz" wrap="square" lIns="91440" tIns="45720" rIns="91440" bIns="45720" anchor="t" anchorCtr="0" upright="1">
+              <a:noAutofit/>
+            </a:bodyPr>
+            <a:lstStyle/>
+            <a:p>
+              <a:endParaRPr lang="en-US" dirty="0"/>
+            </a:p>
+          </p:txBody>
+        </p:sp>
+        <p:sp>
+          <p:nvSpPr>
+            <p:cNvPr id="22" name="Freeform 21">
+              <a:extLst>
+                <a:ext uri="{FF2B5EF4-FFF2-40B4-BE49-F238E27FC236}">
+                  <a16:creationId xmlns:a16="http://schemas.microsoft.com/office/drawing/2014/main" id="{98BFFBE2-EB53-9E1F-2BFF-675943D46FB1}"/>
+                </a:ext>
+              </a:extLst>
+            </p:cNvPr>
+            <p:cNvSpPr>
+              <a:spLocks/>
+            </p:cNvSpPr>
+            <p:nvPr/>
+          </p:nvSpPr>
+          <p:spPr bwMode="auto">
+            <a:xfrm>
+              <a:off x="1221" y="14675"/>
+              <a:ext cx="2329" cy="1165"/>
+            </a:xfrm>
+            <a:custGeom>
+              <a:avLst/>
+              <a:gdLst>
+                <a:gd name="T0" fmla="+- 0 3550 1221"/>
+                <a:gd name="T1" fmla="*/ T0 w 2329"/>
+                <a:gd name="T2" fmla="+- 0 15840 14676"/>
+                <a:gd name="T3" fmla="*/ 15840 h 1165"/>
+                <a:gd name="T4" fmla="+- 0 2386 1221"/>
+                <a:gd name="T5" fmla="*/ T4 w 2329"/>
+                <a:gd name="T6" fmla="+- 0 14676 14676"/>
+                <a:gd name="T7" fmla="*/ 14676 h 1165"/>
+                <a:gd name="T8" fmla="+- 0 1221 1221"/>
+                <a:gd name="T9" fmla="*/ T8 w 2329"/>
+                <a:gd name="T10" fmla="+- 0 15840 14676"/>
+                <a:gd name="T11" fmla="*/ 15840 h 1165"/>
+                <a:gd name="T12" fmla="+- 0 3550 1221"/>
+                <a:gd name="T13" fmla="*/ T12 w 2329"/>
+                <a:gd name="T14" fmla="+- 0 15840 14676"/>
+                <a:gd name="T15" fmla="*/ 15840 h 1165"/>
+              </a:gdLst>
+              <a:ahLst/>
+              <a:cxnLst>
+                <a:cxn ang="0">
+                  <a:pos x="T1" y="T3"/>
+                </a:cxn>
+                <a:cxn ang="0">
+                  <a:pos x="T5" y="T7"/>
+                </a:cxn>
+                <a:cxn ang="0">
+                  <a:pos x="T9" y="T11"/>
+                </a:cxn>
+                <a:cxn ang="0">
+                  <a:pos x="T13" y="T15"/>
+                </a:cxn>
+              </a:cxnLst>
+              <a:rect l="0" t="0" r="r" b="b"/>
+              <a:pathLst>
+                <a:path w="2329" h="1165">
+                  <a:moveTo>
+                    <a:pt x="2329" y="1164"/>
+                  </a:moveTo>
+                  <a:lnTo>
+                    <a:pt x="1165" y="0"/>
+                  </a:lnTo>
+                  <a:lnTo>
+                    <a:pt x="0" y="1164"/>
+                  </a:lnTo>
+                  <a:lnTo>
+                    <a:pt x="2329" y="1164"/>
+                  </a:lnTo>
+                </a:path>
+              </a:pathLst>
+            </a:custGeom>
+            <a:solidFill>
+              <a:schemeClr val="accent3"/>
+            </a:solidFill>
+            <a:ln>
+              <a:noFill/>
+            </a:ln>
+            <a:extLst>
+              <a:ext uri="{91240B29-F687-4F45-9708-019B960494DF}">
+                <a14:hiddenLine xmlns:a14="http://schemas.microsoft.com/office/drawing/2010/main" w="9525">
+                  <a:solidFill>
+                    <a:srgbClr val="000000"/>
+                  </a:solidFill>
+                  <a:round/>
+                  <a:headEnd/>
+                  <a:tailEnd/>
+                </a14:hiddenLine>
+              </a:ext>
+            </a:extLst>
+          </p:spPr>
+          <p:txBody>
+            <a:bodyPr rot="0" vert="horz" wrap="square" lIns="91440" tIns="45720" rIns="91440" bIns="45720" anchor="t" anchorCtr="0" upright="1">
+              <a:noAutofit/>
+            </a:bodyPr>
+            <a:lstStyle/>
+            <a:p>
+              <a:endParaRPr lang="en-US" dirty="0"/>
+            </a:p>
+          </p:txBody>
+        </p:sp>
+      </p:grpSp>
+      <p:pic>
+        <p:nvPicPr>
+          <p:cNvPr id="4" name="Picture 3">
+            <a:extLst>
+              <a:ext uri="{FF2B5EF4-FFF2-40B4-BE49-F238E27FC236}">
+                <a16:creationId xmlns:a16="http://schemas.microsoft.com/office/drawing/2014/main" id="{7E6B77D5-B75E-F3B3-31D2-12852986230F}"/>
+              </a:ext>
+            </a:extLst>
+          </p:cNvPr>
+          <p:cNvPicPr>
+            <a:picLocks noChangeAspect="1"/>
+          </p:cNvPicPr>
+          <p:nvPr/>
+        </p:nvPicPr>
+        <p:blipFill>
+          <a:blip r:embed="rId3"/>
+          <a:stretch>
+            <a:fillRect/>
+          </a:stretch>
+        </p:blipFill>
+        <p:spPr>
+          <a:xfrm>
+            <a:off x="3973313" y="1783080"/>
+            <a:ext cx="5454468" cy="4797512"/>
+          </a:xfrm>
+          <a:prstGeom prst="rect">
+            <a:avLst/>
+          </a:prstGeom>
+        </p:spPr>
+      </p:pic>
+    </p:spTree>
+    <p:extLst>
+      <p:ext uri="{BB962C8B-B14F-4D97-AF65-F5344CB8AC3E}">
+        <p14:creationId xmlns:p14="http://schemas.microsoft.com/office/powerpoint/2010/main" val="2183469485"/>
+      </p:ext>
+    </p:extLst>
+  </p:cSld>
+  <p:clrMapOvr>
+    <a:masterClrMapping/>
+  </p:clrMapOvr>
+</p:sld>
+</file>
+
+<file path=ppt/slides/slide16.xml><?xml version="1.0" encoding="utf-8"?>
+<p:sld xmlns:a="http://schemas.openxmlformats.org/drawingml/2006/main" xmlns:r="http://schemas.openxmlformats.org/officeDocument/2006/relationships" xmlns:p="http://schemas.openxmlformats.org/presentationml/2006/main">
+  <p:cSld>
+    <p:spTree>
+      <p:nvGrpSpPr>
+        <p:cNvPr id="1" name="">
+          <a:extLst>
+            <a:ext uri="{FF2B5EF4-FFF2-40B4-BE49-F238E27FC236}">
               <a16:creationId xmlns:a16="http://schemas.microsoft.com/office/drawing/2014/main" id="{D6008177-6048-92A7-A7D5-D28CB90FF574}"/>
             </a:ext>
           </a:extLst>
@@ -10911,7 +14488,7 @@
 </p:sld>
 </file>
 
-<file path=ppt/slides/slide11.xml><?xml version="1.0" encoding="utf-8"?>
+<file path=ppt/slides/slide17.xml><?xml version="1.0" encoding="utf-8"?>
 <p:sld xmlns:a="http://schemas.openxmlformats.org/drawingml/2006/main" xmlns:r="http://schemas.openxmlformats.org/officeDocument/2006/relationships" xmlns:p="http://schemas.openxmlformats.org/presentationml/2006/main">
   <p:cSld>
     <p:spTree>
@@ -11360,7 +14937,7 @@
 </p:sld>
 </file>
 
-<file path=ppt/slides/slide12.xml><?xml version="1.0" encoding="utf-8"?>
+<file path=ppt/slides/slide18.xml><?xml version="1.0" encoding="utf-8"?>
 <p:sld xmlns:a="http://schemas.openxmlformats.org/drawingml/2006/main" xmlns:r="http://schemas.openxmlformats.org/officeDocument/2006/relationships" xmlns:p="http://schemas.openxmlformats.org/presentationml/2006/main">
   <p:cSld>
     <p:spTree>
@@ -11821,7 +15398,7 @@
 </p:sld>
 </file>
 
-<file path=ppt/slides/slide13.xml><?xml version="1.0" encoding="utf-8"?>
+<file path=ppt/slides/slide19.xml><?xml version="1.0" encoding="utf-8"?>
 <p:sld xmlns:a="http://schemas.openxmlformats.org/drawingml/2006/main" xmlns:r="http://schemas.openxmlformats.org/officeDocument/2006/relationships" xmlns:p="http://schemas.openxmlformats.org/presentationml/2006/main">
   <p:cSld>
     <p:spTree>
@@ -12164,69 +15741,6 @@
 </p:sld>
 </file>
 
-<file path=ppt/slides/slide14.xml><?xml version="1.0" encoding="utf-8"?>
-<p:sld xmlns:a="http://schemas.openxmlformats.org/drawingml/2006/main" xmlns:r="http://schemas.openxmlformats.org/officeDocument/2006/relationships" xmlns:p="http://schemas.openxmlformats.org/presentationml/2006/main">
-  <p:cSld>
-    <p:spTree>
-      <p:nvGrpSpPr>
-        <p:cNvPr id="1" name=""/>
-        <p:cNvGrpSpPr/>
-        <p:nvPr/>
-      </p:nvGrpSpPr>
-      <p:grpSpPr>
-        <a:xfrm>
-          <a:off x="0" y="0"/>
-          <a:ext cx="0" cy="0"/>
-          <a:chOff x="0" y="0"/>
-          <a:chExt cx="0" cy="0"/>
-        </a:xfrm>
-      </p:grpSpPr>
-      <p:sp>
-        <p:nvSpPr>
-          <p:cNvPr id="2" name="Title 1">
-            <a:extLst>
-              <a:ext uri="{FF2B5EF4-FFF2-40B4-BE49-F238E27FC236}">
-                <a16:creationId xmlns:a16="http://schemas.microsoft.com/office/drawing/2014/main" id="{F810C1B7-6E4E-3DEE-50C0-1CA3B14303EE}"/>
-              </a:ext>
-            </a:extLst>
-          </p:cNvPr>
-          <p:cNvSpPr>
-            <a:spLocks noGrp="1"/>
-          </p:cNvSpPr>
-          <p:nvPr>
-            <p:ph type="ctrTitle"/>
-          </p:nvPr>
-        </p:nvSpPr>
-        <p:spPr>
-          <a:xfrm>
-            <a:off x="594360" y="411479"/>
-            <a:ext cx="5486400" cy="3291840"/>
-          </a:xfrm>
-        </p:spPr>
-        <p:txBody>
-          <a:bodyPr/>
-          <a:lstStyle/>
-          <a:p>
-            <a:r>
-              <a:rPr lang="en-US" dirty="0"/>
-              <a:t>Thank you</a:t>
-            </a:r>
-          </a:p>
-        </p:txBody>
-      </p:sp>
-    </p:spTree>
-    <p:extLst>
-      <p:ext uri="{BB962C8B-B14F-4D97-AF65-F5344CB8AC3E}">
-        <p14:creationId xmlns:p14="http://schemas.microsoft.com/office/powerpoint/2010/main" val="4261132419"/>
-      </p:ext>
-    </p:extLst>
-  </p:cSld>
-  <p:clrMapOvr>
-    <a:masterClrMapping/>
-  </p:clrMapOvr>
-</p:sld>
-</file>
-
 <file path=ppt/slides/slide2.xml><?xml version="1.0" encoding="utf-8"?>
 <p:sld xmlns:a="http://schemas.openxmlformats.org/drawingml/2006/main" xmlns:r="http://schemas.openxmlformats.org/officeDocument/2006/relationships" xmlns:p="http://schemas.openxmlformats.org/presentationml/2006/main">
   <p:cSld>
@@ -12312,7 +15826,11 @@
               <a:buNone/>
             </a:pPr>
             <a:r>
-              <a:rPr lang="en-US" sz="2000" dirty="0"/>
+              <a:rPr lang="en-US" sz="2000" dirty="0">
+                <a:solidFill>
+                  <a:schemeClr val="bg1"/>
+                </a:solidFill>
+              </a:rPr>
               <a:t>1. By the end of this lesson, you should be able to:</a:t>
             </a:r>
           </a:p>
@@ -12324,7 +15842,11 @@
               <a:buNone/>
             </a:pPr>
             <a:r>
-              <a:rPr lang="en-US" sz="2000" dirty="0"/>
+              <a:rPr lang="en-US" sz="2000" dirty="0">
+                <a:solidFill>
+                  <a:schemeClr val="bg1"/>
+                </a:solidFill>
+              </a:rPr>
               <a:t>2. Understand the concept and purpose of inheritance in OOP.</a:t>
             </a:r>
           </a:p>
@@ -12336,7 +15858,11 @@
               <a:buNone/>
             </a:pPr>
             <a:r>
-              <a:rPr lang="en-US" sz="2000" dirty="0"/>
+              <a:rPr lang="en-US" sz="2000" dirty="0">
+                <a:solidFill>
+                  <a:schemeClr val="bg1"/>
+                </a:solidFill>
+              </a:rPr>
               <a:t>3. Understand the relationship between base and derived classes.</a:t>
             </a:r>
           </a:p>
@@ -12348,7 +15874,11 @@
               <a:buNone/>
             </a:pPr>
             <a:r>
-              <a:rPr lang="en-US" sz="2000" dirty="0"/>
+              <a:rPr lang="en-US" sz="2000" dirty="0">
+                <a:solidFill>
+                  <a:schemeClr val="bg1"/>
+                </a:solidFill>
+              </a:rPr>
               <a:t>4. Demonstrate method overriding to customize inherited behavior.</a:t>
             </a:r>
           </a:p>
@@ -12360,7 +15890,11 @@
               <a:buNone/>
             </a:pPr>
             <a:r>
-              <a:rPr lang="en-US" sz="2000" dirty="0"/>
+              <a:rPr lang="en-US" sz="2000" dirty="0">
+                <a:solidFill>
+                  <a:schemeClr val="bg1"/>
+                </a:solidFill>
+              </a:rPr>
               <a:t>5. Use the parent:: keyword to enhance inherited methods in derived classes.</a:t>
             </a:r>
           </a:p>
@@ -12372,7 +15906,11 @@
               <a:buNone/>
             </a:pPr>
             <a:r>
-              <a:rPr lang="en-US" sz="2000" dirty="0"/>
+              <a:rPr lang="en-US" sz="2000" dirty="0">
+                <a:solidFill>
+                  <a:schemeClr val="bg1"/>
+                </a:solidFill>
+              </a:rPr>
               <a:t>6. Explain and implement polymorphism using a common base class.</a:t>
             </a:r>
           </a:p>
@@ -12382,6 +15920,69 @@
     <p:extLst>
       <p:ext uri="{BB962C8B-B14F-4D97-AF65-F5344CB8AC3E}">
         <p14:creationId xmlns:p14="http://schemas.microsoft.com/office/powerpoint/2010/main" val="3346685798"/>
+      </p:ext>
+    </p:extLst>
+  </p:cSld>
+  <p:clrMapOvr>
+    <a:masterClrMapping/>
+  </p:clrMapOvr>
+</p:sld>
+</file>
+
+<file path=ppt/slides/slide20.xml><?xml version="1.0" encoding="utf-8"?>
+<p:sld xmlns:a="http://schemas.openxmlformats.org/drawingml/2006/main" xmlns:r="http://schemas.openxmlformats.org/officeDocument/2006/relationships" xmlns:p="http://schemas.openxmlformats.org/presentationml/2006/main">
+  <p:cSld>
+    <p:spTree>
+      <p:nvGrpSpPr>
+        <p:cNvPr id="1" name=""/>
+        <p:cNvGrpSpPr/>
+        <p:nvPr/>
+      </p:nvGrpSpPr>
+      <p:grpSpPr>
+        <a:xfrm>
+          <a:off x="0" y="0"/>
+          <a:ext cx="0" cy="0"/>
+          <a:chOff x="0" y="0"/>
+          <a:chExt cx="0" cy="0"/>
+        </a:xfrm>
+      </p:grpSpPr>
+      <p:sp>
+        <p:nvSpPr>
+          <p:cNvPr id="2" name="Title 1">
+            <a:extLst>
+              <a:ext uri="{FF2B5EF4-FFF2-40B4-BE49-F238E27FC236}">
+                <a16:creationId xmlns:a16="http://schemas.microsoft.com/office/drawing/2014/main" id="{F810C1B7-6E4E-3DEE-50C0-1CA3B14303EE}"/>
+              </a:ext>
+            </a:extLst>
+          </p:cNvPr>
+          <p:cNvSpPr>
+            <a:spLocks noGrp="1"/>
+          </p:cNvSpPr>
+          <p:nvPr>
+            <p:ph type="ctrTitle"/>
+          </p:nvPr>
+        </p:nvSpPr>
+        <p:spPr>
+          <a:xfrm>
+            <a:off x="594360" y="411479"/>
+            <a:ext cx="5486400" cy="3291840"/>
+          </a:xfrm>
+        </p:spPr>
+        <p:txBody>
+          <a:bodyPr/>
+          <a:lstStyle/>
+          <a:p>
+            <a:r>
+              <a:rPr lang="en-US" dirty="0"/>
+              <a:t>Thank you</a:t>
+            </a:r>
+          </a:p>
+        </p:txBody>
+      </p:sp>
+    </p:spTree>
+    <p:extLst>
+      <p:ext uri="{BB962C8B-B14F-4D97-AF65-F5344CB8AC3E}">
+        <p14:creationId xmlns:p14="http://schemas.microsoft.com/office/powerpoint/2010/main" val="4261132419"/>
       </p:ext>
     </p:extLst>
   </p:cSld>
@@ -12840,6 +16441,1313 @@
 </file>
 
 <file path=ppt/slides/slide4.xml><?xml version="1.0" encoding="utf-8"?>
+<p:sld xmlns:a="http://schemas.openxmlformats.org/drawingml/2006/main" xmlns:r="http://schemas.openxmlformats.org/officeDocument/2006/relationships" xmlns:p="http://schemas.openxmlformats.org/presentationml/2006/main">
+  <p:cSld>
+    <p:spTree>
+      <p:nvGrpSpPr>
+        <p:cNvPr id="1" name="">
+          <a:extLst>
+            <a:ext uri="{FF2B5EF4-FFF2-40B4-BE49-F238E27FC236}">
+              <a16:creationId xmlns:a16="http://schemas.microsoft.com/office/drawing/2014/main" id="{B667B67B-1A4A-7968-EF11-EA2126D4CE12}"/>
+            </a:ext>
+          </a:extLst>
+        </p:cNvPr>
+        <p:cNvGrpSpPr/>
+        <p:nvPr/>
+      </p:nvGrpSpPr>
+      <p:grpSpPr>
+        <a:xfrm>
+          <a:off x="0" y="0"/>
+          <a:ext cx="0" cy="0"/>
+          <a:chOff x="0" y="0"/>
+          <a:chExt cx="0" cy="0"/>
+        </a:xfrm>
+      </p:grpSpPr>
+      <p:sp>
+        <p:nvSpPr>
+          <p:cNvPr id="3" name="Title 2">
+            <a:extLst>
+              <a:ext uri="{FF2B5EF4-FFF2-40B4-BE49-F238E27FC236}">
+                <a16:creationId xmlns:a16="http://schemas.microsoft.com/office/drawing/2014/main" id="{F7BD85F3-C42F-DA68-FDB2-8E01E9045957}"/>
+              </a:ext>
+            </a:extLst>
+          </p:cNvPr>
+          <p:cNvSpPr>
+            <a:spLocks noGrp="1"/>
+          </p:cNvSpPr>
+          <p:nvPr>
+            <p:ph type="title"/>
+          </p:nvPr>
+        </p:nvSpPr>
+        <p:spPr>
+          <a:xfrm>
+            <a:off x="594360" y="102875"/>
+            <a:ext cx="10873740" cy="1680205"/>
+          </a:xfrm>
+        </p:spPr>
+        <p:txBody>
+          <a:bodyPr/>
+          <a:lstStyle/>
+          <a:p>
+            <a:r>
+              <a:rPr lang="en-US" dirty="0"/>
+              <a:t>SYNTAX EXAMPLE</a:t>
+            </a:r>
+          </a:p>
+        </p:txBody>
+      </p:sp>
+      <p:grpSp>
+        <p:nvGrpSpPr>
+          <p:cNvPr id="19" name="Group 18">
+            <a:extLst>
+              <a:ext uri="{FF2B5EF4-FFF2-40B4-BE49-F238E27FC236}">
+                <a16:creationId xmlns:a16="http://schemas.microsoft.com/office/drawing/2014/main" id="{EF9A0CA4-42A0-B142-D4D7-2671020ADB1E}"/>
+              </a:ext>
+              <a:ext uri="{C183D7F6-B498-43B3-948B-1728B52AA6E4}">
+                <adec:decorative xmlns:adec="http://schemas.microsoft.com/office/drawing/2017/decorative" val="1"/>
+              </a:ext>
+            </a:extLst>
+          </p:cNvPr>
+          <p:cNvGrpSpPr>
+            <a:grpSpLocks/>
+          </p:cNvGrpSpPr>
+          <p:nvPr/>
+        </p:nvGrpSpPr>
+        <p:grpSpPr bwMode="auto">
+          <a:xfrm rot="16200000" flipV="1">
+            <a:off x="-1" y="3900133"/>
+            <a:ext cx="2959226" cy="2959226"/>
+            <a:chOff x="0" y="12289"/>
+            <a:chExt cx="3550" cy="3551"/>
+          </a:xfrm>
+        </p:grpSpPr>
+        <p:sp>
+          <p:nvSpPr>
+            <p:cNvPr id="20" name="Freeform 19">
+              <a:extLst>
+                <a:ext uri="{FF2B5EF4-FFF2-40B4-BE49-F238E27FC236}">
+                  <a16:creationId xmlns:a16="http://schemas.microsoft.com/office/drawing/2014/main" id="{E1191505-67E6-2CF8-C0B4-B557C66A0A46}"/>
+                </a:ext>
+              </a:extLst>
+            </p:cNvPr>
+            <p:cNvSpPr>
+              <a:spLocks/>
+            </p:cNvSpPr>
+            <p:nvPr/>
+          </p:nvSpPr>
+          <p:spPr bwMode="auto">
+            <a:xfrm>
+              <a:off x="0" y="12289"/>
+              <a:ext cx="1789" cy="2386"/>
+            </a:xfrm>
+            <a:custGeom>
+              <a:avLst/>
+              <a:gdLst>
+                <a:gd name="T0" fmla="*/ 0 w 1789"/>
+                <a:gd name="T1" fmla="+- 0 12290 12290"/>
+                <a:gd name="T2" fmla="*/ 12290 h 2386"/>
+                <a:gd name="T3" fmla="*/ 0 w 1789"/>
+                <a:gd name="T4" fmla="+- 0 13484 12290"/>
+                <a:gd name="T5" fmla="*/ 13484 h 2386"/>
+                <a:gd name="T6" fmla="*/ 1192 w 1789"/>
+                <a:gd name="T7" fmla="+- 0 14676 12290"/>
+                <a:gd name="T8" fmla="*/ 14676 h 2386"/>
+                <a:gd name="T9" fmla="*/ 1789 w 1789"/>
+                <a:gd name="T10" fmla="+- 0 14079 12290"/>
+                <a:gd name="T11" fmla="*/ 14079 h 2386"/>
+                <a:gd name="T12" fmla="*/ 0 w 1789"/>
+                <a:gd name="T13" fmla="+- 0 12290 12290"/>
+                <a:gd name="T14" fmla="*/ 12290 h 2386"/>
+              </a:gdLst>
+              <a:ahLst/>
+              <a:cxnLst>
+                <a:cxn ang="0">
+                  <a:pos x="T0" y="T2"/>
+                </a:cxn>
+                <a:cxn ang="0">
+                  <a:pos x="T3" y="T5"/>
+                </a:cxn>
+                <a:cxn ang="0">
+                  <a:pos x="T6" y="T8"/>
+                </a:cxn>
+                <a:cxn ang="0">
+                  <a:pos x="T9" y="T11"/>
+                </a:cxn>
+                <a:cxn ang="0">
+                  <a:pos x="T12" y="T14"/>
+                </a:cxn>
+              </a:cxnLst>
+              <a:rect l="0" t="0" r="r" b="b"/>
+              <a:pathLst>
+                <a:path w="1789" h="2386">
+                  <a:moveTo>
+                    <a:pt x="0" y="0"/>
+                  </a:moveTo>
+                  <a:lnTo>
+                    <a:pt x="0" y="1194"/>
+                  </a:lnTo>
+                  <a:lnTo>
+                    <a:pt x="1192" y="2386"/>
+                  </a:lnTo>
+                  <a:lnTo>
+                    <a:pt x="1789" y="1789"/>
+                  </a:lnTo>
+                  <a:lnTo>
+                    <a:pt x="0" y="0"/>
+                  </a:lnTo>
+                  <a:close/>
+                </a:path>
+              </a:pathLst>
+            </a:custGeom>
+            <a:solidFill>
+              <a:schemeClr val="accent6"/>
+            </a:solidFill>
+            <a:ln>
+              <a:noFill/>
+            </a:ln>
+            <a:extLst>
+              <a:ext uri="{91240B29-F687-4F45-9708-019B960494DF}">
+                <a14:hiddenLine xmlns:a14="http://schemas.microsoft.com/office/drawing/2010/main" w="9525">
+                  <a:solidFill>
+                    <a:srgbClr val="000000"/>
+                  </a:solidFill>
+                  <a:round/>
+                  <a:headEnd/>
+                  <a:tailEnd/>
+                </a14:hiddenLine>
+              </a:ext>
+            </a:extLst>
+          </p:spPr>
+          <p:txBody>
+            <a:bodyPr rot="0" vert="horz" wrap="square" lIns="91440" tIns="45720" rIns="91440" bIns="45720" anchor="t" anchorCtr="0" upright="1">
+              <a:noAutofit/>
+            </a:bodyPr>
+            <a:lstStyle/>
+            <a:p>
+              <a:endParaRPr lang="en-US" dirty="0"/>
+            </a:p>
+          </p:txBody>
+        </p:sp>
+        <p:sp>
+          <p:nvSpPr>
+            <p:cNvPr id="21" name="Freeform 20">
+              <a:extLst>
+                <a:ext uri="{FF2B5EF4-FFF2-40B4-BE49-F238E27FC236}">
+                  <a16:creationId xmlns:a16="http://schemas.microsoft.com/office/drawing/2014/main" id="{5554ACBD-5F77-37A9-94B3-4BE2F6C6FDE4}"/>
+                </a:ext>
+              </a:extLst>
+            </p:cNvPr>
+            <p:cNvSpPr>
+              <a:spLocks/>
+            </p:cNvSpPr>
+            <p:nvPr/>
+          </p:nvSpPr>
+          <p:spPr bwMode="auto">
+            <a:xfrm>
+              <a:off x="0" y="14678"/>
+              <a:ext cx="1162" cy="1162"/>
+            </a:xfrm>
+            <a:custGeom>
+              <a:avLst/>
+              <a:gdLst>
+                <a:gd name="T0" fmla="*/ 0 w 1162"/>
+                <a:gd name="T1" fmla="+- 0 14679 14679"/>
+                <a:gd name="T2" fmla="*/ 14679 h 1162"/>
+                <a:gd name="T3" fmla="*/ 0 w 1162"/>
+                <a:gd name="T4" fmla="+- 0 15840 14679"/>
+                <a:gd name="T5" fmla="*/ 15840 h 1162"/>
+                <a:gd name="T6" fmla="*/ 1161 w 1162"/>
+                <a:gd name="T7" fmla="+- 0 15840 14679"/>
+                <a:gd name="T8" fmla="*/ 15840 h 1162"/>
+                <a:gd name="T9" fmla="*/ 0 w 1162"/>
+                <a:gd name="T10" fmla="+- 0 14679 14679"/>
+                <a:gd name="T11" fmla="*/ 14679 h 1162"/>
+              </a:gdLst>
+              <a:ahLst/>
+              <a:cxnLst>
+                <a:cxn ang="0">
+                  <a:pos x="T0" y="T2"/>
+                </a:cxn>
+                <a:cxn ang="0">
+                  <a:pos x="T3" y="T5"/>
+                </a:cxn>
+                <a:cxn ang="0">
+                  <a:pos x="T6" y="T8"/>
+                </a:cxn>
+                <a:cxn ang="0">
+                  <a:pos x="T9" y="T11"/>
+                </a:cxn>
+              </a:cxnLst>
+              <a:rect l="0" t="0" r="r" b="b"/>
+              <a:pathLst>
+                <a:path w="1162" h="1162">
+                  <a:moveTo>
+                    <a:pt x="0" y="0"/>
+                  </a:moveTo>
+                  <a:lnTo>
+                    <a:pt x="0" y="1161"/>
+                  </a:lnTo>
+                  <a:lnTo>
+                    <a:pt x="1161" y="1161"/>
+                  </a:lnTo>
+                  <a:lnTo>
+                    <a:pt x="0" y="0"/>
+                  </a:lnTo>
+                  <a:close/>
+                </a:path>
+              </a:pathLst>
+            </a:custGeom>
+            <a:solidFill>
+              <a:schemeClr val="tx2"/>
+            </a:solidFill>
+            <a:ln>
+              <a:noFill/>
+            </a:ln>
+            <a:extLst>
+              <a:ext uri="{91240B29-F687-4F45-9708-019B960494DF}">
+                <a14:hiddenLine xmlns:a14="http://schemas.microsoft.com/office/drawing/2010/main" w="9525">
+                  <a:solidFill>
+                    <a:srgbClr val="000000"/>
+                  </a:solidFill>
+                  <a:round/>
+                  <a:headEnd/>
+                  <a:tailEnd/>
+                </a14:hiddenLine>
+              </a:ext>
+            </a:extLst>
+          </p:spPr>
+          <p:txBody>
+            <a:bodyPr rot="0" vert="horz" wrap="square" lIns="91440" tIns="45720" rIns="91440" bIns="45720" anchor="t" anchorCtr="0" upright="1">
+              <a:noAutofit/>
+            </a:bodyPr>
+            <a:lstStyle/>
+            <a:p>
+              <a:endParaRPr lang="en-US" dirty="0"/>
+            </a:p>
+          </p:txBody>
+        </p:sp>
+        <p:sp>
+          <p:nvSpPr>
+            <p:cNvPr id="22" name="Freeform 21">
+              <a:extLst>
+                <a:ext uri="{FF2B5EF4-FFF2-40B4-BE49-F238E27FC236}">
+                  <a16:creationId xmlns:a16="http://schemas.microsoft.com/office/drawing/2014/main" id="{E490A4B7-F836-01B1-42F7-33F6D2C8D9D5}"/>
+                </a:ext>
+              </a:extLst>
+            </p:cNvPr>
+            <p:cNvSpPr>
+              <a:spLocks/>
+            </p:cNvSpPr>
+            <p:nvPr/>
+          </p:nvSpPr>
+          <p:spPr bwMode="auto">
+            <a:xfrm>
+              <a:off x="1221" y="14675"/>
+              <a:ext cx="2329" cy="1165"/>
+            </a:xfrm>
+            <a:custGeom>
+              <a:avLst/>
+              <a:gdLst>
+                <a:gd name="T0" fmla="+- 0 3550 1221"/>
+                <a:gd name="T1" fmla="*/ T0 w 2329"/>
+                <a:gd name="T2" fmla="+- 0 15840 14676"/>
+                <a:gd name="T3" fmla="*/ 15840 h 1165"/>
+                <a:gd name="T4" fmla="+- 0 2386 1221"/>
+                <a:gd name="T5" fmla="*/ T4 w 2329"/>
+                <a:gd name="T6" fmla="+- 0 14676 14676"/>
+                <a:gd name="T7" fmla="*/ 14676 h 1165"/>
+                <a:gd name="T8" fmla="+- 0 1221 1221"/>
+                <a:gd name="T9" fmla="*/ T8 w 2329"/>
+                <a:gd name="T10" fmla="+- 0 15840 14676"/>
+                <a:gd name="T11" fmla="*/ 15840 h 1165"/>
+                <a:gd name="T12" fmla="+- 0 3550 1221"/>
+                <a:gd name="T13" fmla="*/ T12 w 2329"/>
+                <a:gd name="T14" fmla="+- 0 15840 14676"/>
+                <a:gd name="T15" fmla="*/ 15840 h 1165"/>
+              </a:gdLst>
+              <a:ahLst/>
+              <a:cxnLst>
+                <a:cxn ang="0">
+                  <a:pos x="T1" y="T3"/>
+                </a:cxn>
+                <a:cxn ang="0">
+                  <a:pos x="T5" y="T7"/>
+                </a:cxn>
+                <a:cxn ang="0">
+                  <a:pos x="T9" y="T11"/>
+                </a:cxn>
+                <a:cxn ang="0">
+                  <a:pos x="T13" y="T15"/>
+                </a:cxn>
+              </a:cxnLst>
+              <a:rect l="0" t="0" r="r" b="b"/>
+              <a:pathLst>
+                <a:path w="2329" h="1165">
+                  <a:moveTo>
+                    <a:pt x="2329" y="1164"/>
+                  </a:moveTo>
+                  <a:lnTo>
+                    <a:pt x="1165" y="0"/>
+                  </a:lnTo>
+                  <a:lnTo>
+                    <a:pt x="0" y="1164"/>
+                  </a:lnTo>
+                  <a:lnTo>
+                    <a:pt x="2329" y="1164"/>
+                  </a:lnTo>
+                </a:path>
+              </a:pathLst>
+            </a:custGeom>
+            <a:solidFill>
+              <a:schemeClr val="accent3"/>
+            </a:solidFill>
+            <a:ln>
+              <a:noFill/>
+            </a:ln>
+            <a:extLst>
+              <a:ext uri="{91240B29-F687-4F45-9708-019B960494DF}">
+                <a14:hiddenLine xmlns:a14="http://schemas.microsoft.com/office/drawing/2010/main" w="9525">
+                  <a:solidFill>
+                    <a:srgbClr val="000000"/>
+                  </a:solidFill>
+                  <a:round/>
+                  <a:headEnd/>
+                  <a:tailEnd/>
+                </a14:hiddenLine>
+              </a:ext>
+            </a:extLst>
+          </p:spPr>
+          <p:txBody>
+            <a:bodyPr rot="0" vert="horz" wrap="square" lIns="91440" tIns="45720" rIns="91440" bIns="45720" anchor="t" anchorCtr="0" upright="1">
+              <a:noAutofit/>
+            </a:bodyPr>
+            <a:lstStyle/>
+            <a:p>
+              <a:endParaRPr lang="en-US" dirty="0"/>
+            </a:p>
+          </p:txBody>
+        </p:sp>
+      </p:grpSp>
+      <p:pic>
+        <p:nvPicPr>
+          <p:cNvPr id="4" name="Picture 3">
+            <a:extLst>
+              <a:ext uri="{FF2B5EF4-FFF2-40B4-BE49-F238E27FC236}">
+                <a16:creationId xmlns:a16="http://schemas.microsoft.com/office/drawing/2014/main" id="{CB034147-32AC-7762-E999-EB7520760AD5}"/>
+              </a:ext>
+            </a:extLst>
+          </p:cNvPr>
+          <p:cNvPicPr>
+            <a:picLocks noChangeAspect="1"/>
+          </p:cNvPicPr>
+          <p:nvPr/>
+        </p:nvPicPr>
+        <p:blipFill>
+          <a:blip r:embed="rId3"/>
+          <a:stretch>
+            <a:fillRect/>
+          </a:stretch>
+        </p:blipFill>
+        <p:spPr>
+          <a:xfrm>
+            <a:off x="2968515" y="2433563"/>
+            <a:ext cx="6125430" cy="3810532"/>
+          </a:xfrm>
+          <a:prstGeom prst="rect">
+            <a:avLst/>
+          </a:prstGeom>
+        </p:spPr>
+      </p:pic>
+    </p:spTree>
+    <p:extLst>
+      <p:ext uri="{BB962C8B-B14F-4D97-AF65-F5344CB8AC3E}">
+        <p14:creationId xmlns:p14="http://schemas.microsoft.com/office/powerpoint/2010/main" val="893593256"/>
+      </p:ext>
+    </p:extLst>
+  </p:cSld>
+  <p:clrMapOvr>
+    <a:masterClrMapping/>
+  </p:clrMapOvr>
+</p:sld>
+</file>
+
+<file path=ppt/slides/slide5.xml><?xml version="1.0" encoding="utf-8"?>
+<p:sld xmlns:a="http://schemas.openxmlformats.org/drawingml/2006/main" xmlns:r="http://schemas.openxmlformats.org/officeDocument/2006/relationships" xmlns:p="http://schemas.openxmlformats.org/presentationml/2006/main">
+  <p:cSld>
+    <p:spTree>
+      <p:nvGrpSpPr>
+        <p:cNvPr id="1" name="">
+          <a:extLst>
+            <a:ext uri="{FF2B5EF4-FFF2-40B4-BE49-F238E27FC236}">
+              <a16:creationId xmlns:a16="http://schemas.microsoft.com/office/drawing/2014/main" id="{D938674A-209C-8BD1-1E4A-FDB7C667A799}"/>
+            </a:ext>
+          </a:extLst>
+        </p:cNvPr>
+        <p:cNvGrpSpPr/>
+        <p:nvPr/>
+      </p:nvGrpSpPr>
+      <p:grpSpPr>
+        <a:xfrm>
+          <a:off x="0" y="0"/>
+          <a:ext cx="0" cy="0"/>
+          <a:chOff x="0" y="0"/>
+          <a:chExt cx="0" cy="0"/>
+        </a:xfrm>
+      </p:grpSpPr>
+      <p:sp>
+        <p:nvSpPr>
+          <p:cNvPr id="3" name="Title 2">
+            <a:extLst>
+              <a:ext uri="{FF2B5EF4-FFF2-40B4-BE49-F238E27FC236}">
+                <a16:creationId xmlns:a16="http://schemas.microsoft.com/office/drawing/2014/main" id="{B4084342-8605-7084-F322-5E293B331AA7}"/>
+              </a:ext>
+            </a:extLst>
+          </p:cNvPr>
+          <p:cNvSpPr>
+            <a:spLocks noGrp="1"/>
+          </p:cNvSpPr>
+          <p:nvPr>
+            <p:ph type="title"/>
+          </p:nvPr>
+        </p:nvSpPr>
+        <p:spPr>
+          <a:xfrm>
+            <a:off x="594360" y="102875"/>
+            <a:ext cx="10873740" cy="1680205"/>
+          </a:xfrm>
+        </p:spPr>
+        <p:txBody>
+          <a:bodyPr/>
+          <a:lstStyle/>
+          <a:p>
+            <a:r>
+              <a:rPr lang="en-US" dirty="0"/>
+              <a:t>What is Method Overriding?</a:t>
+            </a:r>
+          </a:p>
+        </p:txBody>
+      </p:sp>
+      <p:sp>
+        <p:nvSpPr>
+          <p:cNvPr id="7" name="Text Placeholder 6">
+            <a:extLst>
+              <a:ext uri="{FF2B5EF4-FFF2-40B4-BE49-F238E27FC236}">
+                <a16:creationId xmlns:a16="http://schemas.microsoft.com/office/drawing/2014/main" id="{9F1ECFFE-FB32-BC09-5380-134658652AE4}"/>
+              </a:ext>
+            </a:extLst>
+          </p:cNvPr>
+          <p:cNvSpPr>
+            <a:spLocks noGrp="1"/>
+          </p:cNvSpPr>
+          <p:nvPr>
+            <p:ph sz="quarter" idx="13"/>
+          </p:nvPr>
+        </p:nvSpPr>
+        <p:spPr>
+          <a:xfrm>
+            <a:off x="3657600" y="2281238"/>
+            <a:ext cx="7810500" cy="3700462"/>
+          </a:xfrm>
+        </p:spPr>
+        <p:txBody>
+          <a:bodyPr>
+            <a:normAutofit/>
+          </a:bodyPr>
+          <a:lstStyle/>
+          <a:p>
+            <a:r>
+              <a:rPr lang="en-US" dirty="0"/>
+              <a:t>Method overriding allows a child class to redefine a method from the parent class.</a:t>
+            </a:r>
+          </a:p>
+          <a:p>
+            <a:r>
+              <a:rPr lang="en-US" dirty="0"/>
+              <a:t>Used to customize or change inherited behavior.</a:t>
+            </a:r>
+          </a:p>
+          <a:p>
+            <a:endParaRPr lang="en-US" dirty="0"/>
+          </a:p>
+        </p:txBody>
+      </p:sp>
+      <p:grpSp>
+        <p:nvGrpSpPr>
+          <p:cNvPr id="19" name="Group 18">
+            <a:extLst>
+              <a:ext uri="{FF2B5EF4-FFF2-40B4-BE49-F238E27FC236}">
+                <a16:creationId xmlns:a16="http://schemas.microsoft.com/office/drawing/2014/main" id="{5CD6DB98-C410-0B50-1B6D-4ECE0CFC72F3}"/>
+              </a:ext>
+              <a:ext uri="{C183D7F6-B498-43B3-948B-1728B52AA6E4}">
+                <adec:decorative xmlns:adec="http://schemas.microsoft.com/office/drawing/2017/decorative" val="1"/>
+              </a:ext>
+            </a:extLst>
+          </p:cNvPr>
+          <p:cNvGrpSpPr>
+            <a:grpSpLocks/>
+          </p:cNvGrpSpPr>
+          <p:nvPr/>
+        </p:nvGrpSpPr>
+        <p:grpSpPr bwMode="auto">
+          <a:xfrm rot="16200000" flipV="1">
+            <a:off x="0" y="3900132"/>
+            <a:ext cx="2959226" cy="2959226"/>
+            <a:chOff x="0" y="12289"/>
+            <a:chExt cx="3550" cy="3551"/>
+          </a:xfrm>
+        </p:grpSpPr>
+        <p:sp>
+          <p:nvSpPr>
+            <p:cNvPr id="20" name="Freeform 19">
+              <a:extLst>
+                <a:ext uri="{FF2B5EF4-FFF2-40B4-BE49-F238E27FC236}">
+                  <a16:creationId xmlns:a16="http://schemas.microsoft.com/office/drawing/2014/main" id="{F313974F-6D02-F971-3885-78051F95FEF2}"/>
+                </a:ext>
+              </a:extLst>
+            </p:cNvPr>
+            <p:cNvSpPr>
+              <a:spLocks/>
+            </p:cNvSpPr>
+            <p:nvPr/>
+          </p:nvSpPr>
+          <p:spPr bwMode="auto">
+            <a:xfrm>
+              <a:off x="0" y="12289"/>
+              <a:ext cx="1789" cy="2386"/>
+            </a:xfrm>
+            <a:custGeom>
+              <a:avLst/>
+              <a:gdLst>
+                <a:gd name="T0" fmla="*/ 0 w 1789"/>
+                <a:gd name="T1" fmla="+- 0 12290 12290"/>
+                <a:gd name="T2" fmla="*/ 12290 h 2386"/>
+                <a:gd name="T3" fmla="*/ 0 w 1789"/>
+                <a:gd name="T4" fmla="+- 0 13484 12290"/>
+                <a:gd name="T5" fmla="*/ 13484 h 2386"/>
+                <a:gd name="T6" fmla="*/ 1192 w 1789"/>
+                <a:gd name="T7" fmla="+- 0 14676 12290"/>
+                <a:gd name="T8" fmla="*/ 14676 h 2386"/>
+                <a:gd name="T9" fmla="*/ 1789 w 1789"/>
+                <a:gd name="T10" fmla="+- 0 14079 12290"/>
+                <a:gd name="T11" fmla="*/ 14079 h 2386"/>
+                <a:gd name="T12" fmla="*/ 0 w 1789"/>
+                <a:gd name="T13" fmla="+- 0 12290 12290"/>
+                <a:gd name="T14" fmla="*/ 12290 h 2386"/>
+              </a:gdLst>
+              <a:ahLst/>
+              <a:cxnLst>
+                <a:cxn ang="0">
+                  <a:pos x="T0" y="T2"/>
+                </a:cxn>
+                <a:cxn ang="0">
+                  <a:pos x="T3" y="T5"/>
+                </a:cxn>
+                <a:cxn ang="0">
+                  <a:pos x="T6" y="T8"/>
+                </a:cxn>
+                <a:cxn ang="0">
+                  <a:pos x="T9" y="T11"/>
+                </a:cxn>
+                <a:cxn ang="0">
+                  <a:pos x="T12" y="T14"/>
+                </a:cxn>
+              </a:cxnLst>
+              <a:rect l="0" t="0" r="r" b="b"/>
+              <a:pathLst>
+                <a:path w="1789" h="2386">
+                  <a:moveTo>
+                    <a:pt x="0" y="0"/>
+                  </a:moveTo>
+                  <a:lnTo>
+                    <a:pt x="0" y="1194"/>
+                  </a:lnTo>
+                  <a:lnTo>
+                    <a:pt x="1192" y="2386"/>
+                  </a:lnTo>
+                  <a:lnTo>
+                    <a:pt x="1789" y="1789"/>
+                  </a:lnTo>
+                  <a:lnTo>
+                    <a:pt x="0" y="0"/>
+                  </a:lnTo>
+                  <a:close/>
+                </a:path>
+              </a:pathLst>
+            </a:custGeom>
+            <a:solidFill>
+              <a:schemeClr val="accent6"/>
+            </a:solidFill>
+            <a:ln>
+              <a:noFill/>
+            </a:ln>
+            <a:extLst>
+              <a:ext uri="{91240B29-F687-4F45-9708-019B960494DF}">
+                <a14:hiddenLine xmlns:a14="http://schemas.microsoft.com/office/drawing/2010/main" w="9525">
+                  <a:solidFill>
+                    <a:srgbClr val="000000"/>
+                  </a:solidFill>
+                  <a:round/>
+                  <a:headEnd/>
+                  <a:tailEnd/>
+                </a14:hiddenLine>
+              </a:ext>
+            </a:extLst>
+          </p:spPr>
+          <p:txBody>
+            <a:bodyPr rot="0" vert="horz" wrap="square" lIns="91440" tIns="45720" rIns="91440" bIns="45720" anchor="t" anchorCtr="0" upright="1">
+              <a:noAutofit/>
+            </a:bodyPr>
+            <a:lstStyle/>
+            <a:p>
+              <a:endParaRPr lang="en-US" dirty="0"/>
+            </a:p>
+          </p:txBody>
+        </p:sp>
+        <p:sp>
+          <p:nvSpPr>
+            <p:cNvPr id="21" name="Freeform 20">
+              <a:extLst>
+                <a:ext uri="{FF2B5EF4-FFF2-40B4-BE49-F238E27FC236}">
+                  <a16:creationId xmlns:a16="http://schemas.microsoft.com/office/drawing/2014/main" id="{18EB36B2-D876-512C-40AA-EFDAFEE4F26E}"/>
+                </a:ext>
+              </a:extLst>
+            </p:cNvPr>
+            <p:cNvSpPr>
+              <a:spLocks/>
+            </p:cNvSpPr>
+            <p:nvPr/>
+          </p:nvSpPr>
+          <p:spPr bwMode="auto">
+            <a:xfrm>
+              <a:off x="0" y="14678"/>
+              <a:ext cx="1162" cy="1162"/>
+            </a:xfrm>
+            <a:custGeom>
+              <a:avLst/>
+              <a:gdLst>
+                <a:gd name="T0" fmla="*/ 0 w 1162"/>
+                <a:gd name="T1" fmla="+- 0 14679 14679"/>
+                <a:gd name="T2" fmla="*/ 14679 h 1162"/>
+                <a:gd name="T3" fmla="*/ 0 w 1162"/>
+                <a:gd name="T4" fmla="+- 0 15840 14679"/>
+                <a:gd name="T5" fmla="*/ 15840 h 1162"/>
+                <a:gd name="T6" fmla="*/ 1161 w 1162"/>
+                <a:gd name="T7" fmla="+- 0 15840 14679"/>
+                <a:gd name="T8" fmla="*/ 15840 h 1162"/>
+                <a:gd name="T9" fmla="*/ 0 w 1162"/>
+                <a:gd name="T10" fmla="+- 0 14679 14679"/>
+                <a:gd name="T11" fmla="*/ 14679 h 1162"/>
+              </a:gdLst>
+              <a:ahLst/>
+              <a:cxnLst>
+                <a:cxn ang="0">
+                  <a:pos x="T0" y="T2"/>
+                </a:cxn>
+                <a:cxn ang="0">
+                  <a:pos x="T3" y="T5"/>
+                </a:cxn>
+                <a:cxn ang="0">
+                  <a:pos x="T6" y="T8"/>
+                </a:cxn>
+                <a:cxn ang="0">
+                  <a:pos x="T9" y="T11"/>
+                </a:cxn>
+              </a:cxnLst>
+              <a:rect l="0" t="0" r="r" b="b"/>
+              <a:pathLst>
+                <a:path w="1162" h="1162">
+                  <a:moveTo>
+                    <a:pt x="0" y="0"/>
+                  </a:moveTo>
+                  <a:lnTo>
+                    <a:pt x="0" y="1161"/>
+                  </a:lnTo>
+                  <a:lnTo>
+                    <a:pt x="1161" y="1161"/>
+                  </a:lnTo>
+                  <a:lnTo>
+                    <a:pt x="0" y="0"/>
+                  </a:lnTo>
+                  <a:close/>
+                </a:path>
+              </a:pathLst>
+            </a:custGeom>
+            <a:solidFill>
+              <a:schemeClr val="tx2"/>
+            </a:solidFill>
+            <a:ln>
+              <a:noFill/>
+            </a:ln>
+            <a:extLst>
+              <a:ext uri="{91240B29-F687-4F45-9708-019B960494DF}">
+                <a14:hiddenLine xmlns:a14="http://schemas.microsoft.com/office/drawing/2010/main" w="9525">
+                  <a:solidFill>
+                    <a:srgbClr val="000000"/>
+                  </a:solidFill>
+                  <a:round/>
+                  <a:headEnd/>
+                  <a:tailEnd/>
+                </a14:hiddenLine>
+              </a:ext>
+            </a:extLst>
+          </p:spPr>
+          <p:txBody>
+            <a:bodyPr rot="0" vert="horz" wrap="square" lIns="91440" tIns="45720" rIns="91440" bIns="45720" anchor="t" anchorCtr="0" upright="1">
+              <a:noAutofit/>
+            </a:bodyPr>
+            <a:lstStyle/>
+            <a:p>
+              <a:endParaRPr lang="en-US" dirty="0"/>
+            </a:p>
+          </p:txBody>
+        </p:sp>
+        <p:sp>
+          <p:nvSpPr>
+            <p:cNvPr id="22" name="Freeform 21">
+              <a:extLst>
+                <a:ext uri="{FF2B5EF4-FFF2-40B4-BE49-F238E27FC236}">
+                  <a16:creationId xmlns:a16="http://schemas.microsoft.com/office/drawing/2014/main" id="{2F864FF6-BF38-19E4-85E3-119BD0C81675}"/>
+                </a:ext>
+              </a:extLst>
+            </p:cNvPr>
+            <p:cNvSpPr>
+              <a:spLocks/>
+            </p:cNvSpPr>
+            <p:nvPr/>
+          </p:nvSpPr>
+          <p:spPr bwMode="auto">
+            <a:xfrm>
+              <a:off x="1221" y="14675"/>
+              <a:ext cx="2329" cy="1165"/>
+            </a:xfrm>
+            <a:custGeom>
+              <a:avLst/>
+              <a:gdLst>
+                <a:gd name="T0" fmla="+- 0 3550 1221"/>
+                <a:gd name="T1" fmla="*/ T0 w 2329"/>
+                <a:gd name="T2" fmla="+- 0 15840 14676"/>
+                <a:gd name="T3" fmla="*/ 15840 h 1165"/>
+                <a:gd name="T4" fmla="+- 0 2386 1221"/>
+                <a:gd name="T5" fmla="*/ T4 w 2329"/>
+                <a:gd name="T6" fmla="+- 0 14676 14676"/>
+                <a:gd name="T7" fmla="*/ 14676 h 1165"/>
+                <a:gd name="T8" fmla="+- 0 1221 1221"/>
+                <a:gd name="T9" fmla="*/ T8 w 2329"/>
+                <a:gd name="T10" fmla="+- 0 15840 14676"/>
+                <a:gd name="T11" fmla="*/ 15840 h 1165"/>
+                <a:gd name="T12" fmla="+- 0 3550 1221"/>
+                <a:gd name="T13" fmla="*/ T12 w 2329"/>
+                <a:gd name="T14" fmla="+- 0 15840 14676"/>
+                <a:gd name="T15" fmla="*/ 15840 h 1165"/>
+              </a:gdLst>
+              <a:ahLst/>
+              <a:cxnLst>
+                <a:cxn ang="0">
+                  <a:pos x="T1" y="T3"/>
+                </a:cxn>
+                <a:cxn ang="0">
+                  <a:pos x="T5" y="T7"/>
+                </a:cxn>
+                <a:cxn ang="0">
+                  <a:pos x="T9" y="T11"/>
+                </a:cxn>
+                <a:cxn ang="0">
+                  <a:pos x="T13" y="T15"/>
+                </a:cxn>
+              </a:cxnLst>
+              <a:rect l="0" t="0" r="r" b="b"/>
+              <a:pathLst>
+                <a:path w="2329" h="1165">
+                  <a:moveTo>
+                    <a:pt x="2329" y="1164"/>
+                  </a:moveTo>
+                  <a:lnTo>
+                    <a:pt x="1165" y="0"/>
+                  </a:lnTo>
+                  <a:lnTo>
+                    <a:pt x="0" y="1164"/>
+                  </a:lnTo>
+                  <a:lnTo>
+                    <a:pt x="2329" y="1164"/>
+                  </a:lnTo>
+                </a:path>
+              </a:pathLst>
+            </a:custGeom>
+            <a:solidFill>
+              <a:schemeClr val="accent3"/>
+            </a:solidFill>
+            <a:ln>
+              <a:noFill/>
+            </a:ln>
+            <a:extLst>
+              <a:ext uri="{91240B29-F687-4F45-9708-019B960494DF}">
+                <a14:hiddenLine xmlns:a14="http://schemas.microsoft.com/office/drawing/2010/main" w="9525">
+                  <a:solidFill>
+                    <a:srgbClr val="000000"/>
+                  </a:solidFill>
+                  <a:round/>
+                  <a:headEnd/>
+                  <a:tailEnd/>
+                </a14:hiddenLine>
+              </a:ext>
+            </a:extLst>
+          </p:spPr>
+          <p:txBody>
+            <a:bodyPr rot="0" vert="horz" wrap="square" lIns="91440" tIns="45720" rIns="91440" bIns="45720" anchor="t" anchorCtr="0" upright="1">
+              <a:noAutofit/>
+            </a:bodyPr>
+            <a:lstStyle/>
+            <a:p>
+              <a:endParaRPr lang="en-US" dirty="0"/>
+            </a:p>
+          </p:txBody>
+        </p:sp>
+      </p:grpSp>
+    </p:spTree>
+    <p:extLst>
+      <p:ext uri="{BB962C8B-B14F-4D97-AF65-F5344CB8AC3E}">
+        <p14:creationId xmlns:p14="http://schemas.microsoft.com/office/powerpoint/2010/main" val="207573965"/>
+      </p:ext>
+    </p:extLst>
+  </p:cSld>
+  <p:clrMapOvr>
+    <a:masterClrMapping/>
+  </p:clrMapOvr>
+</p:sld>
+</file>
+
+<file path=ppt/slides/slide6.xml><?xml version="1.0" encoding="utf-8"?>
+<p:sld xmlns:a="http://schemas.openxmlformats.org/drawingml/2006/main" xmlns:r="http://schemas.openxmlformats.org/officeDocument/2006/relationships" xmlns:p="http://schemas.openxmlformats.org/presentationml/2006/main">
+  <p:cSld>
+    <p:spTree>
+      <p:nvGrpSpPr>
+        <p:cNvPr id="1" name="">
+          <a:extLst>
+            <a:ext uri="{FF2B5EF4-FFF2-40B4-BE49-F238E27FC236}">
+              <a16:creationId xmlns:a16="http://schemas.microsoft.com/office/drawing/2014/main" id="{8D7220FD-2466-3E13-5504-3F9781684AEC}"/>
+            </a:ext>
+          </a:extLst>
+        </p:cNvPr>
+        <p:cNvGrpSpPr/>
+        <p:nvPr/>
+      </p:nvGrpSpPr>
+      <p:grpSpPr>
+        <a:xfrm>
+          <a:off x="0" y="0"/>
+          <a:ext cx="0" cy="0"/>
+          <a:chOff x="0" y="0"/>
+          <a:chExt cx="0" cy="0"/>
+        </a:xfrm>
+      </p:grpSpPr>
+      <p:sp>
+        <p:nvSpPr>
+          <p:cNvPr id="3" name="Title 2">
+            <a:extLst>
+              <a:ext uri="{FF2B5EF4-FFF2-40B4-BE49-F238E27FC236}">
+                <a16:creationId xmlns:a16="http://schemas.microsoft.com/office/drawing/2014/main" id="{BAAE33F5-B10D-697C-CB2B-0988CD92E869}"/>
+              </a:ext>
+            </a:extLst>
+          </p:cNvPr>
+          <p:cNvSpPr>
+            <a:spLocks noGrp="1"/>
+          </p:cNvSpPr>
+          <p:nvPr>
+            <p:ph type="title"/>
+          </p:nvPr>
+        </p:nvSpPr>
+        <p:spPr>
+          <a:xfrm>
+            <a:off x="594360" y="102875"/>
+            <a:ext cx="10873740" cy="1680205"/>
+          </a:xfrm>
+        </p:spPr>
+        <p:txBody>
+          <a:bodyPr/>
+          <a:lstStyle/>
+          <a:p>
+            <a:r>
+              <a:rPr lang="en-US" dirty="0"/>
+              <a:t>SYNTAX EXAMPLE</a:t>
+            </a:r>
+          </a:p>
+        </p:txBody>
+      </p:sp>
+      <p:grpSp>
+        <p:nvGrpSpPr>
+          <p:cNvPr id="19" name="Group 18">
+            <a:extLst>
+              <a:ext uri="{FF2B5EF4-FFF2-40B4-BE49-F238E27FC236}">
+                <a16:creationId xmlns:a16="http://schemas.microsoft.com/office/drawing/2014/main" id="{1D93FD60-A04A-B95E-3D88-711690B765DC}"/>
+              </a:ext>
+              <a:ext uri="{C183D7F6-B498-43B3-948B-1728B52AA6E4}">
+                <adec:decorative xmlns:adec="http://schemas.microsoft.com/office/drawing/2017/decorative" val="1"/>
+              </a:ext>
+            </a:extLst>
+          </p:cNvPr>
+          <p:cNvGrpSpPr>
+            <a:grpSpLocks/>
+          </p:cNvGrpSpPr>
+          <p:nvPr/>
+        </p:nvGrpSpPr>
+        <p:grpSpPr bwMode="auto">
+          <a:xfrm rot="16200000" flipV="1">
+            <a:off x="-1" y="3900133"/>
+            <a:ext cx="2959226" cy="2959226"/>
+            <a:chOff x="0" y="12289"/>
+            <a:chExt cx="3550" cy="3551"/>
+          </a:xfrm>
+        </p:grpSpPr>
+        <p:sp>
+          <p:nvSpPr>
+            <p:cNvPr id="20" name="Freeform 19">
+              <a:extLst>
+                <a:ext uri="{FF2B5EF4-FFF2-40B4-BE49-F238E27FC236}">
+                  <a16:creationId xmlns:a16="http://schemas.microsoft.com/office/drawing/2014/main" id="{F5A17FFA-C16E-DE9C-DC49-880E97564F1D}"/>
+                </a:ext>
+              </a:extLst>
+            </p:cNvPr>
+            <p:cNvSpPr>
+              <a:spLocks/>
+            </p:cNvSpPr>
+            <p:nvPr/>
+          </p:nvSpPr>
+          <p:spPr bwMode="auto">
+            <a:xfrm>
+              <a:off x="0" y="12289"/>
+              <a:ext cx="1789" cy="2386"/>
+            </a:xfrm>
+            <a:custGeom>
+              <a:avLst/>
+              <a:gdLst>
+                <a:gd name="T0" fmla="*/ 0 w 1789"/>
+                <a:gd name="T1" fmla="+- 0 12290 12290"/>
+                <a:gd name="T2" fmla="*/ 12290 h 2386"/>
+                <a:gd name="T3" fmla="*/ 0 w 1789"/>
+                <a:gd name="T4" fmla="+- 0 13484 12290"/>
+                <a:gd name="T5" fmla="*/ 13484 h 2386"/>
+                <a:gd name="T6" fmla="*/ 1192 w 1789"/>
+                <a:gd name="T7" fmla="+- 0 14676 12290"/>
+                <a:gd name="T8" fmla="*/ 14676 h 2386"/>
+                <a:gd name="T9" fmla="*/ 1789 w 1789"/>
+                <a:gd name="T10" fmla="+- 0 14079 12290"/>
+                <a:gd name="T11" fmla="*/ 14079 h 2386"/>
+                <a:gd name="T12" fmla="*/ 0 w 1789"/>
+                <a:gd name="T13" fmla="+- 0 12290 12290"/>
+                <a:gd name="T14" fmla="*/ 12290 h 2386"/>
+              </a:gdLst>
+              <a:ahLst/>
+              <a:cxnLst>
+                <a:cxn ang="0">
+                  <a:pos x="T0" y="T2"/>
+                </a:cxn>
+                <a:cxn ang="0">
+                  <a:pos x="T3" y="T5"/>
+                </a:cxn>
+                <a:cxn ang="0">
+                  <a:pos x="T6" y="T8"/>
+                </a:cxn>
+                <a:cxn ang="0">
+                  <a:pos x="T9" y="T11"/>
+                </a:cxn>
+                <a:cxn ang="0">
+                  <a:pos x="T12" y="T14"/>
+                </a:cxn>
+              </a:cxnLst>
+              <a:rect l="0" t="0" r="r" b="b"/>
+              <a:pathLst>
+                <a:path w="1789" h="2386">
+                  <a:moveTo>
+                    <a:pt x="0" y="0"/>
+                  </a:moveTo>
+                  <a:lnTo>
+                    <a:pt x="0" y="1194"/>
+                  </a:lnTo>
+                  <a:lnTo>
+                    <a:pt x="1192" y="2386"/>
+                  </a:lnTo>
+                  <a:lnTo>
+                    <a:pt x="1789" y="1789"/>
+                  </a:lnTo>
+                  <a:lnTo>
+                    <a:pt x="0" y="0"/>
+                  </a:lnTo>
+                  <a:close/>
+                </a:path>
+              </a:pathLst>
+            </a:custGeom>
+            <a:solidFill>
+              <a:schemeClr val="accent6"/>
+            </a:solidFill>
+            <a:ln>
+              <a:noFill/>
+            </a:ln>
+            <a:extLst>
+              <a:ext uri="{91240B29-F687-4F45-9708-019B960494DF}">
+                <a14:hiddenLine xmlns:a14="http://schemas.microsoft.com/office/drawing/2010/main" w="9525">
+                  <a:solidFill>
+                    <a:srgbClr val="000000"/>
+                  </a:solidFill>
+                  <a:round/>
+                  <a:headEnd/>
+                  <a:tailEnd/>
+                </a14:hiddenLine>
+              </a:ext>
+            </a:extLst>
+          </p:spPr>
+          <p:txBody>
+            <a:bodyPr rot="0" vert="horz" wrap="square" lIns="91440" tIns="45720" rIns="91440" bIns="45720" anchor="t" anchorCtr="0" upright="1">
+              <a:noAutofit/>
+            </a:bodyPr>
+            <a:lstStyle/>
+            <a:p>
+              <a:endParaRPr lang="en-US" dirty="0"/>
+            </a:p>
+          </p:txBody>
+        </p:sp>
+        <p:sp>
+          <p:nvSpPr>
+            <p:cNvPr id="21" name="Freeform 20">
+              <a:extLst>
+                <a:ext uri="{FF2B5EF4-FFF2-40B4-BE49-F238E27FC236}">
+                  <a16:creationId xmlns:a16="http://schemas.microsoft.com/office/drawing/2014/main" id="{5E5538FA-F816-13C6-43CB-940BAB9A4926}"/>
+                </a:ext>
+              </a:extLst>
+            </p:cNvPr>
+            <p:cNvSpPr>
+              <a:spLocks/>
+            </p:cNvSpPr>
+            <p:nvPr/>
+          </p:nvSpPr>
+          <p:spPr bwMode="auto">
+            <a:xfrm>
+              <a:off x="0" y="14678"/>
+              <a:ext cx="1162" cy="1162"/>
+            </a:xfrm>
+            <a:custGeom>
+              <a:avLst/>
+              <a:gdLst>
+                <a:gd name="T0" fmla="*/ 0 w 1162"/>
+                <a:gd name="T1" fmla="+- 0 14679 14679"/>
+                <a:gd name="T2" fmla="*/ 14679 h 1162"/>
+                <a:gd name="T3" fmla="*/ 0 w 1162"/>
+                <a:gd name="T4" fmla="+- 0 15840 14679"/>
+                <a:gd name="T5" fmla="*/ 15840 h 1162"/>
+                <a:gd name="T6" fmla="*/ 1161 w 1162"/>
+                <a:gd name="T7" fmla="+- 0 15840 14679"/>
+                <a:gd name="T8" fmla="*/ 15840 h 1162"/>
+                <a:gd name="T9" fmla="*/ 0 w 1162"/>
+                <a:gd name="T10" fmla="+- 0 14679 14679"/>
+                <a:gd name="T11" fmla="*/ 14679 h 1162"/>
+              </a:gdLst>
+              <a:ahLst/>
+              <a:cxnLst>
+                <a:cxn ang="0">
+                  <a:pos x="T0" y="T2"/>
+                </a:cxn>
+                <a:cxn ang="0">
+                  <a:pos x="T3" y="T5"/>
+                </a:cxn>
+                <a:cxn ang="0">
+                  <a:pos x="T6" y="T8"/>
+                </a:cxn>
+                <a:cxn ang="0">
+                  <a:pos x="T9" y="T11"/>
+                </a:cxn>
+              </a:cxnLst>
+              <a:rect l="0" t="0" r="r" b="b"/>
+              <a:pathLst>
+                <a:path w="1162" h="1162">
+                  <a:moveTo>
+                    <a:pt x="0" y="0"/>
+                  </a:moveTo>
+                  <a:lnTo>
+                    <a:pt x="0" y="1161"/>
+                  </a:lnTo>
+                  <a:lnTo>
+                    <a:pt x="1161" y="1161"/>
+                  </a:lnTo>
+                  <a:lnTo>
+                    <a:pt x="0" y="0"/>
+                  </a:lnTo>
+                  <a:close/>
+                </a:path>
+              </a:pathLst>
+            </a:custGeom>
+            <a:solidFill>
+              <a:schemeClr val="tx2"/>
+            </a:solidFill>
+            <a:ln>
+              <a:noFill/>
+            </a:ln>
+            <a:extLst>
+              <a:ext uri="{91240B29-F687-4F45-9708-019B960494DF}">
+                <a14:hiddenLine xmlns:a14="http://schemas.microsoft.com/office/drawing/2010/main" w="9525">
+                  <a:solidFill>
+                    <a:srgbClr val="000000"/>
+                  </a:solidFill>
+                  <a:round/>
+                  <a:headEnd/>
+                  <a:tailEnd/>
+                </a14:hiddenLine>
+              </a:ext>
+            </a:extLst>
+          </p:spPr>
+          <p:txBody>
+            <a:bodyPr rot="0" vert="horz" wrap="square" lIns="91440" tIns="45720" rIns="91440" bIns="45720" anchor="t" anchorCtr="0" upright="1">
+              <a:noAutofit/>
+            </a:bodyPr>
+            <a:lstStyle/>
+            <a:p>
+              <a:endParaRPr lang="en-US" dirty="0"/>
+            </a:p>
+          </p:txBody>
+        </p:sp>
+        <p:sp>
+          <p:nvSpPr>
+            <p:cNvPr id="22" name="Freeform 21">
+              <a:extLst>
+                <a:ext uri="{FF2B5EF4-FFF2-40B4-BE49-F238E27FC236}">
+                  <a16:creationId xmlns:a16="http://schemas.microsoft.com/office/drawing/2014/main" id="{E13C3C4E-91BC-9660-1C64-3D3A052A4304}"/>
+                </a:ext>
+              </a:extLst>
+            </p:cNvPr>
+            <p:cNvSpPr>
+              <a:spLocks/>
+            </p:cNvSpPr>
+            <p:nvPr/>
+          </p:nvSpPr>
+          <p:spPr bwMode="auto">
+            <a:xfrm>
+              <a:off x="1221" y="14675"/>
+              <a:ext cx="2329" cy="1165"/>
+            </a:xfrm>
+            <a:custGeom>
+              <a:avLst/>
+              <a:gdLst>
+                <a:gd name="T0" fmla="+- 0 3550 1221"/>
+                <a:gd name="T1" fmla="*/ T0 w 2329"/>
+                <a:gd name="T2" fmla="+- 0 15840 14676"/>
+                <a:gd name="T3" fmla="*/ 15840 h 1165"/>
+                <a:gd name="T4" fmla="+- 0 2386 1221"/>
+                <a:gd name="T5" fmla="*/ T4 w 2329"/>
+                <a:gd name="T6" fmla="+- 0 14676 14676"/>
+                <a:gd name="T7" fmla="*/ 14676 h 1165"/>
+                <a:gd name="T8" fmla="+- 0 1221 1221"/>
+                <a:gd name="T9" fmla="*/ T8 w 2329"/>
+                <a:gd name="T10" fmla="+- 0 15840 14676"/>
+                <a:gd name="T11" fmla="*/ 15840 h 1165"/>
+                <a:gd name="T12" fmla="+- 0 3550 1221"/>
+                <a:gd name="T13" fmla="*/ T12 w 2329"/>
+                <a:gd name="T14" fmla="+- 0 15840 14676"/>
+                <a:gd name="T15" fmla="*/ 15840 h 1165"/>
+              </a:gdLst>
+              <a:ahLst/>
+              <a:cxnLst>
+                <a:cxn ang="0">
+                  <a:pos x="T1" y="T3"/>
+                </a:cxn>
+                <a:cxn ang="0">
+                  <a:pos x="T5" y="T7"/>
+                </a:cxn>
+                <a:cxn ang="0">
+                  <a:pos x="T9" y="T11"/>
+                </a:cxn>
+                <a:cxn ang="0">
+                  <a:pos x="T13" y="T15"/>
+                </a:cxn>
+              </a:cxnLst>
+              <a:rect l="0" t="0" r="r" b="b"/>
+              <a:pathLst>
+                <a:path w="2329" h="1165">
+                  <a:moveTo>
+                    <a:pt x="2329" y="1164"/>
+                  </a:moveTo>
+                  <a:lnTo>
+                    <a:pt x="1165" y="0"/>
+                  </a:lnTo>
+                  <a:lnTo>
+                    <a:pt x="0" y="1164"/>
+                  </a:lnTo>
+                  <a:lnTo>
+                    <a:pt x="2329" y="1164"/>
+                  </a:lnTo>
+                </a:path>
+              </a:pathLst>
+            </a:custGeom>
+            <a:solidFill>
+              <a:schemeClr val="accent3"/>
+            </a:solidFill>
+            <a:ln>
+              <a:noFill/>
+            </a:ln>
+            <a:extLst>
+              <a:ext uri="{91240B29-F687-4F45-9708-019B960494DF}">
+                <a14:hiddenLine xmlns:a14="http://schemas.microsoft.com/office/drawing/2010/main" w="9525">
+                  <a:solidFill>
+                    <a:srgbClr val="000000"/>
+                  </a:solidFill>
+                  <a:round/>
+                  <a:headEnd/>
+                  <a:tailEnd/>
+                </a14:hiddenLine>
+              </a:ext>
+            </a:extLst>
+          </p:spPr>
+          <p:txBody>
+            <a:bodyPr rot="0" vert="horz" wrap="square" lIns="91440" tIns="45720" rIns="91440" bIns="45720" anchor="t" anchorCtr="0" upright="1">
+              <a:noAutofit/>
+            </a:bodyPr>
+            <a:lstStyle/>
+            <a:p>
+              <a:endParaRPr lang="en-US" dirty="0"/>
+            </a:p>
+          </p:txBody>
+        </p:sp>
+      </p:grpSp>
+      <p:pic>
+        <p:nvPicPr>
+          <p:cNvPr id="4" name="Picture 3">
+            <a:extLst>
+              <a:ext uri="{FF2B5EF4-FFF2-40B4-BE49-F238E27FC236}">
+                <a16:creationId xmlns:a16="http://schemas.microsoft.com/office/drawing/2014/main" id="{449F2903-1AF7-8635-1AAA-5163101D3881}"/>
+              </a:ext>
+            </a:extLst>
+          </p:cNvPr>
+          <p:cNvPicPr>
+            <a:picLocks noChangeAspect="1"/>
+          </p:cNvPicPr>
+          <p:nvPr/>
+        </p:nvPicPr>
+        <p:blipFill>
+          <a:blip r:embed="rId3"/>
+          <a:stretch>
+            <a:fillRect/>
+          </a:stretch>
+        </p:blipFill>
+        <p:spPr>
+          <a:xfrm>
+            <a:off x="4365967" y="1950105"/>
+            <a:ext cx="5021873" cy="4805020"/>
+          </a:xfrm>
+          <a:prstGeom prst="rect">
+            <a:avLst/>
+          </a:prstGeom>
+        </p:spPr>
+      </p:pic>
+    </p:spTree>
+    <p:extLst>
+      <p:ext uri="{BB962C8B-B14F-4D97-AF65-F5344CB8AC3E}">
+        <p14:creationId xmlns:p14="http://schemas.microsoft.com/office/powerpoint/2010/main" val="2063262170"/>
+      </p:ext>
+    </p:extLst>
+  </p:cSld>
+  <p:clrMapOvr>
+    <a:masterClrMapping/>
+  </p:clrMapOvr>
+</p:sld>
+</file>
+
+<file path=ppt/slides/slide7.xml><?xml version="1.0" encoding="utf-8"?>
 <p:sld xmlns:a="http://schemas.openxmlformats.org/drawingml/2006/main" xmlns:r="http://schemas.openxmlformats.org/officeDocument/2006/relationships" xmlns:p="http://schemas.openxmlformats.org/presentationml/2006/main">
   <p:cSld>
     <p:spTree>
@@ -13413,7 +18321,7 @@
 </p:sld>
 </file>
 
-<file path=ppt/slides/slide5.xml><?xml version="1.0" encoding="utf-8"?>
+<file path=ppt/slides/slide8.xml><?xml version="1.0" encoding="utf-8"?>
 <p:sld xmlns:a="http://schemas.openxmlformats.org/drawingml/2006/main" xmlns:r="http://schemas.openxmlformats.org/officeDocument/2006/relationships" xmlns:p="http://schemas.openxmlformats.org/presentationml/2006/main">
   <p:cSld>
     <p:spTree>
@@ -13421,7 +18329,7 @@
         <p:cNvPr id="1" name="">
           <a:extLst>
             <a:ext uri="{FF2B5EF4-FFF2-40B4-BE49-F238E27FC236}">
-              <a16:creationId xmlns:a16="http://schemas.microsoft.com/office/drawing/2014/main" id="{B667B67B-1A4A-7968-EF11-EA2126D4CE12}"/>
+              <a16:creationId xmlns:a16="http://schemas.microsoft.com/office/drawing/2014/main" id="{4631B21D-3D7C-E2BE-4382-E2C1E5A44FFE}"/>
             </a:ext>
           </a:extLst>
         </p:cNvPr>
@@ -13441,7 +18349,7 @@
           <p:cNvPr id="3" name="Title 2">
             <a:extLst>
               <a:ext uri="{FF2B5EF4-FFF2-40B4-BE49-F238E27FC236}">
-                <a16:creationId xmlns:a16="http://schemas.microsoft.com/office/drawing/2014/main" id="{F7BD85F3-C42F-DA68-FDB2-8E01E9045957}"/>
+                <a16:creationId xmlns:a16="http://schemas.microsoft.com/office/drawing/2014/main" id="{5FC0A3B4-7EDD-615C-38B6-008A3CBB4A58}"/>
               </a:ext>
             </a:extLst>
           </p:cNvPr>
@@ -13463,8 +18371,10 @@
           <a:lstStyle/>
           <a:p>
             <a:r>
-              <a:rPr lang="en-US" dirty="0"/>
-              <a:t>SYNTAX EXAMPLE</a:t>
+              <a:rPr lang="en-US" dirty="0">
+                <a:latin typeface="Century Gothic" panose="020B0502020202020204" pitchFamily="34" charset="0"/>
+              </a:rPr>
+              <a:t>Types of Inheritance</a:t>
             </a:r>
           </a:p>
         </p:txBody>
@@ -13474,7 +18384,7 @@
           <p:cNvPr id="19" name="Group 18">
             <a:extLst>
               <a:ext uri="{FF2B5EF4-FFF2-40B4-BE49-F238E27FC236}">
-                <a16:creationId xmlns:a16="http://schemas.microsoft.com/office/drawing/2014/main" id="{EF9A0CA4-42A0-B142-D4D7-2671020ADB1E}"/>
+                <a16:creationId xmlns:a16="http://schemas.microsoft.com/office/drawing/2014/main" id="{DB99CEE1-BBCA-1340-505A-37C8DC910338}"/>
               </a:ext>
               <a:ext uri="{C183D7F6-B498-43B3-948B-1728B52AA6E4}">
                 <adec:decorative xmlns:adec="http://schemas.microsoft.com/office/drawing/2017/decorative" val="1"/>
@@ -13488,7 +18398,7 @@
         </p:nvGrpSpPr>
         <p:grpSpPr bwMode="auto">
           <a:xfrm rot="16200000" flipV="1">
-            <a:off x="-1" y="3900133"/>
+            <a:off x="0" y="3900132"/>
             <a:ext cx="2959226" cy="2959226"/>
             <a:chOff x="0" y="12289"/>
             <a:chExt cx="3550" cy="3551"/>
@@ -13499,7 +18409,7 @@
             <p:cNvPr id="20" name="Freeform 19">
               <a:extLst>
                 <a:ext uri="{FF2B5EF4-FFF2-40B4-BE49-F238E27FC236}">
-                  <a16:creationId xmlns:a16="http://schemas.microsoft.com/office/drawing/2014/main" id="{E1191505-67E6-2CF8-C0B4-B557C66A0A46}"/>
+                  <a16:creationId xmlns:a16="http://schemas.microsoft.com/office/drawing/2014/main" id="{66C3B590-2BCA-7819-6436-00C9237C44F1}"/>
                 </a:ext>
               </a:extLst>
             </p:cNvPr>
@@ -13597,7 +18507,12 @@
             </a:bodyPr>
             <a:lstStyle/>
             <a:p>
-              <a:endParaRPr lang="en-US" dirty="0"/>
+              <a:endParaRPr lang="en-US" dirty="0">
+                <a:solidFill>
+                  <a:schemeClr val="bg1"/>
+                </a:solidFill>
+                <a:latin typeface="Century Gothic" panose="020B0502020202020204" pitchFamily="34" charset="0"/>
+              </a:endParaRPr>
             </a:p>
           </p:txBody>
         </p:sp>
@@ -13606,7 +18521,7 @@
             <p:cNvPr id="21" name="Freeform 20">
               <a:extLst>
                 <a:ext uri="{FF2B5EF4-FFF2-40B4-BE49-F238E27FC236}">
-                  <a16:creationId xmlns:a16="http://schemas.microsoft.com/office/drawing/2014/main" id="{5554ACBD-5F77-37A9-94B3-4BE2F6C6FDE4}"/>
+                  <a16:creationId xmlns:a16="http://schemas.microsoft.com/office/drawing/2014/main" id="{A9E962A4-2D1B-45B0-FB6E-4EABC62D93F0}"/>
                 </a:ext>
               </a:extLst>
             </p:cNvPr>
@@ -13695,7 +18610,12 @@
             </a:bodyPr>
             <a:lstStyle/>
             <a:p>
-              <a:endParaRPr lang="en-US" dirty="0"/>
+              <a:endParaRPr lang="en-US" dirty="0">
+                <a:solidFill>
+                  <a:schemeClr val="bg1"/>
+                </a:solidFill>
+                <a:latin typeface="Century Gothic" panose="020B0502020202020204" pitchFamily="34" charset="0"/>
+              </a:endParaRPr>
             </a:p>
           </p:txBody>
         </p:sp>
@@ -13704,7 +18624,7 @@
             <p:cNvPr id="22" name="Freeform 21">
               <a:extLst>
                 <a:ext uri="{FF2B5EF4-FFF2-40B4-BE49-F238E27FC236}">
-                  <a16:creationId xmlns:a16="http://schemas.microsoft.com/office/drawing/2014/main" id="{E490A4B7-F836-01B1-42F7-33F6D2C8D9D5}"/>
+                  <a16:creationId xmlns:a16="http://schemas.microsoft.com/office/drawing/2014/main" id="{57FCCADF-C59F-46AE-ECBD-A5912903A72C}"/>
                 </a:ext>
               </a:extLst>
             </p:cNvPr>
@@ -13796,45 +18716,447 @@
             </a:bodyPr>
             <a:lstStyle/>
             <a:p>
-              <a:endParaRPr lang="en-US" dirty="0"/>
+              <a:endParaRPr lang="en-US" dirty="0">
+                <a:solidFill>
+                  <a:schemeClr val="bg1"/>
+                </a:solidFill>
+                <a:latin typeface="Century Gothic" panose="020B0502020202020204" pitchFamily="34" charset="0"/>
+              </a:endParaRPr>
             </a:p>
           </p:txBody>
         </p:sp>
       </p:grpSp>
-      <p:pic>
-        <p:nvPicPr>
-          <p:cNvPr id="4" name="Picture 3">
+      <p:grpSp>
+        <p:nvGrpSpPr>
+          <p:cNvPr id="10" name="Group 9">
             <a:extLst>
               <a:ext uri="{FF2B5EF4-FFF2-40B4-BE49-F238E27FC236}">
-                <a16:creationId xmlns:a16="http://schemas.microsoft.com/office/drawing/2014/main" id="{CB034147-32AC-7762-E999-EB7520760AD5}"/>
+                <a16:creationId xmlns:a16="http://schemas.microsoft.com/office/drawing/2014/main" id="{A9B0BA50-005F-3E8E-7A0D-5ECE9B8F9F27}"/>
               </a:ext>
             </a:extLst>
           </p:cNvPr>
-          <p:cNvPicPr>
-            <a:picLocks noChangeAspect="1"/>
-          </p:cNvPicPr>
+          <p:cNvGrpSpPr/>
           <p:nvPr/>
-        </p:nvPicPr>
-        <p:blipFill>
-          <a:blip r:embed="rId3"/>
-          <a:stretch>
-            <a:fillRect/>
-          </a:stretch>
-        </p:blipFill>
-        <p:spPr>
+        </p:nvGrpSpPr>
+        <p:grpSpPr>
           <a:xfrm>
-            <a:off x="2968515" y="2433563"/>
-            <a:ext cx="6125430" cy="3810532"/>
+            <a:off x="1790826" y="2518440"/>
+            <a:ext cx="6830660" cy="969496"/>
+            <a:chOff x="1790826" y="2518440"/>
+            <a:chExt cx="6830660" cy="969496"/>
           </a:xfrm>
-          <a:prstGeom prst="rect">
-            <a:avLst/>
-          </a:prstGeom>
-        </p:spPr>
-      </p:pic>
+        </p:grpSpPr>
+        <p:sp>
+          <p:nvSpPr>
+            <p:cNvPr id="7" name="TextBox 6">
+              <a:extLst>
+                <a:ext uri="{FF2B5EF4-FFF2-40B4-BE49-F238E27FC236}">
+                  <a16:creationId xmlns:a16="http://schemas.microsoft.com/office/drawing/2014/main" id="{CE77CAB0-F875-867C-E69E-5B973F346F34}"/>
+                </a:ext>
+              </a:extLst>
+            </p:cNvPr>
+            <p:cNvSpPr txBox="1"/>
+            <p:nvPr/>
+          </p:nvSpPr>
+          <p:spPr>
+            <a:xfrm>
+              <a:off x="1790826" y="2518440"/>
+              <a:ext cx="2998888" cy="646331"/>
+            </a:xfrm>
+            <a:prstGeom prst="rect">
+              <a:avLst/>
+            </a:prstGeom>
+            <a:noFill/>
+          </p:spPr>
+          <p:txBody>
+            <a:bodyPr wrap="square">
+              <a:spAutoFit/>
+            </a:bodyPr>
+            <a:lstStyle/>
+            <a:p>
+              <a:pPr marL="0" marR="0" lvl="0" indent="0" algn="l" defTabSz="914400" rtl="0" eaLnBrk="1" fontAlgn="auto" latinLnBrk="0" hangingPunct="1">
+                <a:lnSpc>
+                  <a:spcPct val="100000"/>
+                </a:lnSpc>
+                <a:spcBef>
+                  <a:spcPts val="0"/>
+                </a:spcBef>
+                <a:spcAft>
+                  <a:spcPts val="0"/>
+                </a:spcAft>
+                <a:buClrTx/>
+                <a:buSzTx/>
+                <a:buFontTx/>
+                <a:buNone/>
+                <a:tabLst/>
+                <a:defRPr/>
+              </a:pPr>
+              <a:r>
+                <a:rPr lang="en-US" b="1" dirty="0">
+                  <a:solidFill>
+                    <a:schemeClr val="bg1"/>
+                  </a:solidFill>
+                  <a:latin typeface="Century Gothic" panose="020B0502020202020204" pitchFamily="34" charset="0"/>
+                </a:rPr>
+                <a:t>1. Single Inheritance</a:t>
+              </a:r>
+            </a:p>
+            <a:p>
+              <a:endParaRPr lang="en-US" dirty="0">
+                <a:solidFill>
+                  <a:schemeClr val="bg1"/>
+                </a:solidFill>
+                <a:latin typeface="Century Gothic" panose="020B0502020202020204" pitchFamily="34" charset="0"/>
+              </a:endParaRPr>
+            </a:p>
+          </p:txBody>
+        </p:sp>
+        <p:sp>
+          <p:nvSpPr>
+            <p:cNvPr id="9" name="TextBox 8">
+              <a:extLst>
+                <a:ext uri="{FF2B5EF4-FFF2-40B4-BE49-F238E27FC236}">
+                  <a16:creationId xmlns:a16="http://schemas.microsoft.com/office/drawing/2014/main" id="{6BF8A158-A28A-52AA-1B93-24CC611FB5F3}"/>
+                </a:ext>
+              </a:extLst>
+            </p:cNvPr>
+            <p:cNvSpPr txBox="1"/>
+            <p:nvPr/>
+          </p:nvSpPr>
+          <p:spPr>
+            <a:xfrm>
+              <a:off x="2525486" y="2841605"/>
+              <a:ext cx="6096000" cy="646331"/>
+            </a:xfrm>
+            <a:prstGeom prst="rect">
+              <a:avLst/>
+            </a:prstGeom>
+            <a:noFill/>
+          </p:spPr>
+          <p:txBody>
+            <a:bodyPr wrap="square">
+              <a:spAutoFit/>
+            </a:bodyPr>
+            <a:lstStyle/>
+            <a:p>
+              <a:pPr marL="0" marR="0" lvl="0" indent="0" algn="l" defTabSz="914400" rtl="0" eaLnBrk="1" fontAlgn="auto" latinLnBrk="0" hangingPunct="1">
+                <a:lnSpc>
+                  <a:spcPct val="100000"/>
+                </a:lnSpc>
+                <a:spcBef>
+                  <a:spcPts val="0"/>
+                </a:spcBef>
+                <a:spcAft>
+                  <a:spcPts val="0"/>
+                </a:spcAft>
+                <a:buClrTx/>
+                <a:buSzTx/>
+                <a:buFontTx/>
+                <a:buNone/>
+                <a:tabLst/>
+                <a:defRPr/>
+              </a:pPr>
+              <a:r>
+                <a:rPr lang="en-US" dirty="0">
+                  <a:solidFill>
+                    <a:schemeClr val="bg1"/>
+                  </a:solidFill>
+                  <a:latin typeface="Century Gothic" panose="020B0502020202020204" pitchFamily="34" charset="0"/>
+                </a:rPr>
+                <a:t>-A child class </a:t>
+              </a:r>
+              <a:r>
+                <a:rPr lang="en-US" sz="1600" dirty="0">
+                  <a:solidFill>
+                    <a:schemeClr val="bg1"/>
+                  </a:solidFill>
+                  <a:latin typeface="Century Gothic" panose="020B0502020202020204" pitchFamily="34" charset="0"/>
+                </a:rPr>
+                <a:t>inherits</a:t>
+              </a:r>
+              <a:r>
+                <a:rPr lang="en-US" dirty="0">
+                  <a:solidFill>
+                    <a:schemeClr val="bg1"/>
+                  </a:solidFill>
+                  <a:latin typeface="Century Gothic" panose="020B0502020202020204" pitchFamily="34" charset="0"/>
+                </a:rPr>
+                <a:t> from only one parent class.</a:t>
+              </a:r>
+            </a:p>
+            <a:p>
+              <a:endParaRPr lang="en-US" dirty="0">
+                <a:solidFill>
+                  <a:schemeClr val="bg1"/>
+                </a:solidFill>
+                <a:latin typeface="Century Gothic" panose="020B0502020202020204" pitchFamily="34" charset="0"/>
+              </a:endParaRPr>
+            </a:p>
+          </p:txBody>
+        </p:sp>
+      </p:grpSp>
+      <p:grpSp>
+        <p:nvGrpSpPr>
+          <p:cNvPr id="11" name="Group 10">
+            <a:extLst>
+              <a:ext uri="{FF2B5EF4-FFF2-40B4-BE49-F238E27FC236}">
+                <a16:creationId xmlns:a16="http://schemas.microsoft.com/office/drawing/2014/main" id="{0C7AA3D1-8F9D-C408-9B90-9F0727F42C26}"/>
+              </a:ext>
+            </a:extLst>
+          </p:cNvPr>
+          <p:cNvGrpSpPr/>
+          <p:nvPr/>
+        </p:nvGrpSpPr>
+        <p:grpSpPr>
+          <a:xfrm>
+            <a:off x="1790826" y="3253800"/>
+            <a:ext cx="9559344" cy="969496"/>
+            <a:chOff x="1790826" y="2518440"/>
+            <a:chExt cx="9559344" cy="969496"/>
+          </a:xfrm>
+        </p:grpSpPr>
+        <p:sp>
+          <p:nvSpPr>
+            <p:cNvPr id="12" name="TextBox 11">
+              <a:extLst>
+                <a:ext uri="{FF2B5EF4-FFF2-40B4-BE49-F238E27FC236}">
+                  <a16:creationId xmlns:a16="http://schemas.microsoft.com/office/drawing/2014/main" id="{F7DACC4A-B823-DFF4-CAB1-85A083687D7E}"/>
+                </a:ext>
+              </a:extLst>
+            </p:cNvPr>
+            <p:cNvSpPr txBox="1"/>
+            <p:nvPr/>
+          </p:nvSpPr>
+          <p:spPr>
+            <a:xfrm>
+              <a:off x="1790826" y="2518440"/>
+              <a:ext cx="3681060" cy="646331"/>
+            </a:xfrm>
+            <a:prstGeom prst="rect">
+              <a:avLst/>
+            </a:prstGeom>
+            <a:noFill/>
+          </p:spPr>
+          <p:txBody>
+            <a:bodyPr wrap="square">
+              <a:spAutoFit/>
+            </a:bodyPr>
+            <a:lstStyle/>
+            <a:p>
+              <a:pPr marL="0" marR="0" lvl="0" indent="0" algn="l" defTabSz="914400" rtl="0" eaLnBrk="1" fontAlgn="auto" latinLnBrk="0" hangingPunct="1">
+                <a:lnSpc>
+                  <a:spcPct val="100000"/>
+                </a:lnSpc>
+                <a:spcBef>
+                  <a:spcPts val="0"/>
+                </a:spcBef>
+                <a:spcAft>
+                  <a:spcPts val="0"/>
+                </a:spcAft>
+                <a:buClrTx/>
+                <a:buSzTx/>
+                <a:buFontTx/>
+                <a:buNone/>
+                <a:tabLst/>
+                <a:defRPr/>
+              </a:pPr>
+              <a:r>
+                <a:rPr lang="en-US" b="1" dirty="0">
+                  <a:solidFill>
+                    <a:schemeClr val="bg1"/>
+                  </a:solidFill>
+                  <a:latin typeface="Century Gothic" panose="020B0502020202020204" pitchFamily="34" charset="0"/>
+                </a:rPr>
+                <a:t>2. Multilevel Inheritance</a:t>
+              </a:r>
+            </a:p>
+            <a:p>
+              <a:endParaRPr lang="en-US" dirty="0">
+                <a:solidFill>
+                  <a:schemeClr val="bg1"/>
+                </a:solidFill>
+                <a:latin typeface="Century Gothic" panose="020B0502020202020204" pitchFamily="34" charset="0"/>
+              </a:endParaRPr>
+            </a:p>
+          </p:txBody>
+        </p:sp>
+        <p:sp>
+          <p:nvSpPr>
+            <p:cNvPr id="13" name="TextBox 12">
+              <a:extLst>
+                <a:ext uri="{FF2B5EF4-FFF2-40B4-BE49-F238E27FC236}">
+                  <a16:creationId xmlns:a16="http://schemas.microsoft.com/office/drawing/2014/main" id="{05C7A24B-B6B9-065B-7D77-9595593E8669}"/>
+                </a:ext>
+              </a:extLst>
+            </p:cNvPr>
+            <p:cNvSpPr txBox="1"/>
+            <p:nvPr/>
+          </p:nvSpPr>
+          <p:spPr>
+            <a:xfrm>
+              <a:off x="2525485" y="2841605"/>
+              <a:ext cx="8824685" cy="646331"/>
+            </a:xfrm>
+            <a:prstGeom prst="rect">
+              <a:avLst/>
+            </a:prstGeom>
+            <a:noFill/>
+          </p:spPr>
+          <p:txBody>
+            <a:bodyPr wrap="square">
+              <a:spAutoFit/>
+            </a:bodyPr>
+            <a:lstStyle/>
+            <a:p>
+              <a:pPr lvl="0">
+                <a:defRPr/>
+              </a:pPr>
+              <a:r>
+                <a:rPr lang="en-US" dirty="0">
+                  <a:solidFill>
+                    <a:schemeClr val="bg1"/>
+                  </a:solidFill>
+                  <a:latin typeface="Century Gothic" panose="020B0502020202020204" pitchFamily="34" charset="0"/>
+                </a:rPr>
+                <a:t>-A class inherits from another class, and then another class inherits from it (a chain).</a:t>
+              </a:r>
+            </a:p>
+          </p:txBody>
+        </p:sp>
+      </p:grpSp>
+      <p:grpSp>
+        <p:nvGrpSpPr>
+          <p:cNvPr id="17" name="Group 16">
+            <a:extLst>
+              <a:ext uri="{FF2B5EF4-FFF2-40B4-BE49-F238E27FC236}">
+                <a16:creationId xmlns:a16="http://schemas.microsoft.com/office/drawing/2014/main" id="{3D99013D-C567-E924-318F-F865F1A390FD}"/>
+              </a:ext>
+            </a:extLst>
+          </p:cNvPr>
+          <p:cNvGrpSpPr/>
+          <p:nvPr/>
+        </p:nvGrpSpPr>
+        <p:grpSpPr>
+          <a:xfrm>
+            <a:off x="1790826" y="4186204"/>
+            <a:ext cx="9559344" cy="692497"/>
+            <a:chOff x="1790826" y="2518440"/>
+            <a:chExt cx="9559344" cy="692497"/>
+          </a:xfrm>
+        </p:grpSpPr>
+        <p:sp>
+          <p:nvSpPr>
+            <p:cNvPr id="18" name="TextBox 17">
+              <a:extLst>
+                <a:ext uri="{FF2B5EF4-FFF2-40B4-BE49-F238E27FC236}">
+                  <a16:creationId xmlns:a16="http://schemas.microsoft.com/office/drawing/2014/main" id="{F290A140-5AE6-2E29-4489-8B504DE5B369}"/>
+                </a:ext>
+              </a:extLst>
+            </p:cNvPr>
+            <p:cNvSpPr txBox="1"/>
+            <p:nvPr/>
+          </p:nvSpPr>
+          <p:spPr>
+            <a:xfrm>
+              <a:off x="1790826" y="2518440"/>
+              <a:ext cx="3681060" cy="646331"/>
+            </a:xfrm>
+            <a:prstGeom prst="rect">
+              <a:avLst/>
+            </a:prstGeom>
+            <a:noFill/>
+          </p:spPr>
+          <p:txBody>
+            <a:bodyPr wrap="square">
+              <a:spAutoFit/>
+            </a:bodyPr>
+            <a:lstStyle/>
+            <a:p>
+              <a:pPr marL="0" marR="0" lvl="0" indent="0" algn="l" defTabSz="914400" rtl="0" eaLnBrk="1" fontAlgn="auto" latinLnBrk="0" hangingPunct="1">
+                <a:lnSpc>
+                  <a:spcPct val="100000"/>
+                </a:lnSpc>
+                <a:spcBef>
+                  <a:spcPts val="0"/>
+                </a:spcBef>
+                <a:spcAft>
+                  <a:spcPts val="0"/>
+                </a:spcAft>
+                <a:buClrTx/>
+                <a:buSzTx/>
+                <a:buFontTx/>
+                <a:buNone/>
+                <a:tabLst/>
+                <a:defRPr/>
+              </a:pPr>
+              <a:r>
+                <a:rPr lang="en-US" b="1" dirty="0">
+                  <a:solidFill>
+                    <a:schemeClr val="bg1"/>
+                  </a:solidFill>
+                  <a:latin typeface="Century Gothic" panose="020B0502020202020204" pitchFamily="34" charset="0"/>
+                </a:rPr>
+                <a:t>3. Hierarchical Inheritance</a:t>
+              </a:r>
+            </a:p>
+            <a:p>
+              <a:endParaRPr lang="en-US" dirty="0">
+                <a:solidFill>
+                  <a:schemeClr val="bg1"/>
+                </a:solidFill>
+                <a:latin typeface="Century Gothic" panose="020B0502020202020204" pitchFamily="34" charset="0"/>
+              </a:endParaRPr>
+            </a:p>
+          </p:txBody>
+        </p:sp>
+        <p:sp>
+          <p:nvSpPr>
+            <p:cNvPr id="23" name="TextBox 22">
+              <a:extLst>
+                <a:ext uri="{FF2B5EF4-FFF2-40B4-BE49-F238E27FC236}">
+                  <a16:creationId xmlns:a16="http://schemas.microsoft.com/office/drawing/2014/main" id="{32A0107B-06FE-F19A-DCAF-967B82DC7723}"/>
+                </a:ext>
+              </a:extLst>
+            </p:cNvPr>
+            <p:cNvSpPr txBox="1"/>
+            <p:nvPr/>
+          </p:nvSpPr>
+          <p:spPr>
+            <a:xfrm>
+              <a:off x="2525485" y="2841605"/>
+              <a:ext cx="8824685" cy="369332"/>
+            </a:xfrm>
+            <a:prstGeom prst="rect">
+              <a:avLst/>
+            </a:prstGeom>
+            <a:noFill/>
+          </p:spPr>
+          <p:txBody>
+            <a:bodyPr wrap="square">
+              <a:spAutoFit/>
+            </a:bodyPr>
+            <a:lstStyle/>
+            <a:p>
+              <a:pPr lvl="0">
+                <a:defRPr/>
+              </a:pPr>
+              <a:r>
+                <a:rPr lang="en-US" dirty="0">
+                  <a:solidFill>
+                    <a:schemeClr val="bg1"/>
+                  </a:solidFill>
+                  <a:latin typeface="Century Gothic" panose="020B0502020202020204" pitchFamily="34" charset="0"/>
+                </a:rPr>
+                <a:t>-Multiple child classes inherit from the same parent class.</a:t>
+              </a:r>
+            </a:p>
+          </p:txBody>
+        </p:sp>
+      </p:grpSp>
     </p:spTree>
     <p:extLst>
       <p:ext uri="{BB962C8B-B14F-4D97-AF65-F5344CB8AC3E}">
-        <p14:creationId xmlns:p14="http://schemas.microsoft.com/office/powerpoint/2010/main" val="893593256"/>
+        <p14:creationId xmlns:p14="http://schemas.microsoft.com/office/powerpoint/2010/main" val="678801044"/>
       </p:ext>
     </p:extLst>
   </p:cSld>
@@ -13844,7 +19166,7 @@
 </p:sld>
 </file>
 
-<file path=ppt/slides/slide6.xml><?xml version="1.0" encoding="utf-8"?>
+<file path=ppt/slides/slide9.xml><?xml version="1.0" encoding="utf-8"?>
 <p:sld xmlns:a="http://schemas.openxmlformats.org/drawingml/2006/main" xmlns:r="http://schemas.openxmlformats.org/officeDocument/2006/relationships" xmlns:p="http://schemas.openxmlformats.org/presentationml/2006/main">
   <p:cSld>
     <p:spTree>
@@ -13852,7 +19174,7 @@
         <p:cNvPr id="1" name="">
           <a:extLst>
             <a:ext uri="{FF2B5EF4-FFF2-40B4-BE49-F238E27FC236}">
-              <a16:creationId xmlns:a16="http://schemas.microsoft.com/office/drawing/2014/main" id="{D938674A-209C-8BD1-1E4A-FDB7C667A799}"/>
+              <a16:creationId xmlns:a16="http://schemas.microsoft.com/office/drawing/2014/main" id="{88804565-C425-E1E7-C05B-B35D37DE2A1F}"/>
             </a:ext>
           </a:extLst>
         </p:cNvPr>
@@ -13872,7 +19194,7 @@
           <p:cNvPr id="3" name="Title 2">
             <a:extLst>
               <a:ext uri="{FF2B5EF4-FFF2-40B4-BE49-F238E27FC236}">
-                <a16:creationId xmlns:a16="http://schemas.microsoft.com/office/drawing/2014/main" id="{B4084342-8605-7084-F322-5E293B331AA7}"/>
+                <a16:creationId xmlns:a16="http://schemas.microsoft.com/office/drawing/2014/main" id="{D8EEAE54-F4BD-4485-AAF6-9A0FBB3ED546}"/>
               </a:ext>
             </a:extLst>
           </p:cNvPr>
@@ -13895,52 +19217,8 @@
           <a:p>
             <a:r>
               <a:rPr lang="en-US" dirty="0"/>
-              <a:t>What is Method Overriding?</a:t>
+              <a:t>Single Inheritance</a:t>
             </a:r>
-          </a:p>
-        </p:txBody>
-      </p:sp>
-      <p:sp>
-        <p:nvSpPr>
-          <p:cNvPr id="7" name="Text Placeholder 6">
-            <a:extLst>
-              <a:ext uri="{FF2B5EF4-FFF2-40B4-BE49-F238E27FC236}">
-                <a16:creationId xmlns:a16="http://schemas.microsoft.com/office/drawing/2014/main" id="{9F1ECFFE-FB32-BC09-5380-134658652AE4}"/>
-              </a:ext>
-            </a:extLst>
-          </p:cNvPr>
-          <p:cNvSpPr>
-            <a:spLocks noGrp="1"/>
-          </p:cNvSpPr>
-          <p:nvPr>
-            <p:ph sz="quarter" idx="13"/>
-          </p:nvPr>
-        </p:nvSpPr>
-        <p:spPr>
-          <a:xfrm>
-            <a:off x="3657600" y="2281238"/>
-            <a:ext cx="7810500" cy="3700462"/>
-          </a:xfrm>
-        </p:spPr>
-        <p:txBody>
-          <a:bodyPr>
-            <a:normAutofit/>
-          </a:bodyPr>
-          <a:lstStyle/>
-          <a:p>
-            <a:r>
-              <a:rPr lang="en-US" dirty="0"/>
-              <a:t>Method overriding allows a child class to redefine a method from the parent class.</a:t>
-            </a:r>
-          </a:p>
-          <a:p>
-            <a:r>
-              <a:rPr lang="en-US" dirty="0"/>
-              <a:t>Used to customize or change inherited behavior.</a:t>
-            </a:r>
-          </a:p>
-          <a:p>
-            <a:endParaRPr lang="en-US" dirty="0"/>
           </a:p>
         </p:txBody>
       </p:sp>
@@ -13949,7 +19227,7 @@
           <p:cNvPr id="19" name="Group 18">
             <a:extLst>
               <a:ext uri="{FF2B5EF4-FFF2-40B4-BE49-F238E27FC236}">
-                <a16:creationId xmlns:a16="http://schemas.microsoft.com/office/drawing/2014/main" id="{5CD6DB98-C410-0B50-1B6D-4ECE0CFC72F3}"/>
+                <a16:creationId xmlns:a16="http://schemas.microsoft.com/office/drawing/2014/main" id="{9DE4ADA6-71F8-2B67-A4C9-1006512F1283}"/>
               </a:ext>
               <a:ext uri="{C183D7F6-B498-43B3-948B-1728B52AA6E4}">
                 <adec:decorative xmlns:adec="http://schemas.microsoft.com/office/drawing/2017/decorative" val="1"/>
@@ -13974,7 +19252,7 @@
             <p:cNvPr id="20" name="Freeform 19">
               <a:extLst>
                 <a:ext uri="{FF2B5EF4-FFF2-40B4-BE49-F238E27FC236}">
-                  <a16:creationId xmlns:a16="http://schemas.microsoft.com/office/drawing/2014/main" id="{F313974F-6D02-F971-3885-78051F95FEF2}"/>
+                  <a16:creationId xmlns:a16="http://schemas.microsoft.com/office/drawing/2014/main" id="{CFE5CDC1-85A6-7A33-DD50-4BBA3310E28B}"/>
                 </a:ext>
               </a:extLst>
             </p:cNvPr>
@@ -14072,7 +19350,11 @@
             </a:bodyPr>
             <a:lstStyle/>
             <a:p>
-              <a:endParaRPr lang="en-US" dirty="0"/>
+              <a:endParaRPr lang="en-US" dirty="0">
+                <a:solidFill>
+                  <a:schemeClr val="bg1"/>
+                </a:solidFill>
+              </a:endParaRPr>
             </a:p>
           </p:txBody>
         </p:sp>
@@ -14081,7 +19363,7 @@
             <p:cNvPr id="21" name="Freeform 20">
               <a:extLst>
                 <a:ext uri="{FF2B5EF4-FFF2-40B4-BE49-F238E27FC236}">
-                  <a16:creationId xmlns:a16="http://schemas.microsoft.com/office/drawing/2014/main" id="{18EB36B2-D876-512C-40AA-EFDAFEE4F26E}"/>
+                  <a16:creationId xmlns:a16="http://schemas.microsoft.com/office/drawing/2014/main" id="{2FA7AEE7-F593-46D7-F5D0-F1AEFF512DC2}"/>
                 </a:ext>
               </a:extLst>
             </p:cNvPr>
@@ -14170,7 +19452,11 @@
             </a:bodyPr>
             <a:lstStyle/>
             <a:p>
-              <a:endParaRPr lang="en-US" dirty="0"/>
+              <a:endParaRPr lang="en-US" dirty="0">
+                <a:solidFill>
+                  <a:schemeClr val="bg1"/>
+                </a:solidFill>
+              </a:endParaRPr>
             </a:p>
           </p:txBody>
         </p:sp>
@@ -14179,7 +19465,7 @@
             <p:cNvPr id="22" name="Freeform 21">
               <a:extLst>
                 <a:ext uri="{FF2B5EF4-FFF2-40B4-BE49-F238E27FC236}">
-                  <a16:creationId xmlns:a16="http://schemas.microsoft.com/office/drawing/2014/main" id="{2F864FF6-BF38-19E4-85E3-119BD0C81675}"/>
+                  <a16:creationId xmlns:a16="http://schemas.microsoft.com/office/drawing/2014/main" id="{FF071EE4-831B-25BA-DA43-695ED277318D}"/>
                 </a:ext>
               </a:extLst>
             </p:cNvPr>
@@ -14271,418 +19557,21 @@
             </a:bodyPr>
             <a:lstStyle/>
             <a:p>
-              <a:endParaRPr lang="en-US" dirty="0"/>
-            </a:p>
-          </p:txBody>
-        </p:sp>
-      </p:grpSp>
-    </p:spTree>
-    <p:extLst>
-      <p:ext uri="{BB962C8B-B14F-4D97-AF65-F5344CB8AC3E}">
-        <p14:creationId xmlns:p14="http://schemas.microsoft.com/office/powerpoint/2010/main" val="716532463"/>
-      </p:ext>
-    </p:extLst>
-  </p:cSld>
-  <p:clrMapOvr>
-    <a:masterClrMapping/>
-  </p:clrMapOvr>
-</p:sld>
-</file>
-
-<file path=ppt/slides/slide7.xml><?xml version="1.0" encoding="utf-8"?>
-<p:sld xmlns:a="http://schemas.openxmlformats.org/drawingml/2006/main" xmlns:r="http://schemas.openxmlformats.org/officeDocument/2006/relationships" xmlns:p="http://schemas.openxmlformats.org/presentationml/2006/main">
-  <p:cSld>
-    <p:spTree>
-      <p:nvGrpSpPr>
-        <p:cNvPr id="1" name="">
-          <a:extLst>
-            <a:ext uri="{FF2B5EF4-FFF2-40B4-BE49-F238E27FC236}">
-              <a16:creationId xmlns:a16="http://schemas.microsoft.com/office/drawing/2014/main" id="{8D7220FD-2466-3E13-5504-3F9781684AEC}"/>
-            </a:ext>
-          </a:extLst>
-        </p:cNvPr>
-        <p:cNvGrpSpPr/>
-        <p:nvPr/>
-      </p:nvGrpSpPr>
-      <p:grpSpPr>
-        <a:xfrm>
-          <a:off x="0" y="0"/>
-          <a:ext cx="0" cy="0"/>
-          <a:chOff x="0" y="0"/>
-          <a:chExt cx="0" cy="0"/>
-        </a:xfrm>
-      </p:grpSpPr>
-      <p:sp>
-        <p:nvSpPr>
-          <p:cNvPr id="3" name="Title 2">
-            <a:extLst>
-              <a:ext uri="{FF2B5EF4-FFF2-40B4-BE49-F238E27FC236}">
-                <a16:creationId xmlns:a16="http://schemas.microsoft.com/office/drawing/2014/main" id="{BAAE33F5-B10D-697C-CB2B-0988CD92E869}"/>
-              </a:ext>
-            </a:extLst>
-          </p:cNvPr>
-          <p:cNvSpPr>
-            <a:spLocks noGrp="1"/>
-          </p:cNvSpPr>
-          <p:nvPr>
-            <p:ph type="title"/>
-          </p:nvPr>
-        </p:nvSpPr>
-        <p:spPr>
-          <a:xfrm>
-            <a:off x="594360" y="102875"/>
-            <a:ext cx="10873740" cy="1680205"/>
-          </a:xfrm>
-        </p:spPr>
-        <p:txBody>
-          <a:bodyPr/>
-          <a:lstStyle/>
-          <a:p>
-            <a:r>
-              <a:rPr lang="en-US" dirty="0"/>
-              <a:t>SYNTAX EXAMPLE</a:t>
-            </a:r>
-          </a:p>
-        </p:txBody>
-      </p:sp>
-      <p:grpSp>
-        <p:nvGrpSpPr>
-          <p:cNvPr id="19" name="Group 18">
-            <a:extLst>
-              <a:ext uri="{FF2B5EF4-FFF2-40B4-BE49-F238E27FC236}">
-                <a16:creationId xmlns:a16="http://schemas.microsoft.com/office/drawing/2014/main" id="{1D93FD60-A04A-B95E-3D88-711690B765DC}"/>
-              </a:ext>
-              <a:ext uri="{C183D7F6-B498-43B3-948B-1728B52AA6E4}">
-                <adec:decorative xmlns:adec="http://schemas.microsoft.com/office/drawing/2017/decorative" val="1"/>
-              </a:ext>
-            </a:extLst>
-          </p:cNvPr>
-          <p:cNvGrpSpPr>
-            <a:grpSpLocks/>
-          </p:cNvGrpSpPr>
-          <p:nvPr/>
-        </p:nvGrpSpPr>
-        <p:grpSpPr bwMode="auto">
-          <a:xfrm rot="16200000" flipV="1">
-            <a:off x="-1" y="3900133"/>
-            <a:ext cx="2959226" cy="2959226"/>
-            <a:chOff x="0" y="12289"/>
-            <a:chExt cx="3550" cy="3551"/>
-          </a:xfrm>
-        </p:grpSpPr>
-        <p:sp>
-          <p:nvSpPr>
-            <p:cNvPr id="20" name="Freeform 19">
-              <a:extLst>
-                <a:ext uri="{FF2B5EF4-FFF2-40B4-BE49-F238E27FC236}">
-                  <a16:creationId xmlns:a16="http://schemas.microsoft.com/office/drawing/2014/main" id="{F5A17FFA-C16E-DE9C-DC49-880E97564F1D}"/>
-                </a:ext>
-              </a:extLst>
-            </p:cNvPr>
-            <p:cNvSpPr>
-              <a:spLocks/>
-            </p:cNvSpPr>
-            <p:nvPr/>
-          </p:nvSpPr>
-          <p:spPr bwMode="auto">
-            <a:xfrm>
-              <a:off x="0" y="12289"/>
-              <a:ext cx="1789" cy="2386"/>
-            </a:xfrm>
-            <a:custGeom>
-              <a:avLst/>
-              <a:gdLst>
-                <a:gd name="T0" fmla="*/ 0 w 1789"/>
-                <a:gd name="T1" fmla="+- 0 12290 12290"/>
-                <a:gd name="T2" fmla="*/ 12290 h 2386"/>
-                <a:gd name="T3" fmla="*/ 0 w 1789"/>
-                <a:gd name="T4" fmla="+- 0 13484 12290"/>
-                <a:gd name="T5" fmla="*/ 13484 h 2386"/>
-                <a:gd name="T6" fmla="*/ 1192 w 1789"/>
-                <a:gd name="T7" fmla="+- 0 14676 12290"/>
-                <a:gd name="T8" fmla="*/ 14676 h 2386"/>
-                <a:gd name="T9" fmla="*/ 1789 w 1789"/>
-                <a:gd name="T10" fmla="+- 0 14079 12290"/>
-                <a:gd name="T11" fmla="*/ 14079 h 2386"/>
-                <a:gd name="T12" fmla="*/ 0 w 1789"/>
-                <a:gd name="T13" fmla="+- 0 12290 12290"/>
-                <a:gd name="T14" fmla="*/ 12290 h 2386"/>
-              </a:gdLst>
-              <a:ahLst/>
-              <a:cxnLst>
-                <a:cxn ang="0">
-                  <a:pos x="T0" y="T2"/>
-                </a:cxn>
-                <a:cxn ang="0">
-                  <a:pos x="T3" y="T5"/>
-                </a:cxn>
-                <a:cxn ang="0">
-                  <a:pos x="T6" y="T8"/>
-                </a:cxn>
-                <a:cxn ang="0">
-                  <a:pos x="T9" y="T11"/>
-                </a:cxn>
-                <a:cxn ang="0">
-                  <a:pos x="T12" y="T14"/>
-                </a:cxn>
-              </a:cxnLst>
-              <a:rect l="0" t="0" r="r" b="b"/>
-              <a:pathLst>
-                <a:path w="1789" h="2386">
-                  <a:moveTo>
-                    <a:pt x="0" y="0"/>
-                  </a:moveTo>
-                  <a:lnTo>
-                    <a:pt x="0" y="1194"/>
-                  </a:lnTo>
-                  <a:lnTo>
-                    <a:pt x="1192" y="2386"/>
-                  </a:lnTo>
-                  <a:lnTo>
-                    <a:pt x="1789" y="1789"/>
-                  </a:lnTo>
-                  <a:lnTo>
-                    <a:pt x="0" y="0"/>
-                  </a:lnTo>
-                  <a:close/>
-                </a:path>
-              </a:pathLst>
-            </a:custGeom>
-            <a:solidFill>
-              <a:schemeClr val="accent6"/>
-            </a:solidFill>
-            <a:ln>
-              <a:noFill/>
-            </a:ln>
-            <a:extLst>
-              <a:ext uri="{91240B29-F687-4F45-9708-019B960494DF}">
-                <a14:hiddenLine xmlns:a14="http://schemas.microsoft.com/office/drawing/2010/main" w="9525">
-                  <a:solidFill>
-                    <a:srgbClr val="000000"/>
-                  </a:solidFill>
-                  <a:round/>
-                  <a:headEnd/>
-                  <a:tailEnd/>
-                </a14:hiddenLine>
-              </a:ext>
-            </a:extLst>
-          </p:spPr>
-          <p:txBody>
-            <a:bodyPr rot="0" vert="horz" wrap="square" lIns="91440" tIns="45720" rIns="91440" bIns="45720" anchor="t" anchorCtr="0" upright="1">
-              <a:noAutofit/>
-            </a:bodyPr>
-            <a:lstStyle/>
-            <a:p>
-              <a:endParaRPr lang="en-US" dirty="0"/>
-            </a:p>
-          </p:txBody>
-        </p:sp>
-        <p:sp>
-          <p:nvSpPr>
-            <p:cNvPr id="21" name="Freeform 20">
-              <a:extLst>
-                <a:ext uri="{FF2B5EF4-FFF2-40B4-BE49-F238E27FC236}">
-                  <a16:creationId xmlns:a16="http://schemas.microsoft.com/office/drawing/2014/main" id="{5E5538FA-F816-13C6-43CB-940BAB9A4926}"/>
-                </a:ext>
-              </a:extLst>
-            </p:cNvPr>
-            <p:cNvSpPr>
-              <a:spLocks/>
-            </p:cNvSpPr>
-            <p:nvPr/>
-          </p:nvSpPr>
-          <p:spPr bwMode="auto">
-            <a:xfrm>
-              <a:off x="0" y="14678"/>
-              <a:ext cx="1162" cy="1162"/>
-            </a:xfrm>
-            <a:custGeom>
-              <a:avLst/>
-              <a:gdLst>
-                <a:gd name="T0" fmla="*/ 0 w 1162"/>
-                <a:gd name="T1" fmla="+- 0 14679 14679"/>
-                <a:gd name="T2" fmla="*/ 14679 h 1162"/>
-                <a:gd name="T3" fmla="*/ 0 w 1162"/>
-                <a:gd name="T4" fmla="+- 0 15840 14679"/>
-                <a:gd name="T5" fmla="*/ 15840 h 1162"/>
-                <a:gd name="T6" fmla="*/ 1161 w 1162"/>
-                <a:gd name="T7" fmla="+- 0 15840 14679"/>
-                <a:gd name="T8" fmla="*/ 15840 h 1162"/>
-                <a:gd name="T9" fmla="*/ 0 w 1162"/>
-                <a:gd name="T10" fmla="+- 0 14679 14679"/>
-                <a:gd name="T11" fmla="*/ 14679 h 1162"/>
-              </a:gdLst>
-              <a:ahLst/>
-              <a:cxnLst>
-                <a:cxn ang="0">
-                  <a:pos x="T0" y="T2"/>
-                </a:cxn>
-                <a:cxn ang="0">
-                  <a:pos x="T3" y="T5"/>
-                </a:cxn>
-                <a:cxn ang="0">
-                  <a:pos x="T6" y="T8"/>
-                </a:cxn>
-                <a:cxn ang="0">
-                  <a:pos x="T9" y="T11"/>
-                </a:cxn>
-              </a:cxnLst>
-              <a:rect l="0" t="0" r="r" b="b"/>
-              <a:pathLst>
-                <a:path w="1162" h="1162">
-                  <a:moveTo>
-                    <a:pt x="0" y="0"/>
-                  </a:moveTo>
-                  <a:lnTo>
-                    <a:pt x="0" y="1161"/>
-                  </a:lnTo>
-                  <a:lnTo>
-                    <a:pt x="1161" y="1161"/>
-                  </a:lnTo>
-                  <a:lnTo>
-                    <a:pt x="0" y="0"/>
-                  </a:lnTo>
-                  <a:close/>
-                </a:path>
-              </a:pathLst>
-            </a:custGeom>
-            <a:solidFill>
-              <a:schemeClr val="tx2"/>
-            </a:solidFill>
-            <a:ln>
-              <a:noFill/>
-            </a:ln>
-            <a:extLst>
-              <a:ext uri="{91240B29-F687-4F45-9708-019B960494DF}">
-                <a14:hiddenLine xmlns:a14="http://schemas.microsoft.com/office/drawing/2010/main" w="9525">
-                  <a:solidFill>
-                    <a:srgbClr val="000000"/>
-                  </a:solidFill>
-                  <a:round/>
-                  <a:headEnd/>
-                  <a:tailEnd/>
-                </a14:hiddenLine>
-              </a:ext>
-            </a:extLst>
-          </p:spPr>
-          <p:txBody>
-            <a:bodyPr rot="0" vert="horz" wrap="square" lIns="91440" tIns="45720" rIns="91440" bIns="45720" anchor="t" anchorCtr="0" upright="1">
-              <a:noAutofit/>
-            </a:bodyPr>
-            <a:lstStyle/>
-            <a:p>
-              <a:endParaRPr lang="en-US" dirty="0"/>
-            </a:p>
-          </p:txBody>
-        </p:sp>
-        <p:sp>
-          <p:nvSpPr>
-            <p:cNvPr id="22" name="Freeform 21">
-              <a:extLst>
-                <a:ext uri="{FF2B5EF4-FFF2-40B4-BE49-F238E27FC236}">
-                  <a16:creationId xmlns:a16="http://schemas.microsoft.com/office/drawing/2014/main" id="{E13C3C4E-91BC-9660-1C64-3D3A052A4304}"/>
-                </a:ext>
-              </a:extLst>
-            </p:cNvPr>
-            <p:cNvSpPr>
-              <a:spLocks/>
-            </p:cNvSpPr>
-            <p:nvPr/>
-          </p:nvSpPr>
-          <p:spPr bwMode="auto">
-            <a:xfrm>
-              <a:off x="1221" y="14675"/>
-              <a:ext cx="2329" cy="1165"/>
-            </a:xfrm>
-            <a:custGeom>
-              <a:avLst/>
-              <a:gdLst>
-                <a:gd name="T0" fmla="+- 0 3550 1221"/>
-                <a:gd name="T1" fmla="*/ T0 w 2329"/>
-                <a:gd name="T2" fmla="+- 0 15840 14676"/>
-                <a:gd name="T3" fmla="*/ 15840 h 1165"/>
-                <a:gd name="T4" fmla="+- 0 2386 1221"/>
-                <a:gd name="T5" fmla="*/ T4 w 2329"/>
-                <a:gd name="T6" fmla="+- 0 14676 14676"/>
-                <a:gd name="T7" fmla="*/ 14676 h 1165"/>
-                <a:gd name="T8" fmla="+- 0 1221 1221"/>
-                <a:gd name="T9" fmla="*/ T8 w 2329"/>
-                <a:gd name="T10" fmla="+- 0 15840 14676"/>
-                <a:gd name="T11" fmla="*/ 15840 h 1165"/>
-                <a:gd name="T12" fmla="+- 0 3550 1221"/>
-                <a:gd name="T13" fmla="*/ T12 w 2329"/>
-                <a:gd name="T14" fmla="+- 0 15840 14676"/>
-                <a:gd name="T15" fmla="*/ 15840 h 1165"/>
-              </a:gdLst>
-              <a:ahLst/>
-              <a:cxnLst>
-                <a:cxn ang="0">
-                  <a:pos x="T1" y="T3"/>
-                </a:cxn>
-                <a:cxn ang="0">
-                  <a:pos x="T5" y="T7"/>
-                </a:cxn>
-                <a:cxn ang="0">
-                  <a:pos x="T9" y="T11"/>
-                </a:cxn>
-                <a:cxn ang="0">
-                  <a:pos x="T13" y="T15"/>
-                </a:cxn>
-              </a:cxnLst>
-              <a:rect l="0" t="0" r="r" b="b"/>
-              <a:pathLst>
-                <a:path w="2329" h="1165">
-                  <a:moveTo>
-                    <a:pt x="2329" y="1164"/>
-                  </a:moveTo>
-                  <a:lnTo>
-                    <a:pt x="1165" y="0"/>
-                  </a:lnTo>
-                  <a:lnTo>
-                    <a:pt x="0" y="1164"/>
-                  </a:lnTo>
-                  <a:lnTo>
-                    <a:pt x="2329" y="1164"/>
-                  </a:lnTo>
-                </a:path>
-              </a:pathLst>
-            </a:custGeom>
-            <a:solidFill>
-              <a:schemeClr val="accent3"/>
-            </a:solidFill>
-            <a:ln>
-              <a:noFill/>
-            </a:ln>
-            <a:extLst>
-              <a:ext uri="{91240B29-F687-4F45-9708-019B960494DF}">
-                <a14:hiddenLine xmlns:a14="http://schemas.microsoft.com/office/drawing/2010/main" w="9525">
-                  <a:solidFill>
-                    <a:srgbClr val="000000"/>
-                  </a:solidFill>
-                  <a:round/>
-                  <a:headEnd/>
-                  <a:tailEnd/>
-                </a14:hiddenLine>
-              </a:ext>
-            </a:extLst>
-          </p:spPr>
-          <p:txBody>
-            <a:bodyPr rot="0" vert="horz" wrap="square" lIns="91440" tIns="45720" rIns="91440" bIns="45720" anchor="t" anchorCtr="0" upright="1">
-              <a:noAutofit/>
-            </a:bodyPr>
-            <a:lstStyle/>
-            <a:p>
-              <a:endParaRPr lang="en-US" dirty="0"/>
+              <a:endParaRPr lang="en-US" dirty="0">
+                <a:solidFill>
+                  <a:schemeClr val="bg1"/>
+                </a:solidFill>
+              </a:endParaRPr>
             </a:p>
           </p:txBody>
         </p:sp>
       </p:grpSp>
       <p:pic>
         <p:nvPicPr>
-          <p:cNvPr id="5" name="Picture 4">
+          <p:cNvPr id="4" name="Picture 3">
             <a:extLst>
               <a:ext uri="{FF2B5EF4-FFF2-40B4-BE49-F238E27FC236}">
-                <a16:creationId xmlns:a16="http://schemas.microsoft.com/office/drawing/2014/main" id="{A57F3D9C-73C6-8683-010E-AF4C1A0C6F2A}"/>
+                <a16:creationId xmlns:a16="http://schemas.microsoft.com/office/drawing/2014/main" id="{5A537407-D0A9-0126-C81A-E23D7534A0C3}"/>
               </a:ext>
             </a:extLst>
           </p:cNvPr>
@@ -14699,8 +19588,8 @@
         </p:blipFill>
         <p:spPr>
           <a:xfrm>
-            <a:off x="3155432" y="2085660"/>
-            <a:ext cx="6496957" cy="4515480"/>
+            <a:off x="3495816" y="2774617"/>
+            <a:ext cx="4559613" cy="3305860"/>
           </a:xfrm>
           <a:prstGeom prst="rect">
             <a:avLst/>
@@ -14710,902 +19599,7 @@
     </p:spTree>
     <p:extLst>
       <p:ext uri="{BB962C8B-B14F-4D97-AF65-F5344CB8AC3E}">
-        <p14:creationId xmlns:p14="http://schemas.microsoft.com/office/powerpoint/2010/main" val="822458748"/>
-      </p:ext>
-    </p:extLst>
-  </p:cSld>
-  <p:clrMapOvr>
-    <a:masterClrMapping/>
-  </p:clrMapOvr>
-</p:sld>
-</file>
-
-<file path=ppt/slides/slide8.xml><?xml version="1.0" encoding="utf-8"?>
-<p:sld xmlns:a="http://schemas.openxmlformats.org/drawingml/2006/main" xmlns:r="http://schemas.openxmlformats.org/officeDocument/2006/relationships" xmlns:p="http://schemas.openxmlformats.org/presentationml/2006/main">
-  <p:cSld>
-    <p:spTree>
-      <p:nvGrpSpPr>
-        <p:cNvPr id="1" name="">
-          <a:extLst>
-            <a:ext uri="{FF2B5EF4-FFF2-40B4-BE49-F238E27FC236}">
-              <a16:creationId xmlns:a16="http://schemas.microsoft.com/office/drawing/2014/main" id="{53C9D5A8-EE3A-62B9-58EB-58DA46389801}"/>
-            </a:ext>
-          </a:extLst>
-        </p:cNvPr>
-        <p:cNvGrpSpPr/>
-        <p:nvPr/>
-      </p:nvGrpSpPr>
-      <p:grpSpPr>
-        <a:xfrm>
-          <a:off x="0" y="0"/>
-          <a:ext cx="0" cy="0"/>
-          <a:chOff x="0" y="0"/>
-          <a:chExt cx="0" cy="0"/>
-        </a:xfrm>
-      </p:grpSpPr>
-      <p:sp>
-        <p:nvSpPr>
-          <p:cNvPr id="3" name="Title 2">
-            <a:extLst>
-              <a:ext uri="{FF2B5EF4-FFF2-40B4-BE49-F238E27FC236}">
-                <a16:creationId xmlns:a16="http://schemas.microsoft.com/office/drawing/2014/main" id="{336D1AEB-D4D1-B88E-0A46-0405A4496271}"/>
-              </a:ext>
-            </a:extLst>
-          </p:cNvPr>
-          <p:cNvSpPr>
-            <a:spLocks noGrp="1"/>
-          </p:cNvSpPr>
-          <p:nvPr>
-            <p:ph type="title"/>
-          </p:nvPr>
-        </p:nvSpPr>
-        <p:spPr>
-          <a:xfrm>
-            <a:off x="594360" y="102875"/>
-            <a:ext cx="10873740" cy="1680205"/>
-          </a:xfrm>
-        </p:spPr>
-        <p:txBody>
-          <a:bodyPr/>
-          <a:lstStyle/>
-          <a:p>
-            <a:r>
-              <a:rPr lang="en-GB" dirty="0"/>
-              <a:t>Using parent:: to Extend </a:t>
-            </a:r>
-            <a:r>
-              <a:rPr lang="en-GB" dirty="0" err="1"/>
-              <a:t>Behavior</a:t>
-            </a:r>
-            <a:endParaRPr lang="en-US" dirty="0"/>
-          </a:p>
-        </p:txBody>
-      </p:sp>
-      <p:sp>
-        <p:nvSpPr>
-          <p:cNvPr id="7" name="Text Placeholder 6">
-            <a:extLst>
-              <a:ext uri="{FF2B5EF4-FFF2-40B4-BE49-F238E27FC236}">
-                <a16:creationId xmlns:a16="http://schemas.microsoft.com/office/drawing/2014/main" id="{C24C286D-C6F3-0647-F8D4-79F992AD9D65}"/>
-              </a:ext>
-            </a:extLst>
-          </p:cNvPr>
-          <p:cNvSpPr>
-            <a:spLocks noGrp="1"/>
-          </p:cNvSpPr>
-          <p:nvPr>
-            <p:ph sz="quarter" idx="13"/>
-          </p:nvPr>
-        </p:nvSpPr>
-        <p:spPr>
-          <a:xfrm>
-            <a:off x="3657600" y="2281238"/>
-            <a:ext cx="7810500" cy="3700462"/>
-          </a:xfrm>
-        </p:spPr>
-        <p:txBody>
-          <a:bodyPr>
-            <a:normAutofit/>
-          </a:bodyPr>
-          <a:lstStyle/>
-          <a:p>
-            <a:r>
-              <a:rPr lang="en-GB" dirty="0"/>
-              <a:t>Use parent::</a:t>
-            </a:r>
-            <a:r>
-              <a:rPr lang="en-GB" dirty="0" err="1"/>
-              <a:t>methodName</a:t>
-            </a:r>
-            <a:r>
-              <a:rPr lang="en-GB" dirty="0"/>
-              <a:t>() to call the original method from the parent class.</a:t>
-            </a:r>
-          </a:p>
-          <a:p>
-            <a:r>
-              <a:rPr lang="en-GB" dirty="0"/>
-              <a:t>Useful when the child needs to extend, not fully replace, the </a:t>
-            </a:r>
-            <a:r>
-              <a:rPr lang="en-GB" dirty="0" err="1"/>
-              <a:t>behavior</a:t>
-            </a:r>
-            <a:r>
-              <a:rPr lang="en-GB" dirty="0"/>
-              <a:t>.</a:t>
-            </a:r>
-            <a:endParaRPr lang="en-US" dirty="0"/>
-          </a:p>
-        </p:txBody>
-      </p:sp>
-      <p:grpSp>
-        <p:nvGrpSpPr>
-          <p:cNvPr id="19" name="Group 18">
-            <a:extLst>
-              <a:ext uri="{FF2B5EF4-FFF2-40B4-BE49-F238E27FC236}">
-                <a16:creationId xmlns:a16="http://schemas.microsoft.com/office/drawing/2014/main" id="{E3A04045-4FF9-B83D-303F-643E09611A97}"/>
-              </a:ext>
-              <a:ext uri="{C183D7F6-B498-43B3-948B-1728B52AA6E4}">
-                <adec:decorative xmlns:adec="http://schemas.microsoft.com/office/drawing/2017/decorative" val="1"/>
-              </a:ext>
-            </a:extLst>
-          </p:cNvPr>
-          <p:cNvGrpSpPr>
-            <a:grpSpLocks/>
-          </p:cNvGrpSpPr>
-          <p:nvPr/>
-        </p:nvGrpSpPr>
-        <p:grpSpPr bwMode="auto">
-          <a:xfrm rot="16200000" flipV="1">
-            <a:off x="0" y="3900132"/>
-            <a:ext cx="2959226" cy="2959226"/>
-            <a:chOff x="0" y="12289"/>
-            <a:chExt cx="3550" cy="3551"/>
-          </a:xfrm>
-        </p:grpSpPr>
-        <p:sp>
-          <p:nvSpPr>
-            <p:cNvPr id="20" name="Freeform 19">
-              <a:extLst>
-                <a:ext uri="{FF2B5EF4-FFF2-40B4-BE49-F238E27FC236}">
-                  <a16:creationId xmlns:a16="http://schemas.microsoft.com/office/drawing/2014/main" id="{524206A2-6438-93AB-7FF6-F847DE4D8E07}"/>
-                </a:ext>
-              </a:extLst>
-            </p:cNvPr>
-            <p:cNvSpPr>
-              <a:spLocks/>
-            </p:cNvSpPr>
-            <p:nvPr/>
-          </p:nvSpPr>
-          <p:spPr bwMode="auto">
-            <a:xfrm>
-              <a:off x="0" y="12289"/>
-              <a:ext cx="1789" cy="2386"/>
-            </a:xfrm>
-            <a:custGeom>
-              <a:avLst/>
-              <a:gdLst>
-                <a:gd name="T0" fmla="*/ 0 w 1789"/>
-                <a:gd name="T1" fmla="+- 0 12290 12290"/>
-                <a:gd name="T2" fmla="*/ 12290 h 2386"/>
-                <a:gd name="T3" fmla="*/ 0 w 1789"/>
-                <a:gd name="T4" fmla="+- 0 13484 12290"/>
-                <a:gd name="T5" fmla="*/ 13484 h 2386"/>
-                <a:gd name="T6" fmla="*/ 1192 w 1789"/>
-                <a:gd name="T7" fmla="+- 0 14676 12290"/>
-                <a:gd name="T8" fmla="*/ 14676 h 2386"/>
-                <a:gd name="T9" fmla="*/ 1789 w 1789"/>
-                <a:gd name="T10" fmla="+- 0 14079 12290"/>
-                <a:gd name="T11" fmla="*/ 14079 h 2386"/>
-                <a:gd name="T12" fmla="*/ 0 w 1789"/>
-                <a:gd name="T13" fmla="+- 0 12290 12290"/>
-                <a:gd name="T14" fmla="*/ 12290 h 2386"/>
-              </a:gdLst>
-              <a:ahLst/>
-              <a:cxnLst>
-                <a:cxn ang="0">
-                  <a:pos x="T0" y="T2"/>
-                </a:cxn>
-                <a:cxn ang="0">
-                  <a:pos x="T3" y="T5"/>
-                </a:cxn>
-                <a:cxn ang="0">
-                  <a:pos x="T6" y="T8"/>
-                </a:cxn>
-                <a:cxn ang="0">
-                  <a:pos x="T9" y="T11"/>
-                </a:cxn>
-                <a:cxn ang="0">
-                  <a:pos x="T12" y="T14"/>
-                </a:cxn>
-              </a:cxnLst>
-              <a:rect l="0" t="0" r="r" b="b"/>
-              <a:pathLst>
-                <a:path w="1789" h="2386">
-                  <a:moveTo>
-                    <a:pt x="0" y="0"/>
-                  </a:moveTo>
-                  <a:lnTo>
-                    <a:pt x="0" y="1194"/>
-                  </a:lnTo>
-                  <a:lnTo>
-                    <a:pt x="1192" y="2386"/>
-                  </a:lnTo>
-                  <a:lnTo>
-                    <a:pt x="1789" y="1789"/>
-                  </a:lnTo>
-                  <a:lnTo>
-                    <a:pt x="0" y="0"/>
-                  </a:lnTo>
-                  <a:close/>
-                </a:path>
-              </a:pathLst>
-            </a:custGeom>
-            <a:solidFill>
-              <a:schemeClr val="accent6"/>
-            </a:solidFill>
-            <a:ln>
-              <a:noFill/>
-            </a:ln>
-            <a:extLst>
-              <a:ext uri="{91240B29-F687-4F45-9708-019B960494DF}">
-                <a14:hiddenLine xmlns:a14="http://schemas.microsoft.com/office/drawing/2010/main" w="9525">
-                  <a:solidFill>
-                    <a:srgbClr val="000000"/>
-                  </a:solidFill>
-                  <a:round/>
-                  <a:headEnd/>
-                  <a:tailEnd/>
-                </a14:hiddenLine>
-              </a:ext>
-            </a:extLst>
-          </p:spPr>
-          <p:txBody>
-            <a:bodyPr rot="0" vert="horz" wrap="square" lIns="91440" tIns="45720" rIns="91440" bIns="45720" anchor="t" anchorCtr="0" upright="1">
-              <a:noAutofit/>
-            </a:bodyPr>
-            <a:lstStyle/>
-            <a:p>
-              <a:endParaRPr lang="en-US" dirty="0"/>
-            </a:p>
-          </p:txBody>
-        </p:sp>
-        <p:sp>
-          <p:nvSpPr>
-            <p:cNvPr id="21" name="Freeform 20">
-              <a:extLst>
-                <a:ext uri="{FF2B5EF4-FFF2-40B4-BE49-F238E27FC236}">
-                  <a16:creationId xmlns:a16="http://schemas.microsoft.com/office/drawing/2014/main" id="{DFB392C8-BD3C-3309-EE9E-E89AFE1BDB22}"/>
-                </a:ext>
-              </a:extLst>
-            </p:cNvPr>
-            <p:cNvSpPr>
-              <a:spLocks/>
-            </p:cNvSpPr>
-            <p:nvPr/>
-          </p:nvSpPr>
-          <p:spPr bwMode="auto">
-            <a:xfrm>
-              <a:off x="0" y="14678"/>
-              <a:ext cx="1162" cy="1162"/>
-            </a:xfrm>
-            <a:custGeom>
-              <a:avLst/>
-              <a:gdLst>
-                <a:gd name="T0" fmla="*/ 0 w 1162"/>
-                <a:gd name="T1" fmla="+- 0 14679 14679"/>
-                <a:gd name="T2" fmla="*/ 14679 h 1162"/>
-                <a:gd name="T3" fmla="*/ 0 w 1162"/>
-                <a:gd name="T4" fmla="+- 0 15840 14679"/>
-                <a:gd name="T5" fmla="*/ 15840 h 1162"/>
-                <a:gd name="T6" fmla="*/ 1161 w 1162"/>
-                <a:gd name="T7" fmla="+- 0 15840 14679"/>
-                <a:gd name="T8" fmla="*/ 15840 h 1162"/>
-                <a:gd name="T9" fmla="*/ 0 w 1162"/>
-                <a:gd name="T10" fmla="+- 0 14679 14679"/>
-                <a:gd name="T11" fmla="*/ 14679 h 1162"/>
-              </a:gdLst>
-              <a:ahLst/>
-              <a:cxnLst>
-                <a:cxn ang="0">
-                  <a:pos x="T0" y="T2"/>
-                </a:cxn>
-                <a:cxn ang="0">
-                  <a:pos x="T3" y="T5"/>
-                </a:cxn>
-                <a:cxn ang="0">
-                  <a:pos x="T6" y="T8"/>
-                </a:cxn>
-                <a:cxn ang="0">
-                  <a:pos x="T9" y="T11"/>
-                </a:cxn>
-              </a:cxnLst>
-              <a:rect l="0" t="0" r="r" b="b"/>
-              <a:pathLst>
-                <a:path w="1162" h="1162">
-                  <a:moveTo>
-                    <a:pt x="0" y="0"/>
-                  </a:moveTo>
-                  <a:lnTo>
-                    <a:pt x="0" y="1161"/>
-                  </a:lnTo>
-                  <a:lnTo>
-                    <a:pt x="1161" y="1161"/>
-                  </a:lnTo>
-                  <a:lnTo>
-                    <a:pt x="0" y="0"/>
-                  </a:lnTo>
-                  <a:close/>
-                </a:path>
-              </a:pathLst>
-            </a:custGeom>
-            <a:solidFill>
-              <a:schemeClr val="tx2"/>
-            </a:solidFill>
-            <a:ln>
-              <a:noFill/>
-            </a:ln>
-            <a:extLst>
-              <a:ext uri="{91240B29-F687-4F45-9708-019B960494DF}">
-                <a14:hiddenLine xmlns:a14="http://schemas.microsoft.com/office/drawing/2010/main" w="9525">
-                  <a:solidFill>
-                    <a:srgbClr val="000000"/>
-                  </a:solidFill>
-                  <a:round/>
-                  <a:headEnd/>
-                  <a:tailEnd/>
-                </a14:hiddenLine>
-              </a:ext>
-            </a:extLst>
-          </p:spPr>
-          <p:txBody>
-            <a:bodyPr rot="0" vert="horz" wrap="square" lIns="91440" tIns="45720" rIns="91440" bIns="45720" anchor="t" anchorCtr="0" upright="1">
-              <a:noAutofit/>
-            </a:bodyPr>
-            <a:lstStyle/>
-            <a:p>
-              <a:endParaRPr lang="en-US" dirty="0"/>
-            </a:p>
-          </p:txBody>
-        </p:sp>
-        <p:sp>
-          <p:nvSpPr>
-            <p:cNvPr id="22" name="Freeform 21">
-              <a:extLst>
-                <a:ext uri="{FF2B5EF4-FFF2-40B4-BE49-F238E27FC236}">
-                  <a16:creationId xmlns:a16="http://schemas.microsoft.com/office/drawing/2014/main" id="{0717DD1E-44E0-F077-880D-0FE4A2300225}"/>
-                </a:ext>
-              </a:extLst>
-            </p:cNvPr>
-            <p:cNvSpPr>
-              <a:spLocks/>
-            </p:cNvSpPr>
-            <p:nvPr/>
-          </p:nvSpPr>
-          <p:spPr bwMode="auto">
-            <a:xfrm>
-              <a:off x="1221" y="14675"/>
-              <a:ext cx="2329" cy="1165"/>
-            </a:xfrm>
-            <a:custGeom>
-              <a:avLst/>
-              <a:gdLst>
-                <a:gd name="T0" fmla="+- 0 3550 1221"/>
-                <a:gd name="T1" fmla="*/ T0 w 2329"/>
-                <a:gd name="T2" fmla="+- 0 15840 14676"/>
-                <a:gd name="T3" fmla="*/ 15840 h 1165"/>
-                <a:gd name="T4" fmla="+- 0 2386 1221"/>
-                <a:gd name="T5" fmla="*/ T4 w 2329"/>
-                <a:gd name="T6" fmla="+- 0 14676 14676"/>
-                <a:gd name="T7" fmla="*/ 14676 h 1165"/>
-                <a:gd name="T8" fmla="+- 0 1221 1221"/>
-                <a:gd name="T9" fmla="*/ T8 w 2329"/>
-                <a:gd name="T10" fmla="+- 0 15840 14676"/>
-                <a:gd name="T11" fmla="*/ 15840 h 1165"/>
-                <a:gd name="T12" fmla="+- 0 3550 1221"/>
-                <a:gd name="T13" fmla="*/ T12 w 2329"/>
-                <a:gd name="T14" fmla="+- 0 15840 14676"/>
-                <a:gd name="T15" fmla="*/ 15840 h 1165"/>
-              </a:gdLst>
-              <a:ahLst/>
-              <a:cxnLst>
-                <a:cxn ang="0">
-                  <a:pos x="T1" y="T3"/>
-                </a:cxn>
-                <a:cxn ang="0">
-                  <a:pos x="T5" y="T7"/>
-                </a:cxn>
-                <a:cxn ang="0">
-                  <a:pos x="T9" y="T11"/>
-                </a:cxn>
-                <a:cxn ang="0">
-                  <a:pos x="T13" y="T15"/>
-                </a:cxn>
-              </a:cxnLst>
-              <a:rect l="0" t="0" r="r" b="b"/>
-              <a:pathLst>
-                <a:path w="2329" h="1165">
-                  <a:moveTo>
-                    <a:pt x="2329" y="1164"/>
-                  </a:moveTo>
-                  <a:lnTo>
-                    <a:pt x="1165" y="0"/>
-                  </a:lnTo>
-                  <a:lnTo>
-                    <a:pt x="0" y="1164"/>
-                  </a:lnTo>
-                  <a:lnTo>
-                    <a:pt x="2329" y="1164"/>
-                  </a:lnTo>
-                </a:path>
-              </a:pathLst>
-            </a:custGeom>
-            <a:solidFill>
-              <a:schemeClr val="accent3"/>
-            </a:solidFill>
-            <a:ln>
-              <a:noFill/>
-            </a:ln>
-            <a:extLst>
-              <a:ext uri="{91240B29-F687-4F45-9708-019B960494DF}">
-                <a14:hiddenLine xmlns:a14="http://schemas.microsoft.com/office/drawing/2010/main" w="9525">
-                  <a:solidFill>
-                    <a:srgbClr val="000000"/>
-                  </a:solidFill>
-                  <a:round/>
-                  <a:headEnd/>
-                  <a:tailEnd/>
-                </a14:hiddenLine>
-              </a:ext>
-            </a:extLst>
-          </p:spPr>
-          <p:txBody>
-            <a:bodyPr rot="0" vert="horz" wrap="square" lIns="91440" tIns="45720" rIns="91440" bIns="45720" anchor="t" anchorCtr="0" upright="1">
-              <a:noAutofit/>
-            </a:bodyPr>
-            <a:lstStyle/>
-            <a:p>
-              <a:endParaRPr lang="en-US" dirty="0"/>
-            </a:p>
-          </p:txBody>
-        </p:sp>
-      </p:grpSp>
-    </p:spTree>
-    <p:extLst>
-      <p:ext uri="{BB962C8B-B14F-4D97-AF65-F5344CB8AC3E}">
-        <p14:creationId xmlns:p14="http://schemas.microsoft.com/office/powerpoint/2010/main" val="397159892"/>
-      </p:ext>
-    </p:extLst>
-  </p:cSld>
-  <p:clrMapOvr>
-    <a:masterClrMapping/>
-  </p:clrMapOvr>
-</p:sld>
-</file>
-
-<file path=ppt/slides/slide9.xml><?xml version="1.0" encoding="utf-8"?>
-<p:sld xmlns:a="http://schemas.openxmlformats.org/drawingml/2006/main" xmlns:r="http://schemas.openxmlformats.org/officeDocument/2006/relationships" xmlns:p="http://schemas.openxmlformats.org/presentationml/2006/main">
-  <p:cSld>
-    <p:spTree>
-      <p:nvGrpSpPr>
-        <p:cNvPr id="1" name="">
-          <a:extLst>
-            <a:ext uri="{FF2B5EF4-FFF2-40B4-BE49-F238E27FC236}">
-              <a16:creationId xmlns:a16="http://schemas.microsoft.com/office/drawing/2014/main" id="{33D3A0F3-30A3-A1C6-7CBB-064A02736A6B}"/>
-            </a:ext>
-          </a:extLst>
-        </p:cNvPr>
-        <p:cNvGrpSpPr/>
-        <p:nvPr/>
-      </p:nvGrpSpPr>
-      <p:grpSpPr>
-        <a:xfrm>
-          <a:off x="0" y="0"/>
-          <a:ext cx="0" cy="0"/>
-          <a:chOff x="0" y="0"/>
-          <a:chExt cx="0" cy="0"/>
-        </a:xfrm>
-      </p:grpSpPr>
-      <p:sp>
-        <p:nvSpPr>
-          <p:cNvPr id="3" name="Title 2">
-            <a:extLst>
-              <a:ext uri="{FF2B5EF4-FFF2-40B4-BE49-F238E27FC236}">
-                <a16:creationId xmlns:a16="http://schemas.microsoft.com/office/drawing/2014/main" id="{2FB0BE14-E2A9-926B-408E-AA54A330DFFB}"/>
-              </a:ext>
-            </a:extLst>
-          </p:cNvPr>
-          <p:cNvSpPr>
-            <a:spLocks noGrp="1"/>
-          </p:cNvSpPr>
-          <p:nvPr>
-            <p:ph type="title"/>
-          </p:nvPr>
-        </p:nvSpPr>
-        <p:spPr>
-          <a:xfrm>
-            <a:off x="594360" y="102875"/>
-            <a:ext cx="10873740" cy="1680205"/>
-          </a:xfrm>
-        </p:spPr>
-        <p:txBody>
-          <a:bodyPr/>
-          <a:lstStyle/>
-          <a:p>
-            <a:r>
-              <a:rPr lang="en-US" dirty="0"/>
-              <a:t>SYNTAX EXAMPLE</a:t>
-            </a:r>
-          </a:p>
-        </p:txBody>
-      </p:sp>
-      <p:grpSp>
-        <p:nvGrpSpPr>
-          <p:cNvPr id="19" name="Group 18">
-            <a:extLst>
-              <a:ext uri="{FF2B5EF4-FFF2-40B4-BE49-F238E27FC236}">
-                <a16:creationId xmlns:a16="http://schemas.microsoft.com/office/drawing/2014/main" id="{E9AFCD6E-8A26-3D75-B674-4499749899C3}"/>
-              </a:ext>
-              <a:ext uri="{C183D7F6-B498-43B3-948B-1728B52AA6E4}">
-                <adec:decorative xmlns:adec="http://schemas.microsoft.com/office/drawing/2017/decorative" val="1"/>
-              </a:ext>
-            </a:extLst>
-          </p:cNvPr>
-          <p:cNvGrpSpPr>
-            <a:grpSpLocks/>
-          </p:cNvGrpSpPr>
-          <p:nvPr/>
-        </p:nvGrpSpPr>
-        <p:grpSpPr bwMode="auto">
-          <a:xfrm rot="16200000" flipV="1">
-            <a:off x="-1" y="3900133"/>
-            <a:ext cx="2959226" cy="2959226"/>
-            <a:chOff x="0" y="12289"/>
-            <a:chExt cx="3550" cy="3551"/>
-          </a:xfrm>
-        </p:grpSpPr>
-        <p:sp>
-          <p:nvSpPr>
-            <p:cNvPr id="20" name="Freeform 19">
-              <a:extLst>
-                <a:ext uri="{FF2B5EF4-FFF2-40B4-BE49-F238E27FC236}">
-                  <a16:creationId xmlns:a16="http://schemas.microsoft.com/office/drawing/2014/main" id="{60BA4809-581D-D3EC-0C08-41F3055ACCF4}"/>
-                </a:ext>
-              </a:extLst>
-            </p:cNvPr>
-            <p:cNvSpPr>
-              <a:spLocks/>
-            </p:cNvSpPr>
-            <p:nvPr/>
-          </p:nvSpPr>
-          <p:spPr bwMode="auto">
-            <a:xfrm>
-              <a:off x="0" y="12289"/>
-              <a:ext cx="1789" cy="2386"/>
-            </a:xfrm>
-            <a:custGeom>
-              <a:avLst/>
-              <a:gdLst>
-                <a:gd name="T0" fmla="*/ 0 w 1789"/>
-                <a:gd name="T1" fmla="+- 0 12290 12290"/>
-                <a:gd name="T2" fmla="*/ 12290 h 2386"/>
-                <a:gd name="T3" fmla="*/ 0 w 1789"/>
-                <a:gd name="T4" fmla="+- 0 13484 12290"/>
-                <a:gd name="T5" fmla="*/ 13484 h 2386"/>
-                <a:gd name="T6" fmla="*/ 1192 w 1789"/>
-                <a:gd name="T7" fmla="+- 0 14676 12290"/>
-                <a:gd name="T8" fmla="*/ 14676 h 2386"/>
-                <a:gd name="T9" fmla="*/ 1789 w 1789"/>
-                <a:gd name="T10" fmla="+- 0 14079 12290"/>
-                <a:gd name="T11" fmla="*/ 14079 h 2386"/>
-                <a:gd name="T12" fmla="*/ 0 w 1789"/>
-                <a:gd name="T13" fmla="+- 0 12290 12290"/>
-                <a:gd name="T14" fmla="*/ 12290 h 2386"/>
-              </a:gdLst>
-              <a:ahLst/>
-              <a:cxnLst>
-                <a:cxn ang="0">
-                  <a:pos x="T0" y="T2"/>
-                </a:cxn>
-                <a:cxn ang="0">
-                  <a:pos x="T3" y="T5"/>
-                </a:cxn>
-                <a:cxn ang="0">
-                  <a:pos x="T6" y="T8"/>
-                </a:cxn>
-                <a:cxn ang="0">
-                  <a:pos x="T9" y="T11"/>
-                </a:cxn>
-                <a:cxn ang="0">
-                  <a:pos x="T12" y="T14"/>
-                </a:cxn>
-              </a:cxnLst>
-              <a:rect l="0" t="0" r="r" b="b"/>
-              <a:pathLst>
-                <a:path w="1789" h="2386">
-                  <a:moveTo>
-                    <a:pt x="0" y="0"/>
-                  </a:moveTo>
-                  <a:lnTo>
-                    <a:pt x="0" y="1194"/>
-                  </a:lnTo>
-                  <a:lnTo>
-                    <a:pt x="1192" y="2386"/>
-                  </a:lnTo>
-                  <a:lnTo>
-                    <a:pt x="1789" y="1789"/>
-                  </a:lnTo>
-                  <a:lnTo>
-                    <a:pt x="0" y="0"/>
-                  </a:lnTo>
-                  <a:close/>
-                </a:path>
-              </a:pathLst>
-            </a:custGeom>
-            <a:solidFill>
-              <a:schemeClr val="accent6"/>
-            </a:solidFill>
-            <a:ln>
-              <a:noFill/>
-            </a:ln>
-            <a:extLst>
-              <a:ext uri="{91240B29-F687-4F45-9708-019B960494DF}">
-                <a14:hiddenLine xmlns:a14="http://schemas.microsoft.com/office/drawing/2010/main" w="9525">
-                  <a:solidFill>
-                    <a:srgbClr val="000000"/>
-                  </a:solidFill>
-                  <a:round/>
-                  <a:headEnd/>
-                  <a:tailEnd/>
-                </a14:hiddenLine>
-              </a:ext>
-            </a:extLst>
-          </p:spPr>
-          <p:txBody>
-            <a:bodyPr rot="0" vert="horz" wrap="square" lIns="91440" tIns="45720" rIns="91440" bIns="45720" anchor="t" anchorCtr="0" upright="1">
-              <a:noAutofit/>
-            </a:bodyPr>
-            <a:lstStyle/>
-            <a:p>
-              <a:endParaRPr lang="en-US" dirty="0"/>
-            </a:p>
-          </p:txBody>
-        </p:sp>
-        <p:sp>
-          <p:nvSpPr>
-            <p:cNvPr id="21" name="Freeform 20">
-              <a:extLst>
-                <a:ext uri="{FF2B5EF4-FFF2-40B4-BE49-F238E27FC236}">
-                  <a16:creationId xmlns:a16="http://schemas.microsoft.com/office/drawing/2014/main" id="{A3873046-2CE3-119C-BE9D-A72A89B93E67}"/>
-                </a:ext>
-              </a:extLst>
-            </p:cNvPr>
-            <p:cNvSpPr>
-              <a:spLocks/>
-            </p:cNvSpPr>
-            <p:nvPr/>
-          </p:nvSpPr>
-          <p:spPr bwMode="auto">
-            <a:xfrm>
-              <a:off x="0" y="14678"/>
-              <a:ext cx="1162" cy="1162"/>
-            </a:xfrm>
-            <a:custGeom>
-              <a:avLst/>
-              <a:gdLst>
-                <a:gd name="T0" fmla="*/ 0 w 1162"/>
-                <a:gd name="T1" fmla="+- 0 14679 14679"/>
-                <a:gd name="T2" fmla="*/ 14679 h 1162"/>
-                <a:gd name="T3" fmla="*/ 0 w 1162"/>
-                <a:gd name="T4" fmla="+- 0 15840 14679"/>
-                <a:gd name="T5" fmla="*/ 15840 h 1162"/>
-                <a:gd name="T6" fmla="*/ 1161 w 1162"/>
-                <a:gd name="T7" fmla="+- 0 15840 14679"/>
-                <a:gd name="T8" fmla="*/ 15840 h 1162"/>
-                <a:gd name="T9" fmla="*/ 0 w 1162"/>
-                <a:gd name="T10" fmla="+- 0 14679 14679"/>
-                <a:gd name="T11" fmla="*/ 14679 h 1162"/>
-              </a:gdLst>
-              <a:ahLst/>
-              <a:cxnLst>
-                <a:cxn ang="0">
-                  <a:pos x="T0" y="T2"/>
-                </a:cxn>
-                <a:cxn ang="0">
-                  <a:pos x="T3" y="T5"/>
-                </a:cxn>
-                <a:cxn ang="0">
-                  <a:pos x="T6" y="T8"/>
-                </a:cxn>
-                <a:cxn ang="0">
-                  <a:pos x="T9" y="T11"/>
-                </a:cxn>
-              </a:cxnLst>
-              <a:rect l="0" t="0" r="r" b="b"/>
-              <a:pathLst>
-                <a:path w="1162" h="1162">
-                  <a:moveTo>
-                    <a:pt x="0" y="0"/>
-                  </a:moveTo>
-                  <a:lnTo>
-                    <a:pt x="0" y="1161"/>
-                  </a:lnTo>
-                  <a:lnTo>
-                    <a:pt x="1161" y="1161"/>
-                  </a:lnTo>
-                  <a:lnTo>
-                    <a:pt x="0" y="0"/>
-                  </a:lnTo>
-                  <a:close/>
-                </a:path>
-              </a:pathLst>
-            </a:custGeom>
-            <a:solidFill>
-              <a:schemeClr val="tx2"/>
-            </a:solidFill>
-            <a:ln>
-              <a:noFill/>
-            </a:ln>
-            <a:extLst>
-              <a:ext uri="{91240B29-F687-4F45-9708-019B960494DF}">
-                <a14:hiddenLine xmlns:a14="http://schemas.microsoft.com/office/drawing/2010/main" w="9525">
-                  <a:solidFill>
-                    <a:srgbClr val="000000"/>
-                  </a:solidFill>
-                  <a:round/>
-                  <a:headEnd/>
-                  <a:tailEnd/>
-                </a14:hiddenLine>
-              </a:ext>
-            </a:extLst>
-          </p:spPr>
-          <p:txBody>
-            <a:bodyPr rot="0" vert="horz" wrap="square" lIns="91440" tIns="45720" rIns="91440" bIns="45720" anchor="t" anchorCtr="0" upright="1">
-              <a:noAutofit/>
-            </a:bodyPr>
-            <a:lstStyle/>
-            <a:p>
-              <a:endParaRPr lang="en-US" dirty="0"/>
-            </a:p>
-          </p:txBody>
-        </p:sp>
-        <p:sp>
-          <p:nvSpPr>
-            <p:cNvPr id="22" name="Freeform 21">
-              <a:extLst>
-                <a:ext uri="{FF2B5EF4-FFF2-40B4-BE49-F238E27FC236}">
-                  <a16:creationId xmlns:a16="http://schemas.microsoft.com/office/drawing/2014/main" id="{98BFFBE2-EB53-9E1F-2BFF-675943D46FB1}"/>
-                </a:ext>
-              </a:extLst>
-            </p:cNvPr>
-            <p:cNvSpPr>
-              <a:spLocks/>
-            </p:cNvSpPr>
-            <p:nvPr/>
-          </p:nvSpPr>
-          <p:spPr bwMode="auto">
-            <a:xfrm>
-              <a:off x="1221" y="14675"/>
-              <a:ext cx="2329" cy="1165"/>
-            </a:xfrm>
-            <a:custGeom>
-              <a:avLst/>
-              <a:gdLst>
-                <a:gd name="T0" fmla="+- 0 3550 1221"/>
-                <a:gd name="T1" fmla="*/ T0 w 2329"/>
-                <a:gd name="T2" fmla="+- 0 15840 14676"/>
-                <a:gd name="T3" fmla="*/ 15840 h 1165"/>
-                <a:gd name="T4" fmla="+- 0 2386 1221"/>
-                <a:gd name="T5" fmla="*/ T4 w 2329"/>
-                <a:gd name="T6" fmla="+- 0 14676 14676"/>
-                <a:gd name="T7" fmla="*/ 14676 h 1165"/>
-                <a:gd name="T8" fmla="+- 0 1221 1221"/>
-                <a:gd name="T9" fmla="*/ T8 w 2329"/>
-                <a:gd name="T10" fmla="+- 0 15840 14676"/>
-                <a:gd name="T11" fmla="*/ 15840 h 1165"/>
-                <a:gd name="T12" fmla="+- 0 3550 1221"/>
-                <a:gd name="T13" fmla="*/ T12 w 2329"/>
-                <a:gd name="T14" fmla="+- 0 15840 14676"/>
-                <a:gd name="T15" fmla="*/ 15840 h 1165"/>
-              </a:gdLst>
-              <a:ahLst/>
-              <a:cxnLst>
-                <a:cxn ang="0">
-                  <a:pos x="T1" y="T3"/>
-                </a:cxn>
-                <a:cxn ang="0">
-                  <a:pos x="T5" y="T7"/>
-                </a:cxn>
-                <a:cxn ang="0">
-                  <a:pos x="T9" y="T11"/>
-                </a:cxn>
-                <a:cxn ang="0">
-                  <a:pos x="T13" y="T15"/>
-                </a:cxn>
-              </a:cxnLst>
-              <a:rect l="0" t="0" r="r" b="b"/>
-              <a:pathLst>
-                <a:path w="2329" h="1165">
-                  <a:moveTo>
-                    <a:pt x="2329" y="1164"/>
-                  </a:moveTo>
-                  <a:lnTo>
-                    <a:pt x="1165" y="0"/>
-                  </a:lnTo>
-                  <a:lnTo>
-                    <a:pt x="0" y="1164"/>
-                  </a:lnTo>
-                  <a:lnTo>
-                    <a:pt x="2329" y="1164"/>
-                  </a:lnTo>
-                </a:path>
-              </a:pathLst>
-            </a:custGeom>
-            <a:solidFill>
-              <a:schemeClr val="accent3"/>
-            </a:solidFill>
-            <a:ln>
-              <a:noFill/>
-            </a:ln>
-            <a:extLst>
-              <a:ext uri="{91240B29-F687-4F45-9708-019B960494DF}">
-                <a14:hiddenLine xmlns:a14="http://schemas.microsoft.com/office/drawing/2010/main" w="9525">
-                  <a:solidFill>
-                    <a:srgbClr val="000000"/>
-                  </a:solidFill>
-                  <a:round/>
-                  <a:headEnd/>
-                  <a:tailEnd/>
-                </a14:hiddenLine>
-              </a:ext>
-            </a:extLst>
-          </p:spPr>
-          <p:txBody>
-            <a:bodyPr rot="0" vert="horz" wrap="square" lIns="91440" tIns="45720" rIns="91440" bIns="45720" anchor="t" anchorCtr="0" upright="1">
-              <a:noAutofit/>
-            </a:bodyPr>
-            <a:lstStyle/>
-            <a:p>
-              <a:endParaRPr lang="en-US" dirty="0"/>
-            </a:p>
-          </p:txBody>
-        </p:sp>
-      </p:grpSp>
-      <p:pic>
-        <p:nvPicPr>
-          <p:cNvPr id="4" name="Picture 3">
-            <a:extLst>
-              <a:ext uri="{FF2B5EF4-FFF2-40B4-BE49-F238E27FC236}">
-                <a16:creationId xmlns:a16="http://schemas.microsoft.com/office/drawing/2014/main" id="{7E6B77D5-B75E-F3B3-31D2-12852986230F}"/>
-              </a:ext>
-            </a:extLst>
-          </p:cNvPr>
-          <p:cNvPicPr>
-            <a:picLocks noChangeAspect="1"/>
-          </p:cNvPicPr>
-          <p:nvPr/>
-        </p:nvPicPr>
-        <p:blipFill>
-          <a:blip r:embed="rId3"/>
-          <a:stretch>
-            <a:fillRect/>
-          </a:stretch>
-        </p:blipFill>
-        <p:spPr>
-          <a:xfrm>
-            <a:off x="3973313" y="1783080"/>
-            <a:ext cx="5454468" cy="4797512"/>
-          </a:xfrm>
-          <a:prstGeom prst="rect">
-            <a:avLst/>
-          </a:prstGeom>
-        </p:spPr>
-      </p:pic>
-    </p:spTree>
-    <p:extLst>
-      <p:ext uri="{BB962C8B-B14F-4D97-AF65-F5344CB8AC3E}">
-        <p14:creationId xmlns:p14="http://schemas.microsoft.com/office/powerpoint/2010/main" val="2183469485"/>
+        <p14:creationId xmlns:p14="http://schemas.microsoft.com/office/powerpoint/2010/main" val="3858379870"/>
       </p:ext>
     </p:extLst>
   </p:cSld>
@@ -16407,15 +20401,6 @@
 </file>
 
 <file path=customXml/item1.xml><?xml version="1.0" encoding="utf-8"?>
-<?mso-contentType ?>
-<FormTemplates xmlns="http://schemas.microsoft.com/sharepoint/v3/contenttype/forms">
-  <Display>DocumentLibraryForm</Display>
-  <Edit>DocumentLibraryForm</Edit>
-  <New>DocumentLibraryForm</New>
-</FormTemplates>
-</file>
-
-<file path=customXml/item2.xml><?xml version="1.0" encoding="utf-8"?>
 <p:properties xmlns:p="http://schemas.microsoft.com/office/2006/metadata/properties" xmlns:xsi="http://www.w3.org/2001/XMLSchema-instance" xmlns:pc="http://schemas.microsoft.com/office/infopath/2007/PartnerControls">
   <documentManagement>
     <Background xmlns="71af3243-3dd4-4a8d-8c0d-dd76da1f02a5">false</Background>
@@ -16433,6 +20418,15 @@
     <MediaServiceKeyPoints xmlns="71af3243-3dd4-4a8d-8c0d-dd76da1f02a5" xsi:nil="true"/>
   </documentManagement>
 </p:properties>
+</file>
+
+<file path=customXml/item2.xml><?xml version="1.0" encoding="utf-8"?>
+<?mso-contentType ?>
+<FormTemplates xmlns="http://schemas.microsoft.com/sharepoint/v3/contenttype/forms">
+  <Display>DocumentLibraryForm</Display>
+  <Edit>DocumentLibraryForm</Edit>
+  <New>DocumentLibraryForm</New>
+</FormTemplates>
 </file>
 
 <file path=customXml/item3.xml><?xml version="1.0" encoding="utf-8"?>
@@ -16748,14 +20742,6 @@
 </file>
 
 <file path=customXml/itemProps1.xml><?xml version="1.0" encoding="utf-8"?>
-<ds:datastoreItem xmlns:ds="http://schemas.openxmlformats.org/officeDocument/2006/customXml" ds:itemID="{C21FFAC0-05A2-416A-B06C-C248395482CF}">
-  <ds:schemaRefs>
-    <ds:schemaRef ds:uri="http://schemas.microsoft.com/sharepoint/v3/contenttype/forms"/>
-  </ds:schemaRefs>
-</ds:datastoreItem>
-</file>
-
-<file path=customXml/itemProps2.xml><?xml version="1.0" encoding="utf-8"?>
 <ds:datastoreItem xmlns:ds="http://schemas.openxmlformats.org/officeDocument/2006/customXml" ds:itemID="{4F4B194E-8B30-4377-8C59-ECFB902D2A26}">
   <ds:schemaRefs>
     <ds:schemaRef ds:uri="http://schemas.microsoft.com/office/2006/metadata/properties"/>
@@ -16763,6 +20749,14 @@
     <ds:schemaRef ds:uri="71af3243-3dd4-4a8d-8c0d-dd76da1f02a5"/>
     <ds:schemaRef ds:uri="http://schemas.microsoft.com/sharepoint/v3"/>
     <ds:schemaRef ds:uri="230e9df3-be65-4c73-a93b-d1236ebd677e"/>
+  </ds:schemaRefs>
+</ds:datastoreItem>
+</file>
+
+<file path=customXml/itemProps2.xml><?xml version="1.0" encoding="utf-8"?>
+<ds:datastoreItem xmlns:ds="http://schemas.openxmlformats.org/officeDocument/2006/customXml" ds:itemID="{C21FFAC0-05A2-416A-B06C-C248395482CF}">
+  <ds:schemaRefs>
+    <ds:schemaRef ds:uri="http://schemas.microsoft.com/sharepoint/v3/contenttype/forms"/>
   </ds:schemaRefs>
 </ds:datastoreItem>
 </file>
